--- a/spring12/slidesS12/prob-intro-tree-model.pptx
+++ b/spring12/slidesS12/prob-intro-tree-model.pptx
@@ -5,10 +5,10 @@
     <p:sldMasterId id="2147483650" r:id="rId1"/>
   </p:sldMasterIdLst>
   <p:notesMasterIdLst>
-    <p:notesMasterId r:id="rId33"/>
+    <p:notesMasterId r:id="rId22"/>
   </p:notesMasterIdLst>
   <p:handoutMasterIdLst>
-    <p:handoutMasterId r:id="rId34"/>
+    <p:handoutMasterId r:id="rId23"/>
   </p:handoutMasterIdLst>
   <p:sldIdLst>
     <p:sldId id="256" r:id="rId2"/>
@@ -31,22 +31,11 @@
     <p:sldId id="273" r:id="rId19"/>
     <p:sldId id="275" r:id="rId20"/>
     <p:sldId id="289" r:id="rId21"/>
-    <p:sldId id="277" r:id="rId22"/>
-    <p:sldId id="291" r:id="rId23"/>
-    <p:sldId id="290" r:id="rId24"/>
-    <p:sldId id="278" r:id="rId25"/>
-    <p:sldId id="279" r:id="rId26"/>
-    <p:sldId id="280" r:id="rId27"/>
-    <p:sldId id="282" r:id="rId28"/>
-    <p:sldId id="288" r:id="rId29"/>
-    <p:sldId id="284" r:id="rId30"/>
-    <p:sldId id="285" r:id="rId31"/>
-    <p:sldId id="286" r:id="rId32"/>
   </p:sldIdLst>
   <p:sldSz cx="9144000" cy="6858000" type="screen4x3"/>
   <p:notesSz cx="9601200" cy="7315200"/>
   <p:custDataLst>
-    <p:tags r:id="rId36"/>
+    <p:tags r:id="rId25"/>
   </p:custDataLst>
   <p:defaultTextStyle>
     <a:defPPr>
@@ -2389,1059 +2378,6 @@
 </p:notes>
 </file>
 
-<file path=ppt/notesSlides/notesSlide21.xml><?xml version="1.0" encoding="utf-8"?>
-<p:notes xmlns:a="http://schemas.openxmlformats.org/drawingml/2006/main" xmlns:r="http://schemas.openxmlformats.org/officeDocument/2006/relationships" xmlns:p="http://schemas.openxmlformats.org/presentationml/2006/main">
-  <p:cSld>
-    <p:spTree>
-      <p:nvGrpSpPr>
-        <p:cNvPr id="1" name=""/>
-        <p:cNvGrpSpPr/>
-        <p:nvPr/>
-      </p:nvGrpSpPr>
-      <p:grpSpPr>
-        <a:xfrm>
-          <a:off x="0" y="0"/>
-          <a:ext cx="0" cy="0"/>
-          <a:chOff x="0" y="0"/>
-          <a:chExt cx="0" cy="0"/>
-        </a:xfrm>
-      </p:grpSpPr>
-      <p:sp>
-        <p:nvSpPr>
-          <p:cNvPr id="54274" name="Slide Image Placeholder 1"/>
-          <p:cNvSpPr>
-            <a:spLocks noGrp="1" noRot="1" noChangeAspect="1" noTextEdit="1"/>
-          </p:cNvSpPr>
-          <p:nvPr>
-            <p:ph type="sldImg"/>
-          </p:nvPr>
-        </p:nvSpPr>
-        <p:spPr>
-          <a:ln/>
-        </p:spPr>
-      </p:sp>
-      <p:sp>
-        <p:nvSpPr>
-          <p:cNvPr id="54275" name="Notes Placeholder 2"/>
-          <p:cNvSpPr>
-            <a:spLocks noGrp="1"/>
-          </p:cNvSpPr>
-          <p:nvPr>
-            <p:ph type="body" idx="1"/>
-          </p:nvPr>
-        </p:nvSpPr>
-        <p:spPr>
-          <a:noFill/>
-          <a:ln/>
-        </p:spPr>
-        <p:txBody>
-          <a:bodyPr/>
-          <a:lstStyle/>
-          <a:p>
-            <a:pPr eaLnBrk="1" hangingPunct="1"/>
-            <a:endParaRPr lang="en-US" smtClean="0">
-              <a:latin typeface="Times New Roman" pitchFamily="-128" charset="0"/>
-            </a:endParaRPr>
-          </a:p>
-        </p:txBody>
-      </p:sp>
-      <p:sp>
-        <p:nvSpPr>
-          <p:cNvPr id="54276" name="Slide Number Placeholder 3"/>
-          <p:cNvSpPr>
-            <a:spLocks noGrp="1"/>
-          </p:cNvSpPr>
-          <p:nvPr>
-            <p:ph type="sldNum" sz="quarter" idx="5"/>
-          </p:nvPr>
-        </p:nvSpPr>
-        <p:spPr>
-          <a:noFill/>
-        </p:spPr>
-        <p:txBody>
-          <a:bodyPr/>
-          <a:lstStyle/>
-          <a:p>
-            <a:fld id="{4E7A7F16-B5C3-4DFA-8B9A-1F688D060C4C}" type="slidenum">
-              <a:rPr lang="en-US" smtClean="0">
-                <a:latin typeface="Times New Roman" pitchFamily="-128" charset="0"/>
-              </a:rPr>
-              <a:pPr/>
-              <a:t>21</a:t>
-            </a:fld>
-            <a:endParaRPr lang="en-US" smtClean="0">
-              <a:latin typeface="Times New Roman" pitchFamily="-128" charset="0"/>
-            </a:endParaRPr>
-          </a:p>
-        </p:txBody>
-      </p:sp>
-      <p:sp>
-        <p:nvSpPr>
-          <p:cNvPr id="54277" name="Footer Placeholder 4"/>
-          <p:cNvSpPr>
-            <a:spLocks noGrp="1"/>
-          </p:cNvSpPr>
-          <p:nvPr>
-            <p:ph type="ftr" sz="quarter" idx="4"/>
-          </p:nvPr>
-        </p:nvSpPr>
-        <p:spPr>
-          <a:noFill/>
-        </p:spPr>
-        <p:txBody>
-          <a:bodyPr/>
-          <a:lstStyle/>
-          <a:p>
-            <a:endParaRPr lang="en-US" smtClean="0">
-              <a:latin typeface="Times New Roman" pitchFamily="-128" charset="0"/>
-            </a:endParaRPr>
-          </a:p>
-        </p:txBody>
-      </p:sp>
-    </p:spTree>
-  </p:cSld>
-  <p:clrMapOvr>
-    <a:masterClrMapping/>
-  </p:clrMapOvr>
-</p:notes>
-</file>
-
-<file path=ppt/notesSlides/notesSlide22.xml><?xml version="1.0" encoding="utf-8"?>
-<p:notes xmlns:a="http://schemas.openxmlformats.org/drawingml/2006/main" xmlns:r="http://schemas.openxmlformats.org/officeDocument/2006/relationships" xmlns:p="http://schemas.openxmlformats.org/presentationml/2006/main">
-  <p:cSld>
-    <p:spTree>
-      <p:nvGrpSpPr>
-        <p:cNvPr id="1" name=""/>
-        <p:cNvGrpSpPr/>
-        <p:nvPr/>
-      </p:nvGrpSpPr>
-      <p:grpSpPr>
-        <a:xfrm>
-          <a:off x="0" y="0"/>
-          <a:ext cx="0" cy="0"/>
-          <a:chOff x="0" y="0"/>
-          <a:chExt cx="0" cy="0"/>
-        </a:xfrm>
-      </p:grpSpPr>
-      <p:sp>
-        <p:nvSpPr>
-          <p:cNvPr id="54274" name="Slide Image Placeholder 1"/>
-          <p:cNvSpPr>
-            <a:spLocks noGrp="1" noRot="1" noChangeAspect="1" noTextEdit="1"/>
-          </p:cNvSpPr>
-          <p:nvPr>
-            <p:ph type="sldImg"/>
-          </p:nvPr>
-        </p:nvSpPr>
-        <p:spPr>
-          <a:ln/>
-        </p:spPr>
-      </p:sp>
-      <p:sp>
-        <p:nvSpPr>
-          <p:cNvPr id="54275" name="Notes Placeholder 2"/>
-          <p:cNvSpPr>
-            <a:spLocks noGrp="1"/>
-          </p:cNvSpPr>
-          <p:nvPr>
-            <p:ph type="body" idx="1"/>
-          </p:nvPr>
-        </p:nvSpPr>
-        <p:spPr>
-          <a:noFill/>
-          <a:ln/>
-        </p:spPr>
-        <p:txBody>
-          <a:bodyPr/>
-          <a:lstStyle/>
-          <a:p>
-            <a:pPr eaLnBrk="1" hangingPunct="1"/>
-            <a:endParaRPr lang="en-US" smtClean="0">
-              <a:latin typeface="Times New Roman" pitchFamily="-128" charset="0"/>
-            </a:endParaRPr>
-          </a:p>
-        </p:txBody>
-      </p:sp>
-      <p:sp>
-        <p:nvSpPr>
-          <p:cNvPr id="54276" name="Slide Number Placeholder 3"/>
-          <p:cNvSpPr>
-            <a:spLocks noGrp="1"/>
-          </p:cNvSpPr>
-          <p:nvPr>
-            <p:ph type="sldNum" sz="quarter" idx="5"/>
-          </p:nvPr>
-        </p:nvSpPr>
-        <p:spPr>
-          <a:noFill/>
-        </p:spPr>
-        <p:txBody>
-          <a:bodyPr/>
-          <a:lstStyle/>
-          <a:p>
-            <a:fld id="{4E7A7F16-B5C3-4DFA-8B9A-1F688D060C4C}" type="slidenum">
-              <a:rPr lang="en-US" smtClean="0">
-                <a:latin typeface="Times New Roman" pitchFamily="-128" charset="0"/>
-              </a:rPr>
-              <a:pPr/>
-              <a:t>22</a:t>
-            </a:fld>
-            <a:endParaRPr lang="en-US" smtClean="0">
-              <a:latin typeface="Times New Roman" pitchFamily="-128" charset="0"/>
-            </a:endParaRPr>
-          </a:p>
-        </p:txBody>
-      </p:sp>
-      <p:sp>
-        <p:nvSpPr>
-          <p:cNvPr id="54277" name="Footer Placeholder 4"/>
-          <p:cNvSpPr>
-            <a:spLocks noGrp="1"/>
-          </p:cNvSpPr>
-          <p:nvPr>
-            <p:ph type="ftr" sz="quarter" idx="4"/>
-          </p:nvPr>
-        </p:nvSpPr>
-        <p:spPr>
-          <a:noFill/>
-        </p:spPr>
-        <p:txBody>
-          <a:bodyPr/>
-          <a:lstStyle/>
-          <a:p>
-            <a:endParaRPr lang="en-US" smtClean="0">
-              <a:latin typeface="Times New Roman" pitchFamily="-128" charset="0"/>
-            </a:endParaRPr>
-          </a:p>
-        </p:txBody>
-      </p:sp>
-    </p:spTree>
-  </p:cSld>
-  <p:clrMapOvr>
-    <a:masterClrMapping/>
-  </p:clrMapOvr>
-</p:notes>
-</file>
-
-<file path=ppt/notesSlides/notesSlide23.xml><?xml version="1.0" encoding="utf-8"?>
-<p:notes xmlns:a="http://schemas.openxmlformats.org/drawingml/2006/main" xmlns:r="http://schemas.openxmlformats.org/officeDocument/2006/relationships" xmlns:p="http://schemas.openxmlformats.org/presentationml/2006/main">
-  <p:cSld>
-    <p:spTree>
-      <p:nvGrpSpPr>
-        <p:cNvPr id="1" name=""/>
-        <p:cNvGrpSpPr/>
-        <p:nvPr/>
-      </p:nvGrpSpPr>
-      <p:grpSpPr>
-        <a:xfrm>
-          <a:off x="0" y="0"/>
-          <a:ext cx="0" cy="0"/>
-          <a:chOff x="0" y="0"/>
-          <a:chExt cx="0" cy="0"/>
-        </a:xfrm>
-      </p:grpSpPr>
-      <p:sp>
-        <p:nvSpPr>
-          <p:cNvPr id="54274" name="Slide Image Placeholder 1"/>
-          <p:cNvSpPr>
-            <a:spLocks noGrp="1" noRot="1" noChangeAspect="1" noTextEdit="1"/>
-          </p:cNvSpPr>
-          <p:nvPr>
-            <p:ph type="sldImg"/>
-          </p:nvPr>
-        </p:nvSpPr>
-        <p:spPr>
-          <a:ln/>
-        </p:spPr>
-      </p:sp>
-      <p:sp>
-        <p:nvSpPr>
-          <p:cNvPr id="54275" name="Notes Placeholder 2"/>
-          <p:cNvSpPr>
-            <a:spLocks noGrp="1"/>
-          </p:cNvSpPr>
-          <p:nvPr>
-            <p:ph type="body" idx="1"/>
-          </p:nvPr>
-        </p:nvSpPr>
-        <p:spPr>
-          <a:noFill/>
-          <a:ln/>
-        </p:spPr>
-        <p:txBody>
-          <a:bodyPr/>
-          <a:lstStyle/>
-          <a:p>
-            <a:pPr eaLnBrk="1" hangingPunct="1"/>
-            <a:endParaRPr lang="en-US" smtClean="0">
-              <a:latin typeface="Times New Roman" pitchFamily="-128" charset="0"/>
-            </a:endParaRPr>
-          </a:p>
-        </p:txBody>
-      </p:sp>
-      <p:sp>
-        <p:nvSpPr>
-          <p:cNvPr id="54276" name="Slide Number Placeholder 3"/>
-          <p:cNvSpPr>
-            <a:spLocks noGrp="1"/>
-          </p:cNvSpPr>
-          <p:nvPr>
-            <p:ph type="sldNum" sz="quarter" idx="5"/>
-          </p:nvPr>
-        </p:nvSpPr>
-        <p:spPr>
-          <a:noFill/>
-        </p:spPr>
-        <p:txBody>
-          <a:bodyPr/>
-          <a:lstStyle/>
-          <a:p>
-            <a:fld id="{4E7A7F16-B5C3-4DFA-8B9A-1F688D060C4C}" type="slidenum">
-              <a:rPr lang="en-US" smtClean="0">
-                <a:latin typeface="Times New Roman" pitchFamily="-128" charset="0"/>
-              </a:rPr>
-              <a:pPr/>
-              <a:t>23</a:t>
-            </a:fld>
-            <a:endParaRPr lang="en-US" smtClean="0">
-              <a:latin typeface="Times New Roman" pitchFamily="-128" charset="0"/>
-            </a:endParaRPr>
-          </a:p>
-        </p:txBody>
-      </p:sp>
-      <p:sp>
-        <p:nvSpPr>
-          <p:cNvPr id="54277" name="Footer Placeholder 4"/>
-          <p:cNvSpPr>
-            <a:spLocks noGrp="1"/>
-          </p:cNvSpPr>
-          <p:nvPr>
-            <p:ph type="ftr" sz="quarter" idx="4"/>
-          </p:nvPr>
-        </p:nvSpPr>
-        <p:spPr>
-          <a:noFill/>
-        </p:spPr>
-        <p:txBody>
-          <a:bodyPr/>
-          <a:lstStyle/>
-          <a:p>
-            <a:endParaRPr lang="en-US" smtClean="0">
-              <a:latin typeface="Times New Roman" pitchFamily="-128" charset="0"/>
-            </a:endParaRPr>
-          </a:p>
-        </p:txBody>
-      </p:sp>
-    </p:spTree>
-  </p:cSld>
-  <p:clrMapOvr>
-    <a:masterClrMapping/>
-  </p:clrMapOvr>
-</p:notes>
-</file>
-
-<file path=ppt/notesSlides/notesSlide24.xml><?xml version="1.0" encoding="utf-8"?>
-<p:notes xmlns:a="http://schemas.openxmlformats.org/drawingml/2006/main" xmlns:r="http://schemas.openxmlformats.org/officeDocument/2006/relationships" xmlns:p="http://schemas.openxmlformats.org/presentationml/2006/main">
-  <p:cSld>
-    <p:spTree>
-      <p:nvGrpSpPr>
-        <p:cNvPr id="1" name=""/>
-        <p:cNvGrpSpPr/>
-        <p:nvPr/>
-      </p:nvGrpSpPr>
-      <p:grpSpPr>
-        <a:xfrm>
-          <a:off x="0" y="0"/>
-          <a:ext cx="0" cy="0"/>
-          <a:chOff x="0" y="0"/>
-          <a:chExt cx="0" cy="0"/>
-        </a:xfrm>
-      </p:grpSpPr>
-      <p:sp>
-        <p:nvSpPr>
-          <p:cNvPr id="55298" name="Slide Image Placeholder 1"/>
-          <p:cNvSpPr>
-            <a:spLocks noGrp="1" noRot="1" noChangeAspect="1" noTextEdit="1"/>
-          </p:cNvSpPr>
-          <p:nvPr>
-            <p:ph type="sldImg"/>
-          </p:nvPr>
-        </p:nvSpPr>
-        <p:spPr>
-          <a:ln/>
-        </p:spPr>
-      </p:sp>
-      <p:sp>
-        <p:nvSpPr>
-          <p:cNvPr id="55299" name="Notes Placeholder 2"/>
-          <p:cNvSpPr>
-            <a:spLocks noGrp="1"/>
-          </p:cNvSpPr>
-          <p:nvPr>
-            <p:ph type="body" idx="1"/>
-          </p:nvPr>
-        </p:nvSpPr>
-        <p:spPr>
-          <a:noFill/>
-          <a:ln/>
-        </p:spPr>
-        <p:txBody>
-          <a:bodyPr/>
-          <a:lstStyle/>
-          <a:p>
-            <a:pPr eaLnBrk="1" hangingPunct="1"/>
-            <a:endParaRPr lang="en-US" smtClean="0">
-              <a:latin typeface="Times New Roman" pitchFamily="-128" charset="0"/>
-            </a:endParaRPr>
-          </a:p>
-        </p:txBody>
-      </p:sp>
-      <p:sp>
-        <p:nvSpPr>
-          <p:cNvPr id="55300" name="Slide Number Placeholder 3"/>
-          <p:cNvSpPr>
-            <a:spLocks noGrp="1"/>
-          </p:cNvSpPr>
-          <p:nvPr>
-            <p:ph type="sldNum" sz="quarter" idx="5"/>
-          </p:nvPr>
-        </p:nvSpPr>
-        <p:spPr>
-          <a:noFill/>
-        </p:spPr>
-        <p:txBody>
-          <a:bodyPr/>
-          <a:lstStyle/>
-          <a:p>
-            <a:fld id="{D0B7C6F7-10CC-4D10-8C47-2CEF21C89803}" type="slidenum">
-              <a:rPr lang="en-US" smtClean="0">
-                <a:latin typeface="Times New Roman" pitchFamily="-128" charset="0"/>
-              </a:rPr>
-              <a:pPr/>
-              <a:t>24</a:t>
-            </a:fld>
-            <a:endParaRPr lang="en-US" smtClean="0">
-              <a:latin typeface="Times New Roman" pitchFamily="-128" charset="0"/>
-            </a:endParaRPr>
-          </a:p>
-        </p:txBody>
-      </p:sp>
-      <p:sp>
-        <p:nvSpPr>
-          <p:cNvPr id="55301" name="Footer Placeholder 4"/>
-          <p:cNvSpPr>
-            <a:spLocks noGrp="1"/>
-          </p:cNvSpPr>
-          <p:nvPr>
-            <p:ph type="ftr" sz="quarter" idx="4"/>
-          </p:nvPr>
-        </p:nvSpPr>
-        <p:spPr>
-          <a:noFill/>
-        </p:spPr>
-        <p:txBody>
-          <a:bodyPr/>
-          <a:lstStyle/>
-          <a:p>
-            <a:endParaRPr lang="en-US" smtClean="0">
-              <a:latin typeface="Times New Roman" pitchFamily="-128" charset="0"/>
-            </a:endParaRPr>
-          </a:p>
-        </p:txBody>
-      </p:sp>
-    </p:spTree>
-  </p:cSld>
-  <p:clrMapOvr>
-    <a:masterClrMapping/>
-  </p:clrMapOvr>
-</p:notes>
-</file>
-
-<file path=ppt/notesSlides/notesSlide25.xml><?xml version="1.0" encoding="utf-8"?>
-<p:notes xmlns:a="http://schemas.openxmlformats.org/drawingml/2006/main" xmlns:r="http://schemas.openxmlformats.org/officeDocument/2006/relationships" xmlns:p="http://schemas.openxmlformats.org/presentationml/2006/main">
-  <p:cSld>
-    <p:spTree>
-      <p:nvGrpSpPr>
-        <p:cNvPr id="1" name=""/>
-        <p:cNvGrpSpPr/>
-        <p:nvPr/>
-      </p:nvGrpSpPr>
-      <p:grpSpPr>
-        <a:xfrm>
-          <a:off x="0" y="0"/>
-          <a:ext cx="0" cy="0"/>
-          <a:chOff x="0" y="0"/>
-          <a:chExt cx="0" cy="0"/>
-        </a:xfrm>
-      </p:grpSpPr>
-      <p:sp>
-        <p:nvSpPr>
-          <p:cNvPr id="56322" name="Slide Image Placeholder 1"/>
-          <p:cNvSpPr>
-            <a:spLocks noGrp="1" noRot="1" noChangeAspect="1" noTextEdit="1"/>
-          </p:cNvSpPr>
-          <p:nvPr>
-            <p:ph type="sldImg"/>
-          </p:nvPr>
-        </p:nvSpPr>
-        <p:spPr>
-          <a:ln/>
-        </p:spPr>
-      </p:sp>
-      <p:sp>
-        <p:nvSpPr>
-          <p:cNvPr id="56323" name="Notes Placeholder 2"/>
-          <p:cNvSpPr>
-            <a:spLocks noGrp="1"/>
-          </p:cNvSpPr>
-          <p:nvPr>
-            <p:ph type="body" idx="1"/>
-          </p:nvPr>
-        </p:nvSpPr>
-        <p:spPr>
-          <a:noFill/>
-          <a:ln/>
-        </p:spPr>
-        <p:txBody>
-          <a:bodyPr/>
-          <a:lstStyle/>
-          <a:p>
-            <a:pPr eaLnBrk="1" hangingPunct="1"/>
-            <a:endParaRPr lang="en-US" smtClean="0">
-              <a:latin typeface="Times New Roman" pitchFamily="-128" charset="0"/>
-            </a:endParaRPr>
-          </a:p>
-        </p:txBody>
-      </p:sp>
-      <p:sp>
-        <p:nvSpPr>
-          <p:cNvPr id="56324" name="Slide Number Placeholder 3"/>
-          <p:cNvSpPr>
-            <a:spLocks noGrp="1"/>
-          </p:cNvSpPr>
-          <p:nvPr>
-            <p:ph type="sldNum" sz="quarter" idx="5"/>
-          </p:nvPr>
-        </p:nvSpPr>
-        <p:spPr>
-          <a:noFill/>
-        </p:spPr>
-        <p:txBody>
-          <a:bodyPr/>
-          <a:lstStyle/>
-          <a:p>
-            <a:fld id="{461C3EA4-0352-4A20-8F0A-D70E14F257F1}" type="slidenum">
-              <a:rPr lang="en-US" smtClean="0">
-                <a:latin typeface="Times New Roman" pitchFamily="-128" charset="0"/>
-              </a:rPr>
-              <a:pPr/>
-              <a:t>25</a:t>
-            </a:fld>
-            <a:endParaRPr lang="en-US" smtClean="0">
-              <a:latin typeface="Times New Roman" pitchFamily="-128" charset="0"/>
-            </a:endParaRPr>
-          </a:p>
-        </p:txBody>
-      </p:sp>
-      <p:sp>
-        <p:nvSpPr>
-          <p:cNvPr id="56325" name="Footer Placeholder 4"/>
-          <p:cNvSpPr>
-            <a:spLocks noGrp="1"/>
-          </p:cNvSpPr>
-          <p:nvPr>
-            <p:ph type="ftr" sz="quarter" idx="4"/>
-          </p:nvPr>
-        </p:nvSpPr>
-        <p:spPr>
-          <a:noFill/>
-        </p:spPr>
-        <p:txBody>
-          <a:bodyPr/>
-          <a:lstStyle/>
-          <a:p>
-            <a:endParaRPr lang="en-US" smtClean="0">
-              <a:latin typeface="Times New Roman" pitchFamily="-128" charset="0"/>
-            </a:endParaRPr>
-          </a:p>
-        </p:txBody>
-      </p:sp>
-    </p:spTree>
-  </p:cSld>
-  <p:clrMapOvr>
-    <a:masterClrMapping/>
-  </p:clrMapOvr>
-</p:notes>
-</file>
-
-<file path=ppt/notesSlides/notesSlide26.xml><?xml version="1.0" encoding="utf-8"?>
-<p:notes xmlns:a="http://schemas.openxmlformats.org/drawingml/2006/main" xmlns:r="http://schemas.openxmlformats.org/officeDocument/2006/relationships" xmlns:p="http://schemas.openxmlformats.org/presentationml/2006/main">
-  <p:cSld>
-    <p:spTree>
-      <p:nvGrpSpPr>
-        <p:cNvPr id="1" name=""/>
-        <p:cNvGrpSpPr/>
-        <p:nvPr/>
-      </p:nvGrpSpPr>
-      <p:grpSpPr>
-        <a:xfrm>
-          <a:off x="0" y="0"/>
-          <a:ext cx="0" cy="0"/>
-          <a:chOff x="0" y="0"/>
-          <a:chExt cx="0" cy="0"/>
-        </a:xfrm>
-      </p:grpSpPr>
-      <p:sp>
-        <p:nvSpPr>
-          <p:cNvPr id="57346" name="Slide Image Placeholder 1"/>
-          <p:cNvSpPr>
-            <a:spLocks noGrp="1" noRot="1" noChangeAspect="1" noTextEdit="1"/>
-          </p:cNvSpPr>
-          <p:nvPr>
-            <p:ph type="sldImg"/>
-          </p:nvPr>
-        </p:nvSpPr>
-        <p:spPr>
-          <a:ln/>
-        </p:spPr>
-      </p:sp>
-      <p:sp>
-        <p:nvSpPr>
-          <p:cNvPr id="57347" name="Notes Placeholder 2"/>
-          <p:cNvSpPr>
-            <a:spLocks noGrp="1"/>
-          </p:cNvSpPr>
-          <p:nvPr>
-            <p:ph type="body" idx="1"/>
-          </p:nvPr>
-        </p:nvSpPr>
-        <p:spPr>
-          <a:noFill/>
-          <a:ln/>
-        </p:spPr>
-        <p:txBody>
-          <a:bodyPr/>
-          <a:lstStyle/>
-          <a:p>
-            <a:pPr eaLnBrk="1" hangingPunct="1"/>
-            <a:endParaRPr lang="en-US" smtClean="0">
-              <a:latin typeface="Times New Roman" pitchFamily="-128" charset="0"/>
-            </a:endParaRPr>
-          </a:p>
-        </p:txBody>
-      </p:sp>
-      <p:sp>
-        <p:nvSpPr>
-          <p:cNvPr id="57348" name="Slide Number Placeholder 3"/>
-          <p:cNvSpPr>
-            <a:spLocks noGrp="1"/>
-          </p:cNvSpPr>
-          <p:nvPr>
-            <p:ph type="sldNum" sz="quarter" idx="5"/>
-          </p:nvPr>
-        </p:nvSpPr>
-        <p:spPr>
-          <a:noFill/>
-        </p:spPr>
-        <p:txBody>
-          <a:bodyPr/>
-          <a:lstStyle/>
-          <a:p>
-            <a:fld id="{68F6341F-3A17-49EE-BBB9-E4A3C8A3E3C4}" type="slidenum">
-              <a:rPr lang="en-US" smtClean="0">
-                <a:latin typeface="Times New Roman" pitchFamily="-128" charset="0"/>
-              </a:rPr>
-              <a:pPr/>
-              <a:t>26</a:t>
-            </a:fld>
-            <a:endParaRPr lang="en-US" smtClean="0">
-              <a:latin typeface="Times New Roman" pitchFamily="-128" charset="0"/>
-            </a:endParaRPr>
-          </a:p>
-        </p:txBody>
-      </p:sp>
-      <p:sp>
-        <p:nvSpPr>
-          <p:cNvPr id="57349" name="Footer Placeholder 4"/>
-          <p:cNvSpPr>
-            <a:spLocks noGrp="1"/>
-          </p:cNvSpPr>
-          <p:nvPr>
-            <p:ph type="ftr" sz="quarter" idx="4"/>
-          </p:nvPr>
-        </p:nvSpPr>
-        <p:spPr>
-          <a:noFill/>
-        </p:spPr>
-        <p:txBody>
-          <a:bodyPr/>
-          <a:lstStyle/>
-          <a:p>
-            <a:endParaRPr lang="en-US" smtClean="0">
-              <a:latin typeface="Times New Roman" pitchFamily="-128" charset="0"/>
-            </a:endParaRPr>
-          </a:p>
-        </p:txBody>
-      </p:sp>
-    </p:spTree>
-  </p:cSld>
-  <p:clrMapOvr>
-    <a:masterClrMapping/>
-  </p:clrMapOvr>
-</p:notes>
-</file>
-
-<file path=ppt/notesSlides/notesSlide27.xml><?xml version="1.0" encoding="utf-8"?>
-<p:notes xmlns:a="http://schemas.openxmlformats.org/drawingml/2006/main" xmlns:r="http://schemas.openxmlformats.org/officeDocument/2006/relationships" xmlns:p="http://schemas.openxmlformats.org/presentationml/2006/main">
-  <p:cSld>
-    <p:spTree>
-      <p:nvGrpSpPr>
-        <p:cNvPr id="1" name=""/>
-        <p:cNvGrpSpPr/>
-        <p:nvPr/>
-      </p:nvGrpSpPr>
-      <p:grpSpPr>
-        <a:xfrm>
-          <a:off x="0" y="0"/>
-          <a:ext cx="0" cy="0"/>
-          <a:chOff x="0" y="0"/>
-          <a:chExt cx="0" cy="0"/>
-        </a:xfrm>
-      </p:grpSpPr>
-      <p:sp>
-        <p:nvSpPr>
-          <p:cNvPr id="59394" name="Slide Image Placeholder 1"/>
-          <p:cNvSpPr>
-            <a:spLocks noGrp="1" noRot="1" noChangeAspect="1" noTextEdit="1"/>
-          </p:cNvSpPr>
-          <p:nvPr>
-            <p:ph type="sldImg"/>
-          </p:nvPr>
-        </p:nvSpPr>
-        <p:spPr>
-          <a:ln/>
-        </p:spPr>
-      </p:sp>
-      <p:sp>
-        <p:nvSpPr>
-          <p:cNvPr id="59395" name="Notes Placeholder 2"/>
-          <p:cNvSpPr>
-            <a:spLocks noGrp="1"/>
-          </p:cNvSpPr>
-          <p:nvPr>
-            <p:ph type="body" idx="1"/>
-          </p:nvPr>
-        </p:nvSpPr>
-        <p:spPr>
-          <a:noFill/>
-          <a:ln/>
-        </p:spPr>
-        <p:txBody>
-          <a:bodyPr/>
-          <a:lstStyle/>
-          <a:p>
-            <a:pPr eaLnBrk="1" hangingPunct="1"/>
-            <a:endParaRPr lang="en-US" smtClean="0">
-              <a:latin typeface="Times New Roman" pitchFamily="-128" charset="0"/>
-            </a:endParaRPr>
-          </a:p>
-        </p:txBody>
-      </p:sp>
-      <p:sp>
-        <p:nvSpPr>
-          <p:cNvPr id="59396" name="Slide Number Placeholder 3"/>
-          <p:cNvSpPr>
-            <a:spLocks noGrp="1"/>
-          </p:cNvSpPr>
-          <p:nvPr>
-            <p:ph type="sldNum" sz="quarter" idx="5"/>
-          </p:nvPr>
-        </p:nvSpPr>
-        <p:spPr>
-          <a:noFill/>
-        </p:spPr>
-        <p:txBody>
-          <a:bodyPr/>
-          <a:lstStyle/>
-          <a:p>
-            <a:fld id="{7852088A-8A84-4153-A2E1-84BB242732F0}" type="slidenum">
-              <a:rPr lang="en-US" smtClean="0">
-                <a:latin typeface="Times New Roman" pitchFamily="-128" charset="0"/>
-              </a:rPr>
-              <a:pPr/>
-              <a:t>27</a:t>
-            </a:fld>
-            <a:endParaRPr lang="en-US" smtClean="0">
-              <a:latin typeface="Times New Roman" pitchFamily="-128" charset="0"/>
-            </a:endParaRPr>
-          </a:p>
-        </p:txBody>
-      </p:sp>
-      <p:sp>
-        <p:nvSpPr>
-          <p:cNvPr id="59397" name="Footer Placeholder 4"/>
-          <p:cNvSpPr>
-            <a:spLocks noGrp="1"/>
-          </p:cNvSpPr>
-          <p:nvPr>
-            <p:ph type="ftr" sz="quarter" idx="4"/>
-          </p:nvPr>
-        </p:nvSpPr>
-        <p:spPr>
-          <a:noFill/>
-        </p:spPr>
-        <p:txBody>
-          <a:bodyPr/>
-          <a:lstStyle/>
-          <a:p>
-            <a:endParaRPr lang="en-US" smtClean="0">
-              <a:latin typeface="Times New Roman" pitchFamily="-128" charset="0"/>
-            </a:endParaRPr>
-          </a:p>
-        </p:txBody>
-      </p:sp>
-    </p:spTree>
-  </p:cSld>
-  <p:clrMapOvr>
-    <a:masterClrMapping/>
-  </p:clrMapOvr>
-</p:notes>
-</file>
-
-<file path=ppt/notesSlides/notesSlide28.xml><?xml version="1.0" encoding="utf-8"?>
-<p:notes xmlns:a="http://schemas.openxmlformats.org/drawingml/2006/main" xmlns:r="http://schemas.openxmlformats.org/officeDocument/2006/relationships" xmlns:p="http://schemas.openxmlformats.org/presentationml/2006/main">
-  <p:cSld>
-    <p:spTree>
-      <p:nvGrpSpPr>
-        <p:cNvPr id="1" name=""/>
-        <p:cNvGrpSpPr/>
-        <p:nvPr/>
-      </p:nvGrpSpPr>
-      <p:grpSpPr>
-        <a:xfrm>
-          <a:off x="0" y="0"/>
-          <a:ext cx="0" cy="0"/>
-          <a:chOff x="0" y="0"/>
-          <a:chExt cx="0" cy="0"/>
-        </a:xfrm>
-      </p:grpSpPr>
-      <p:sp>
-        <p:nvSpPr>
-          <p:cNvPr id="59394" name="Slide Image Placeholder 1"/>
-          <p:cNvSpPr>
-            <a:spLocks noGrp="1" noRot="1" noChangeAspect="1" noTextEdit="1"/>
-          </p:cNvSpPr>
-          <p:nvPr>
-            <p:ph type="sldImg"/>
-          </p:nvPr>
-        </p:nvSpPr>
-        <p:spPr>
-          <a:ln/>
-        </p:spPr>
-      </p:sp>
-      <p:sp>
-        <p:nvSpPr>
-          <p:cNvPr id="59395" name="Notes Placeholder 2"/>
-          <p:cNvSpPr>
-            <a:spLocks noGrp="1"/>
-          </p:cNvSpPr>
-          <p:nvPr>
-            <p:ph type="body" idx="1"/>
-          </p:nvPr>
-        </p:nvSpPr>
-        <p:spPr>
-          <a:noFill/>
-          <a:ln/>
-        </p:spPr>
-        <p:txBody>
-          <a:bodyPr/>
-          <a:lstStyle/>
-          <a:p>
-            <a:pPr eaLnBrk="1" hangingPunct="1"/>
-            <a:endParaRPr lang="en-US" smtClean="0">
-              <a:latin typeface="Times New Roman" pitchFamily="-128" charset="0"/>
-            </a:endParaRPr>
-          </a:p>
-        </p:txBody>
-      </p:sp>
-      <p:sp>
-        <p:nvSpPr>
-          <p:cNvPr id="59396" name="Slide Number Placeholder 3"/>
-          <p:cNvSpPr>
-            <a:spLocks noGrp="1"/>
-          </p:cNvSpPr>
-          <p:nvPr>
-            <p:ph type="sldNum" sz="quarter" idx="5"/>
-          </p:nvPr>
-        </p:nvSpPr>
-        <p:spPr>
-          <a:noFill/>
-        </p:spPr>
-        <p:txBody>
-          <a:bodyPr/>
-          <a:lstStyle/>
-          <a:p>
-            <a:fld id="{7852088A-8A84-4153-A2E1-84BB242732F0}" type="slidenum">
-              <a:rPr lang="en-US" smtClean="0">
-                <a:latin typeface="Times New Roman" pitchFamily="-128" charset="0"/>
-              </a:rPr>
-              <a:pPr/>
-              <a:t>28</a:t>
-            </a:fld>
-            <a:endParaRPr lang="en-US" smtClean="0">
-              <a:latin typeface="Times New Roman" pitchFamily="-128" charset="0"/>
-            </a:endParaRPr>
-          </a:p>
-        </p:txBody>
-      </p:sp>
-      <p:sp>
-        <p:nvSpPr>
-          <p:cNvPr id="59397" name="Footer Placeholder 4"/>
-          <p:cNvSpPr>
-            <a:spLocks noGrp="1"/>
-          </p:cNvSpPr>
-          <p:nvPr>
-            <p:ph type="ftr" sz="quarter" idx="4"/>
-          </p:nvPr>
-        </p:nvSpPr>
-        <p:spPr>
-          <a:noFill/>
-        </p:spPr>
-        <p:txBody>
-          <a:bodyPr/>
-          <a:lstStyle/>
-          <a:p>
-            <a:endParaRPr lang="en-US" smtClean="0">
-              <a:latin typeface="Times New Roman" pitchFamily="-128" charset="0"/>
-            </a:endParaRPr>
-          </a:p>
-        </p:txBody>
-      </p:sp>
-    </p:spTree>
-  </p:cSld>
-  <p:clrMapOvr>
-    <a:masterClrMapping/>
-  </p:clrMapOvr>
-</p:notes>
-</file>
-
-<file path=ppt/notesSlides/notesSlide29.xml><?xml version="1.0" encoding="utf-8"?>
-<p:notes xmlns:a="http://schemas.openxmlformats.org/drawingml/2006/main" xmlns:r="http://schemas.openxmlformats.org/officeDocument/2006/relationships" xmlns:p="http://schemas.openxmlformats.org/presentationml/2006/main">
-  <p:cSld>
-    <p:spTree>
-      <p:nvGrpSpPr>
-        <p:cNvPr id="1" name=""/>
-        <p:cNvGrpSpPr/>
-        <p:nvPr/>
-      </p:nvGrpSpPr>
-      <p:grpSpPr>
-        <a:xfrm>
-          <a:off x="0" y="0"/>
-          <a:ext cx="0" cy="0"/>
-          <a:chOff x="0" y="0"/>
-          <a:chExt cx="0" cy="0"/>
-        </a:xfrm>
-      </p:grpSpPr>
-      <p:sp>
-        <p:nvSpPr>
-          <p:cNvPr id="60418" name="Slide Image Placeholder 1"/>
-          <p:cNvSpPr>
-            <a:spLocks noGrp="1" noRot="1" noChangeAspect="1" noTextEdit="1"/>
-          </p:cNvSpPr>
-          <p:nvPr>
-            <p:ph type="sldImg"/>
-          </p:nvPr>
-        </p:nvSpPr>
-        <p:spPr>
-          <a:ln/>
-        </p:spPr>
-      </p:sp>
-      <p:sp>
-        <p:nvSpPr>
-          <p:cNvPr id="60419" name="Notes Placeholder 2"/>
-          <p:cNvSpPr>
-            <a:spLocks noGrp="1"/>
-          </p:cNvSpPr>
-          <p:nvPr>
-            <p:ph type="body" idx="1"/>
-          </p:nvPr>
-        </p:nvSpPr>
-        <p:spPr>
-          <a:noFill/>
-          <a:ln/>
-        </p:spPr>
-        <p:txBody>
-          <a:bodyPr/>
-          <a:lstStyle/>
-          <a:p>
-            <a:pPr eaLnBrk="1" hangingPunct="1"/>
-            <a:endParaRPr lang="en-US" smtClean="0">
-              <a:latin typeface="Times New Roman" pitchFamily="-128" charset="0"/>
-            </a:endParaRPr>
-          </a:p>
-        </p:txBody>
-      </p:sp>
-      <p:sp>
-        <p:nvSpPr>
-          <p:cNvPr id="60420" name="Slide Number Placeholder 3"/>
-          <p:cNvSpPr>
-            <a:spLocks noGrp="1"/>
-          </p:cNvSpPr>
-          <p:nvPr>
-            <p:ph type="sldNum" sz="quarter" idx="5"/>
-          </p:nvPr>
-        </p:nvSpPr>
-        <p:spPr>
-          <a:noFill/>
-        </p:spPr>
-        <p:txBody>
-          <a:bodyPr/>
-          <a:lstStyle/>
-          <a:p>
-            <a:fld id="{D84216D9-2207-484D-A668-F9515BC956C3}" type="slidenum">
-              <a:rPr lang="en-US" smtClean="0">
-                <a:latin typeface="Times New Roman" pitchFamily="-128" charset="0"/>
-              </a:rPr>
-              <a:pPr/>
-              <a:t>29</a:t>
-            </a:fld>
-            <a:endParaRPr lang="en-US" smtClean="0">
-              <a:latin typeface="Times New Roman" pitchFamily="-128" charset="0"/>
-            </a:endParaRPr>
-          </a:p>
-        </p:txBody>
-      </p:sp>
-      <p:sp>
-        <p:nvSpPr>
-          <p:cNvPr id="60421" name="Footer Placeholder 4"/>
-          <p:cNvSpPr>
-            <a:spLocks noGrp="1"/>
-          </p:cNvSpPr>
-          <p:nvPr>
-            <p:ph type="ftr" sz="quarter" idx="4"/>
-          </p:nvPr>
-        </p:nvSpPr>
-        <p:spPr>
-          <a:noFill/>
-        </p:spPr>
-        <p:txBody>
-          <a:bodyPr/>
-          <a:lstStyle/>
-          <a:p>
-            <a:endParaRPr lang="en-US" smtClean="0">
-              <a:latin typeface="Times New Roman" pitchFamily="-128" charset="0"/>
-            </a:endParaRPr>
-          </a:p>
-        </p:txBody>
-      </p:sp>
-    </p:spTree>
-  </p:cSld>
-  <p:clrMapOvr>
-    <a:masterClrMapping/>
-  </p:clrMapOvr>
-</p:notes>
-</file>
-
 <file path=ppt/notesSlides/notesSlide3.xml><?xml version="1.0" encoding="utf-8"?>
 <p:notes xmlns:a="http://schemas.openxmlformats.org/drawingml/2006/main" xmlns:r="http://schemas.openxmlformats.org/officeDocument/2006/relationships" xmlns:p="http://schemas.openxmlformats.org/presentationml/2006/main">
   <p:cSld>
@@ -3531,240 +2467,6 @@
       <p:sp>
         <p:nvSpPr>
           <p:cNvPr id="35845" name="Footer Placeholder 4"/>
-          <p:cNvSpPr>
-            <a:spLocks noGrp="1"/>
-          </p:cNvSpPr>
-          <p:nvPr>
-            <p:ph type="ftr" sz="quarter" idx="4"/>
-          </p:nvPr>
-        </p:nvSpPr>
-        <p:spPr>
-          <a:noFill/>
-        </p:spPr>
-        <p:txBody>
-          <a:bodyPr/>
-          <a:lstStyle/>
-          <a:p>
-            <a:endParaRPr lang="en-US" smtClean="0">
-              <a:latin typeface="Times New Roman" pitchFamily="-128" charset="0"/>
-            </a:endParaRPr>
-          </a:p>
-        </p:txBody>
-      </p:sp>
-    </p:spTree>
-  </p:cSld>
-  <p:clrMapOvr>
-    <a:masterClrMapping/>
-  </p:clrMapOvr>
-</p:notes>
-</file>
-
-<file path=ppt/notesSlides/notesSlide30.xml><?xml version="1.0" encoding="utf-8"?>
-<p:notes xmlns:a="http://schemas.openxmlformats.org/drawingml/2006/main" xmlns:r="http://schemas.openxmlformats.org/officeDocument/2006/relationships" xmlns:p="http://schemas.openxmlformats.org/presentationml/2006/main">
-  <p:cSld>
-    <p:spTree>
-      <p:nvGrpSpPr>
-        <p:cNvPr id="1" name=""/>
-        <p:cNvGrpSpPr/>
-        <p:nvPr/>
-      </p:nvGrpSpPr>
-      <p:grpSpPr>
-        <a:xfrm>
-          <a:off x="0" y="0"/>
-          <a:ext cx="0" cy="0"/>
-          <a:chOff x="0" y="0"/>
-          <a:chExt cx="0" cy="0"/>
-        </a:xfrm>
-      </p:grpSpPr>
-      <p:sp>
-        <p:nvSpPr>
-          <p:cNvPr id="61442" name="Slide Image Placeholder 1"/>
-          <p:cNvSpPr>
-            <a:spLocks noGrp="1" noRot="1" noChangeAspect="1" noTextEdit="1"/>
-          </p:cNvSpPr>
-          <p:nvPr>
-            <p:ph type="sldImg"/>
-          </p:nvPr>
-        </p:nvSpPr>
-        <p:spPr>
-          <a:ln/>
-        </p:spPr>
-      </p:sp>
-      <p:sp>
-        <p:nvSpPr>
-          <p:cNvPr id="61443" name="Notes Placeholder 2"/>
-          <p:cNvSpPr>
-            <a:spLocks noGrp="1"/>
-          </p:cNvSpPr>
-          <p:nvPr>
-            <p:ph type="body" idx="1"/>
-          </p:nvPr>
-        </p:nvSpPr>
-        <p:spPr>
-          <a:noFill/>
-          <a:ln/>
-        </p:spPr>
-        <p:txBody>
-          <a:bodyPr/>
-          <a:lstStyle/>
-          <a:p>
-            <a:pPr eaLnBrk="1" hangingPunct="1"/>
-            <a:endParaRPr lang="en-US" smtClean="0">
-              <a:latin typeface="Times New Roman" pitchFamily="-128" charset="0"/>
-            </a:endParaRPr>
-          </a:p>
-        </p:txBody>
-      </p:sp>
-      <p:sp>
-        <p:nvSpPr>
-          <p:cNvPr id="61444" name="Slide Number Placeholder 3"/>
-          <p:cNvSpPr>
-            <a:spLocks noGrp="1"/>
-          </p:cNvSpPr>
-          <p:nvPr>
-            <p:ph type="sldNum" sz="quarter" idx="5"/>
-          </p:nvPr>
-        </p:nvSpPr>
-        <p:spPr>
-          <a:noFill/>
-        </p:spPr>
-        <p:txBody>
-          <a:bodyPr/>
-          <a:lstStyle/>
-          <a:p>
-            <a:fld id="{81E36EA3-11A4-4365-A7A4-32FAD20FE25C}" type="slidenum">
-              <a:rPr lang="en-US" smtClean="0">
-                <a:latin typeface="Times New Roman" pitchFamily="-128" charset="0"/>
-              </a:rPr>
-              <a:pPr/>
-              <a:t>30</a:t>
-            </a:fld>
-            <a:endParaRPr lang="en-US" smtClean="0">
-              <a:latin typeface="Times New Roman" pitchFamily="-128" charset="0"/>
-            </a:endParaRPr>
-          </a:p>
-        </p:txBody>
-      </p:sp>
-      <p:sp>
-        <p:nvSpPr>
-          <p:cNvPr id="61445" name="Footer Placeholder 4"/>
-          <p:cNvSpPr>
-            <a:spLocks noGrp="1"/>
-          </p:cNvSpPr>
-          <p:nvPr>
-            <p:ph type="ftr" sz="quarter" idx="4"/>
-          </p:nvPr>
-        </p:nvSpPr>
-        <p:spPr>
-          <a:noFill/>
-        </p:spPr>
-        <p:txBody>
-          <a:bodyPr/>
-          <a:lstStyle/>
-          <a:p>
-            <a:endParaRPr lang="en-US" smtClean="0">
-              <a:latin typeface="Times New Roman" pitchFamily="-128" charset="0"/>
-            </a:endParaRPr>
-          </a:p>
-        </p:txBody>
-      </p:sp>
-    </p:spTree>
-  </p:cSld>
-  <p:clrMapOvr>
-    <a:masterClrMapping/>
-  </p:clrMapOvr>
-</p:notes>
-</file>
-
-<file path=ppt/notesSlides/notesSlide31.xml><?xml version="1.0" encoding="utf-8"?>
-<p:notes xmlns:a="http://schemas.openxmlformats.org/drawingml/2006/main" xmlns:r="http://schemas.openxmlformats.org/officeDocument/2006/relationships" xmlns:p="http://schemas.openxmlformats.org/presentationml/2006/main">
-  <p:cSld>
-    <p:spTree>
-      <p:nvGrpSpPr>
-        <p:cNvPr id="1" name=""/>
-        <p:cNvGrpSpPr/>
-        <p:nvPr/>
-      </p:nvGrpSpPr>
-      <p:grpSpPr>
-        <a:xfrm>
-          <a:off x="0" y="0"/>
-          <a:ext cx="0" cy="0"/>
-          <a:chOff x="0" y="0"/>
-          <a:chExt cx="0" cy="0"/>
-        </a:xfrm>
-      </p:grpSpPr>
-      <p:sp>
-        <p:nvSpPr>
-          <p:cNvPr id="62466" name="Slide Image Placeholder 1"/>
-          <p:cNvSpPr>
-            <a:spLocks noGrp="1" noRot="1" noChangeAspect="1" noTextEdit="1"/>
-          </p:cNvSpPr>
-          <p:nvPr>
-            <p:ph type="sldImg"/>
-          </p:nvPr>
-        </p:nvSpPr>
-        <p:spPr>
-          <a:ln/>
-        </p:spPr>
-      </p:sp>
-      <p:sp>
-        <p:nvSpPr>
-          <p:cNvPr id="62467" name="Notes Placeholder 2"/>
-          <p:cNvSpPr>
-            <a:spLocks noGrp="1"/>
-          </p:cNvSpPr>
-          <p:nvPr>
-            <p:ph type="body" idx="1"/>
-          </p:nvPr>
-        </p:nvSpPr>
-        <p:spPr>
-          <a:noFill/>
-          <a:ln/>
-        </p:spPr>
-        <p:txBody>
-          <a:bodyPr/>
-          <a:lstStyle/>
-          <a:p>
-            <a:pPr eaLnBrk="1" hangingPunct="1"/>
-            <a:endParaRPr lang="en-US" smtClean="0">
-              <a:latin typeface="Times New Roman" pitchFamily="-128" charset="0"/>
-            </a:endParaRPr>
-          </a:p>
-        </p:txBody>
-      </p:sp>
-      <p:sp>
-        <p:nvSpPr>
-          <p:cNvPr id="62468" name="Slide Number Placeholder 3"/>
-          <p:cNvSpPr>
-            <a:spLocks noGrp="1"/>
-          </p:cNvSpPr>
-          <p:nvPr>
-            <p:ph type="sldNum" sz="quarter" idx="5"/>
-          </p:nvPr>
-        </p:nvSpPr>
-        <p:spPr>
-          <a:noFill/>
-        </p:spPr>
-        <p:txBody>
-          <a:bodyPr/>
-          <a:lstStyle/>
-          <a:p>
-            <a:fld id="{09A93A63-816A-43C0-80E9-05F91268D6C6}" type="slidenum">
-              <a:rPr lang="en-US" smtClean="0">
-                <a:latin typeface="Times New Roman" pitchFamily="-128" charset="0"/>
-              </a:rPr>
-              <a:pPr/>
-              <a:t>31</a:t>
-            </a:fld>
-            <a:endParaRPr lang="en-US" smtClean="0">
-              <a:latin typeface="Times New Roman" pitchFamily="-128" charset="0"/>
-            </a:endParaRPr>
-          </a:p>
-        </p:txBody>
-      </p:sp>
-      <p:sp>
-        <p:nvSpPr>
-          <p:cNvPr id="62469" name="Footer Placeholder 4"/>
           <p:cNvSpPr>
             <a:spLocks noGrp="1"/>
           </p:cNvSpPr>
@@ -5389,226 +4091,6 @@
 
 <file path=ppt/slideLayouts/slideLayout17.xml><?xml version="1.0" encoding="utf-8"?>
 <p:sldLayout xmlns:a="http://schemas.openxmlformats.org/drawingml/2006/main" xmlns:r="http://schemas.openxmlformats.org/officeDocument/2006/relationships" xmlns:p="http://schemas.openxmlformats.org/presentationml/2006/main" userDrawn="1">
-  <p:cSld name="11_Title and Content">
-    <p:spTree>
-      <p:nvGrpSpPr>
-        <p:cNvPr id="1" name=""/>
-        <p:cNvGrpSpPr/>
-        <p:nvPr/>
-      </p:nvGrpSpPr>
-      <p:grpSpPr>
-        <a:xfrm>
-          <a:off x="0" y="0"/>
-          <a:ext cx="0" cy="0"/>
-          <a:chOff x="0" y="0"/>
-          <a:chExt cx="0" cy="0"/>
-        </a:xfrm>
-      </p:grpSpPr>
-      <p:sp>
-        <p:nvSpPr>
-          <p:cNvPr id="5" name="Title 4"/>
-          <p:cNvSpPr>
-            <a:spLocks noGrp="1"/>
-          </p:cNvSpPr>
-          <p:nvPr>
-            <p:ph type="title"/>
-          </p:nvPr>
-        </p:nvSpPr>
-        <p:spPr/>
-        <p:txBody>
-          <a:bodyPr/>
-          <a:lstStyle/>
-          <a:p>
-            <a:r>
-              <a:rPr lang="en-US" smtClean="0"/>
-              <a:t>Click to edit Master title style</a:t>
-            </a:r>
-            <a:endParaRPr lang="en-US"/>
-          </a:p>
-        </p:txBody>
-      </p:sp>
-      <p:sp>
-        <p:nvSpPr>
-          <p:cNvPr id="3" name="Rectangle 11"/>
-          <p:cNvSpPr>
-            <a:spLocks noGrp="1" noChangeArrowheads="1"/>
-          </p:cNvSpPr>
-          <p:nvPr>
-            <p:ph type="sldNum" sz="quarter" idx="4"/>
-          </p:nvPr>
-        </p:nvSpPr>
-        <p:spPr bwMode="auto">
-          <a:xfrm>
-            <a:off x="6400800" y="6613525"/>
-            <a:ext cx="2667000" cy="244475"/>
-          </a:xfrm>
-          <a:prstGeom prst="rect">
-            <a:avLst/>
-          </a:prstGeom>
-          <a:noFill/>
-          <a:ln w="9525">
-            <a:noFill/>
-            <a:miter lim="800000"/>
-            <a:headEnd/>
-            <a:tailEnd/>
-          </a:ln>
-          <a:effectLst/>
-        </p:spPr>
-        <p:txBody>
-          <a:bodyPr vert="horz" wrap="square" lIns="91440" tIns="45720" rIns="91440" bIns="45720" numCol="1" anchor="t" anchorCtr="0" compatLnSpc="1">
-            <a:prstTxWarp prst="textNoShape">
-              <a:avLst/>
-            </a:prstTxWarp>
-            <a:spAutoFit/>
-          </a:bodyPr>
-          <a:lstStyle>
-            <a:lvl1pPr algn="r">
-              <a:defRPr sz="1000"/>
-            </a:lvl1pPr>
-          </a:lstStyle>
-          <a:p>
-            <a:pPr>
-              <a:defRPr/>
-            </a:pPr>
-            <a:r>
-              <a:rPr lang="en-US" dirty="0" err="1" smtClean="0"/>
-              <a:t>lec</a:t>
-            </a:r>
-            <a:r>
-              <a:rPr lang="en-US" dirty="0" smtClean="0"/>
-              <a:t> 13W.</a:t>
-            </a:r>
-            <a:fld id="{17233D2A-0857-4415-88C1-423492E69A26}" type="slidenum">
-              <a:rPr lang="en-US" smtClean="0"/>
-              <a:pPr>
-                <a:defRPr/>
-              </a:pPr>
-              <a:t>‹#›</a:t>
-            </a:fld>
-            <a:endParaRPr lang="en-US" dirty="0"/>
-          </a:p>
-        </p:txBody>
-      </p:sp>
-    </p:spTree>
-  </p:cSld>
-  <p:clrMapOvr>
-    <a:masterClrMapping/>
-  </p:clrMapOvr>
-</p:sldLayout>
-</file>
-
-<file path=ppt/slideLayouts/slideLayout18.xml><?xml version="1.0" encoding="utf-8"?>
-<p:sldLayout xmlns:a="http://schemas.openxmlformats.org/drawingml/2006/main" xmlns:r="http://schemas.openxmlformats.org/officeDocument/2006/relationships" xmlns:p="http://schemas.openxmlformats.org/presentationml/2006/main" userDrawn="1">
-  <p:cSld name="12_Title and Content">
-    <p:spTree>
-      <p:nvGrpSpPr>
-        <p:cNvPr id="1" name=""/>
-        <p:cNvGrpSpPr/>
-        <p:nvPr/>
-      </p:nvGrpSpPr>
-      <p:grpSpPr>
-        <a:xfrm>
-          <a:off x="0" y="0"/>
-          <a:ext cx="0" cy="0"/>
-          <a:chOff x="0" y="0"/>
-          <a:chExt cx="0" cy="0"/>
-        </a:xfrm>
-      </p:grpSpPr>
-      <p:sp>
-        <p:nvSpPr>
-          <p:cNvPr id="5" name="Title 4"/>
-          <p:cNvSpPr>
-            <a:spLocks noGrp="1"/>
-          </p:cNvSpPr>
-          <p:nvPr>
-            <p:ph type="title"/>
-          </p:nvPr>
-        </p:nvSpPr>
-        <p:spPr/>
-        <p:txBody>
-          <a:bodyPr/>
-          <a:lstStyle/>
-          <a:p>
-            <a:r>
-              <a:rPr lang="en-US" smtClean="0"/>
-              <a:t>Click to edit Master title style</a:t>
-            </a:r>
-            <a:endParaRPr lang="en-US"/>
-          </a:p>
-        </p:txBody>
-      </p:sp>
-      <p:sp>
-        <p:nvSpPr>
-          <p:cNvPr id="3" name="Rectangle 11"/>
-          <p:cNvSpPr>
-            <a:spLocks noGrp="1" noChangeArrowheads="1"/>
-          </p:cNvSpPr>
-          <p:nvPr>
-            <p:ph type="sldNum" sz="quarter" idx="4"/>
-          </p:nvPr>
-        </p:nvSpPr>
-        <p:spPr bwMode="auto">
-          <a:xfrm>
-            <a:off x="6400800" y="6613525"/>
-            <a:ext cx="2667000" cy="244475"/>
-          </a:xfrm>
-          <a:prstGeom prst="rect">
-            <a:avLst/>
-          </a:prstGeom>
-          <a:noFill/>
-          <a:ln w="9525">
-            <a:noFill/>
-            <a:miter lim="800000"/>
-            <a:headEnd/>
-            <a:tailEnd/>
-          </a:ln>
-          <a:effectLst/>
-        </p:spPr>
-        <p:txBody>
-          <a:bodyPr vert="horz" wrap="square" lIns="91440" tIns="45720" rIns="91440" bIns="45720" numCol="1" anchor="t" anchorCtr="0" compatLnSpc="1">
-            <a:prstTxWarp prst="textNoShape">
-              <a:avLst/>
-            </a:prstTxWarp>
-            <a:spAutoFit/>
-          </a:bodyPr>
-          <a:lstStyle>
-            <a:lvl1pPr algn="r">
-              <a:defRPr sz="1000"/>
-            </a:lvl1pPr>
-          </a:lstStyle>
-          <a:p>
-            <a:pPr>
-              <a:defRPr/>
-            </a:pPr>
-            <a:r>
-              <a:rPr lang="en-US" dirty="0" err="1" smtClean="0"/>
-              <a:t>lec</a:t>
-            </a:r>
-            <a:r>
-              <a:rPr lang="en-US" dirty="0" smtClean="0"/>
-              <a:t> 13W.</a:t>
-            </a:r>
-            <a:fld id="{17233D2A-0857-4415-88C1-423492E69A26}" type="slidenum">
-              <a:rPr lang="en-US" smtClean="0"/>
-              <a:pPr>
-                <a:defRPr/>
-              </a:pPr>
-              <a:t>‹#›</a:t>
-            </a:fld>
-            <a:endParaRPr lang="en-US" dirty="0"/>
-          </a:p>
-        </p:txBody>
-      </p:sp>
-    </p:spTree>
-  </p:cSld>
-  <p:clrMapOvr>
-    <a:masterClrMapping/>
-  </p:clrMapOvr>
-</p:sldLayout>
-</file>
-
-<file path=ppt/slideLayouts/slideLayout19.xml><?xml version="1.0" encoding="utf-8"?>
-<p:sldLayout xmlns:a="http://schemas.openxmlformats.org/drawingml/2006/main" xmlns:r="http://schemas.openxmlformats.org/officeDocument/2006/relationships" xmlns:p="http://schemas.openxmlformats.org/presentationml/2006/main" userDrawn="1">
   <p:cSld name="13_Title and Content">
     <p:spTree>
       <p:nvGrpSpPr>
@@ -5883,370 +4365,6 @@
       </p:par>
     </p:tnLst>
   </p:timing>
-</p:sldLayout>
-</file>
-
-<file path=ppt/slideLayouts/slideLayout20.xml><?xml version="1.0" encoding="utf-8"?>
-<p:sldLayout xmlns:a="http://schemas.openxmlformats.org/drawingml/2006/main" xmlns:r="http://schemas.openxmlformats.org/officeDocument/2006/relationships" xmlns:p="http://schemas.openxmlformats.org/presentationml/2006/main" userDrawn="1">
-  <p:cSld name="14_Title and Content">
-    <p:spTree>
-      <p:nvGrpSpPr>
-        <p:cNvPr id="1" name=""/>
-        <p:cNvGrpSpPr/>
-        <p:nvPr/>
-      </p:nvGrpSpPr>
-      <p:grpSpPr>
-        <a:xfrm>
-          <a:off x="0" y="0"/>
-          <a:ext cx="0" cy="0"/>
-          <a:chOff x="0" y="0"/>
-          <a:chExt cx="0" cy="0"/>
-        </a:xfrm>
-      </p:grpSpPr>
-      <p:sp>
-        <p:nvSpPr>
-          <p:cNvPr id="5" name="Title 4"/>
-          <p:cNvSpPr>
-            <a:spLocks noGrp="1"/>
-          </p:cNvSpPr>
-          <p:nvPr>
-            <p:ph type="title"/>
-          </p:nvPr>
-        </p:nvSpPr>
-        <p:spPr/>
-        <p:txBody>
-          <a:bodyPr/>
-          <a:lstStyle/>
-          <a:p>
-            <a:r>
-              <a:rPr lang="en-US" smtClean="0"/>
-              <a:t>Click to edit Master title style</a:t>
-            </a:r>
-            <a:endParaRPr lang="en-US"/>
-          </a:p>
-        </p:txBody>
-      </p:sp>
-      <p:sp>
-        <p:nvSpPr>
-          <p:cNvPr id="3" name="Rectangle 11"/>
-          <p:cNvSpPr>
-            <a:spLocks noGrp="1" noChangeArrowheads="1"/>
-          </p:cNvSpPr>
-          <p:nvPr>
-            <p:ph type="sldNum" sz="quarter" idx="4"/>
-          </p:nvPr>
-        </p:nvSpPr>
-        <p:spPr bwMode="auto">
-          <a:xfrm>
-            <a:off x="6400800" y="6613525"/>
-            <a:ext cx="2667000" cy="244475"/>
-          </a:xfrm>
-          <a:prstGeom prst="rect">
-            <a:avLst/>
-          </a:prstGeom>
-          <a:noFill/>
-          <a:ln w="9525">
-            <a:noFill/>
-            <a:miter lim="800000"/>
-            <a:headEnd/>
-            <a:tailEnd/>
-          </a:ln>
-          <a:effectLst/>
-        </p:spPr>
-        <p:txBody>
-          <a:bodyPr vert="horz" wrap="square" lIns="91440" tIns="45720" rIns="91440" bIns="45720" numCol="1" anchor="t" anchorCtr="0" compatLnSpc="1">
-            <a:prstTxWarp prst="textNoShape">
-              <a:avLst/>
-            </a:prstTxWarp>
-            <a:spAutoFit/>
-          </a:bodyPr>
-          <a:lstStyle>
-            <a:lvl1pPr algn="r">
-              <a:defRPr sz="1000"/>
-            </a:lvl1pPr>
-          </a:lstStyle>
-          <a:p>
-            <a:pPr>
-              <a:defRPr/>
-            </a:pPr>
-            <a:r>
-              <a:rPr lang="en-US" dirty="0" err="1" smtClean="0"/>
-              <a:t>lec</a:t>
-            </a:r>
-            <a:r>
-              <a:rPr lang="en-US" dirty="0" smtClean="0"/>
-              <a:t> 13W.</a:t>
-            </a:r>
-            <a:fld id="{17233D2A-0857-4415-88C1-423492E69A26}" type="slidenum">
-              <a:rPr lang="en-US" smtClean="0"/>
-              <a:pPr>
-                <a:defRPr/>
-              </a:pPr>
-              <a:t>‹#›</a:t>
-            </a:fld>
-            <a:endParaRPr lang="en-US" dirty="0"/>
-          </a:p>
-        </p:txBody>
-      </p:sp>
-    </p:spTree>
-  </p:cSld>
-  <p:clrMapOvr>
-    <a:masterClrMapping/>
-  </p:clrMapOvr>
-</p:sldLayout>
-</file>
-
-<file path=ppt/slideLayouts/slideLayout21.xml><?xml version="1.0" encoding="utf-8"?>
-<p:sldLayout xmlns:a="http://schemas.openxmlformats.org/drawingml/2006/main" xmlns:r="http://schemas.openxmlformats.org/officeDocument/2006/relationships" xmlns:p="http://schemas.openxmlformats.org/presentationml/2006/main" userDrawn="1">
-  <p:cSld name="15_Title and Content">
-    <p:spTree>
-      <p:nvGrpSpPr>
-        <p:cNvPr id="1" name=""/>
-        <p:cNvGrpSpPr/>
-        <p:nvPr/>
-      </p:nvGrpSpPr>
-      <p:grpSpPr>
-        <a:xfrm>
-          <a:off x="0" y="0"/>
-          <a:ext cx="0" cy="0"/>
-          <a:chOff x="0" y="0"/>
-          <a:chExt cx="0" cy="0"/>
-        </a:xfrm>
-      </p:grpSpPr>
-      <p:sp>
-        <p:nvSpPr>
-          <p:cNvPr id="5" name="Title 4"/>
-          <p:cNvSpPr>
-            <a:spLocks noGrp="1"/>
-          </p:cNvSpPr>
-          <p:nvPr>
-            <p:ph type="title"/>
-          </p:nvPr>
-        </p:nvSpPr>
-        <p:spPr/>
-        <p:txBody>
-          <a:bodyPr/>
-          <a:lstStyle/>
-          <a:p>
-            <a:r>
-              <a:rPr lang="en-US" smtClean="0"/>
-              <a:t>Click to edit Master title style</a:t>
-            </a:r>
-            <a:endParaRPr lang="en-US"/>
-          </a:p>
-        </p:txBody>
-      </p:sp>
-      <p:sp>
-        <p:nvSpPr>
-          <p:cNvPr id="3" name="Rectangle 11"/>
-          <p:cNvSpPr>
-            <a:spLocks noGrp="1" noChangeArrowheads="1"/>
-          </p:cNvSpPr>
-          <p:nvPr>
-            <p:ph type="sldNum" sz="quarter" idx="4"/>
-          </p:nvPr>
-        </p:nvSpPr>
-        <p:spPr bwMode="auto">
-          <a:xfrm>
-            <a:off x="6400800" y="6613525"/>
-            <a:ext cx="2667000" cy="244475"/>
-          </a:xfrm>
-          <a:prstGeom prst="rect">
-            <a:avLst/>
-          </a:prstGeom>
-          <a:noFill/>
-          <a:ln w="9525">
-            <a:noFill/>
-            <a:miter lim="800000"/>
-            <a:headEnd/>
-            <a:tailEnd/>
-          </a:ln>
-          <a:effectLst/>
-        </p:spPr>
-        <p:txBody>
-          <a:bodyPr vert="horz" wrap="square" lIns="91440" tIns="45720" rIns="91440" bIns="45720" numCol="1" anchor="t" anchorCtr="0" compatLnSpc="1">
-            <a:prstTxWarp prst="textNoShape">
-              <a:avLst/>
-            </a:prstTxWarp>
-            <a:spAutoFit/>
-          </a:bodyPr>
-          <a:lstStyle>
-            <a:lvl1pPr algn="r">
-              <a:defRPr sz="1000"/>
-            </a:lvl1pPr>
-          </a:lstStyle>
-          <a:p>
-            <a:pPr>
-              <a:defRPr/>
-            </a:pPr>
-            <a:r>
-              <a:rPr lang="en-US" dirty="0" err="1" smtClean="0"/>
-              <a:t>lec</a:t>
-            </a:r>
-            <a:r>
-              <a:rPr lang="en-US" dirty="0" smtClean="0"/>
-              <a:t> 13W.</a:t>
-            </a:r>
-            <a:fld id="{17233D2A-0857-4415-88C1-423492E69A26}" type="slidenum">
-              <a:rPr lang="en-US" smtClean="0"/>
-              <a:pPr>
-                <a:defRPr/>
-              </a:pPr>
-              <a:t>‹#›</a:t>
-            </a:fld>
-            <a:endParaRPr lang="en-US" dirty="0"/>
-          </a:p>
-        </p:txBody>
-      </p:sp>
-    </p:spTree>
-  </p:cSld>
-  <p:clrMapOvr>
-    <a:masterClrMapping/>
-  </p:clrMapOvr>
-</p:sldLayout>
-</file>
-
-<file path=ppt/slideLayouts/slideLayout22.xml><?xml version="1.0" encoding="utf-8"?>
-<p:sldLayout xmlns:a="http://schemas.openxmlformats.org/drawingml/2006/main" xmlns:r="http://schemas.openxmlformats.org/officeDocument/2006/relationships" xmlns:p="http://schemas.openxmlformats.org/presentationml/2006/main" userDrawn="1">
-  <p:cSld name="16_Title and Content">
-    <p:spTree>
-      <p:nvGrpSpPr>
-        <p:cNvPr id="1" name=""/>
-        <p:cNvGrpSpPr/>
-        <p:nvPr/>
-      </p:nvGrpSpPr>
-      <p:grpSpPr>
-        <a:xfrm>
-          <a:off x="0" y="0"/>
-          <a:ext cx="0" cy="0"/>
-          <a:chOff x="0" y="0"/>
-          <a:chExt cx="0" cy="0"/>
-        </a:xfrm>
-      </p:grpSpPr>
-      <p:sp>
-        <p:nvSpPr>
-          <p:cNvPr id="5" name="Title 4"/>
-          <p:cNvSpPr>
-            <a:spLocks noGrp="1"/>
-          </p:cNvSpPr>
-          <p:nvPr>
-            <p:ph type="title"/>
-          </p:nvPr>
-        </p:nvSpPr>
-        <p:spPr/>
-        <p:txBody>
-          <a:bodyPr/>
-          <a:lstStyle/>
-          <a:p>
-            <a:r>
-              <a:rPr lang="en-US" smtClean="0"/>
-              <a:t>Click to edit Master title style</a:t>
-            </a:r>
-            <a:endParaRPr lang="en-US"/>
-          </a:p>
-        </p:txBody>
-      </p:sp>
-    </p:spTree>
-  </p:cSld>
-  <p:clrMapOvr>
-    <a:masterClrMapping/>
-  </p:clrMapOvr>
-</p:sldLayout>
-</file>
-
-<file path=ppt/slideLayouts/slideLayout23.xml><?xml version="1.0" encoding="utf-8"?>
-<p:sldLayout xmlns:a="http://schemas.openxmlformats.org/drawingml/2006/main" xmlns:r="http://schemas.openxmlformats.org/officeDocument/2006/relationships" xmlns:p="http://schemas.openxmlformats.org/presentationml/2006/main" userDrawn="1">
-  <p:cSld name="17_Title and Content">
-    <p:spTree>
-      <p:nvGrpSpPr>
-        <p:cNvPr id="1" name=""/>
-        <p:cNvGrpSpPr/>
-        <p:nvPr/>
-      </p:nvGrpSpPr>
-      <p:grpSpPr>
-        <a:xfrm>
-          <a:off x="0" y="0"/>
-          <a:ext cx="0" cy="0"/>
-          <a:chOff x="0" y="0"/>
-          <a:chExt cx="0" cy="0"/>
-        </a:xfrm>
-      </p:grpSpPr>
-      <p:sp>
-        <p:nvSpPr>
-          <p:cNvPr id="5" name="Title 4"/>
-          <p:cNvSpPr>
-            <a:spLocks noGrp="1"/>
-          </p:cNvSpPr>
-          <p:nvPr>
-            <p:ph type="title"/>
-          </p:nvPr>
-        </p:nvSpPr>
-        <p:spPr/>
-        <p:txBody>
-          <a:bodyPr/>
-          <a:lstStyle/>
-          <a:p>
-            <a:r>
-              <a:rPr lang="en-US" smtClean="0"/>
-              <a:t>Click to edit Master title style</a:t>
-            </a:r>
-            <a:endParaRPr lang="en-US"/>
-          </a:p>
-        </p:txBody>
-      </p:sp>
-    </p:spTree>
-  </p:cSld>
-  <p:clrMapOvr>
-    <a:masterClrMapping/>
-  </p:clrMapOvr>
-</p:sldLayout>
-</file>
-
-<file path=ppt/slideLayouts/slideLayout24.xml><?xml version="1.0" encoding="utf-8"?>
-<p:sldLayout xmlns:a="http://schemas.openxmlformats.org/drawingml/2006/main" xmlns:r="http://schemas.openxmlformats.org/officeDocument/2006/relationships" xmlns:p="http://schemas.openxmlformats.org/presentationml/2006/main" userDrawn="1">
-  <p:cSld name="18_Title and Content">
-    <p:spTree>
-      <p:nvGrpSpPr>
-        <p:cNvPr id="1" name=""/>
-        <p:cNvGrpSpPr/>
-        <p:nvPr/>
-      </p:nvGrpSpPr>
-      <p:grpSpPr>
-        <a:xfrm>
-          <a:off x="0" y="0"/>
-          <a:ext cx="0" cy="0"/>
-          <a:chOff x="0" y="0"/>
-          <a:chExt cx="0" cy="0"/>
-        </a:xfrm>
-      </p:grpSpPr>
-      <p:sp>
-        <p:nvSpPr>
-          <p:cNvPr id="5" name="Title 4"/>
-          <p:cNvSpPr>
-            <a:spLocks noGrp="1"/>
-          </p:cNvSpPr>
-          <p:nvPr>
-            <p:ph type="title"/>
-          </p:nvPr>
-        </p:nvSpPr>
-        <p:spPr/>
-        <p:txBody>
-          <a:bodyPr/>
-          <a:lstStyle/>
-          <a:p>
-            <a:r>
-              <a:rPr lang="en-US" smtClean="0"/>
-              <a:t>Click to edit Master title style</a:t>
-            </a:r>
-            <a:endParaRPr lang="en-US"/>
-          </a:p>
-        </p:txBody>
-      </p:sp>
-    </p:spTree>
-  </p:cSld>
-  <p:clrMapOvr>
-    <a:masterClrMapping/>
-  </p:clrMapOvr>
 </p:sldLayout>
 </file>
 
@@ -7443,11 +5561,7 @@
             </a:r>
             <a:r>
               <a:rPr lang="en-US" dirty="0" smtClean="0"/>
-              <a:t> </a:t>
-            </a:r>
-            <a:r>
-              <a:rPr lang="en-US" dirty="0" smtClean="0"/>
-              <a:t>11F.</a:t>
+              <a:t> 11F.</a:t>
             </a:r>
             <a:fld id="{17233D2A-0857-4415-88C1-423492E69A26}" type="slidenum">
               <a:rPr lang="en-US" smtClean="0"/>
@@ -7469,7 +5583,7 @@
           <p:nvPr userDrawn="1"/>
         </p:nvPicPr>
         <p:blipFill>
-          <a:blip r:embed="rId26"/>
+          <a:blip r:embed="rId19"/>
           <a:srcRect/>
           <a:stretch>
             <a:fillRect/>
@@ -7543,22 +5657,7 @@
                 <a:uFillTx/>
                 <a:latin typeface="Comic Sans MS" pitchFamily="66" charset="0"/>
               </a:rPr>
-              <a:t>Albert R Meyer,                 </a:t>
-            </a:r>
-            <a:r>
-              <a:rPr kumimoji="0" lang="en-US" sz="1200" b="0" i="0" u="none" strike="noStrike" kern="1200" cap="none" spc="0" normalizeH="0" baseline="0" noProof="0" dirty="0" smtClean="0">
-                <a:ln>
-                  <a:noFill/>
-                </a:ln>
-                <a:solidFill>
-                  <a:schemeClr val="tx1"/>
-                </a:solidFill>
-                <a:effectLst/>
-                <a:uLnTx/>
-                <a:uFillTx/>
-                <a:latin typeface="Comic Sans MS" pitchFamily="66" charset="0"/>
-              </a:rPr>
-              <a:t>April 27, 2012</a:t>
+              <a:t>Albert R Meyer,                 April 27, 2012</a:t>
             </a:r>
             <a:endParaRPr kumimoji="0" lang="en-US" sz="1200" b="0" i="0" u="none" strike="noStrike" kern="1200" cap="none" spc="0" normalizeH="0" baseline="0" noProof="0" dirty="0">
               <a:ln>
@@ -7584,7 +5683,7 @@
           <p:nvPr userDrawn="1"/>
         </p:nvPicPr>
         <p:blipFill>
-          <a:blip r:embed="rId27"/>
+          <a:blip r:embed="rId20"/>
           <a:stretch>
             <a:fillRect/>
           </a:stretch>
@@ -7619,14 +5718,7 @@
     <p:sldLayoutId id="2147483671" r:id="rId14"/>
     <p:sldLayoutId id="2147483672" r:id="rId15"/>
     <p:sldLayoutId id="2147483673" r:id="rId16"/>
-    <p:sldLayoutId id="2147483675" r:id="rId17"/>
-    <p:sldLayoutId id="2147483676" r:id="rId18"/>
-    <p:sldLayoutId id="2147483677" r:id="rId19"/>
-    <p:sldLayoutId id="2147483678" r:id="rId20"/>
-    <p:sldLayoutId id="2147483679" r:id="rId21"/>
-    <p:sldLayoutId id="2147483680" r:id="rId22"/>
-    <p:sldLayoutId id="2147483681" r:id="rId23"/>
-    <p:sldLayoutId id="2147483682" r:id="rId24"/>
+    <p:sldLayoutId id="2147483677" r:id="rId17"/>
   </p:sldLayoutIdLst>
   <p:hf hdr="0" ftr="0" dt="0"/>
   <p:txStyles>
@@ -8064,13 +6156,7 @@
               <a:rPr lang="en-US" sz="6600" dirty="0" smtClean="0">
                 <a:latin typeface="Comic Sans MS" pitchFamily="-128" charset="0"/>
               </a:rPr>
-              <a:t>Probability </a:t>
-            </a:r>
-            <a:r>
-              <a:rPr lang="en-US" sz="6600" dirty="0" smtClean="0">
-                <a:latin typeface="Comic Sans MS" pitchFamily="-128" charset="0"/>
-              </a:rPr>
-              <a:t>Theory:</a:t>
+              <a:t>Probability Theory:</a:t>
             </a:r>
           </a:p>
           <a:p>
@@ -8084,9 +6170,6 @@
               </a:rPr>
               <a:t>The Tree Model</a:t>
             </a:r>
-            <a:endParaRPr lang="en-US" sz="6600" dirty="0" smtClean="0">
-              <a:latin typeface="Comic Sans MS" pitchFamily="-128" charset="0"/>
-            </a:endParaRPr>
           </a:p>
         </p:txBody>
       </p:sp>
@@ -25019,7 +23102,7 @@
           <a:graphicData uri="http://schemas.openxmlformats.org/presentationml/2006/ole">
             <mc:AlternateContent xmlns:mc="http://schemas.openxmlformats.org/markup-compatibility/2006">
               <mc:Choice xmlns:v="urn:schemas-microsoft-com:vml" Requires="v">
-                <p:oleObj spid="_x0000_s308258" name="Equation" r:id="rId4" imgW="291960" imgH="939600" progId="Equation.DSMT4">
+                <p:oleObj spid="_x0000_s308262" name="Equation" r:id="rId4" imgW="291960" imgH="939600" progId="Equation.DSMT4">
                   <p:embed/>
                 </p:oleObj>
               </mc:Choice>
@@ -25089,7 +23172,7 @@
           <a:graphicData uri="http://schemas.openxmlformats.org/presentationml/2006/ole">
             <mc:AlternateContent xmlns:mc="http://schemas.openxmlformats.org/markup-compatibility/2006">
               <mc:Choice xmlns:v="urn:schemas-microsoft-com:vml" Requires="v">
-                <p:oleObj spid="_x0000_s308259" name="Equation" r:id="rId6" imgW="291960" imgH="939600" progId="Equation.DSMT4">
+                <p:oleObj spid="_x0000_s308263" name="Equation" r:id="rId6" imgW="291960" imgH="939600" progId="Equation.DSMT4">
                   <p:embed/>
                 </p:oleObj>
               </mc:Choice>
@@ -25338,7 +23421,7 @@
             <a:graphicData uri="http://schemas.openxmlformats.org/presentationml/2006/ole">
               <mc:AlternateContent xmlns:mc="http://schemas.openxmlformats.org/markup-compatibility/2006">
                 <mc:Choice xmlns:v="urn:schemas-microsoft-com:vml" Requires="v">
-                  <p:oleObj spid="_x0000_s308260" name="Equation" r:id="rId8" imgW="609480" imgH="939600" progId="Equation.DSMT4">
+                  <p:oleObj spid="_x0000_s308264" name="Equation" r:id="rId8" imgW="609480" imgH="939600" progId="Equation.DSMT4">
                     <p:embed/>
                   </p:oleObj>
                 </mc:Choice>
@@ -25843,5276 +23926,6 @@
 </p:sld>
 </file>
 
-<file path=ppt/slides/slide21.xml><?xml version="1.0" encoding="utf-8"?>
-<p:sld xmlns:a="http://schemas.openxmlformats.org/drawingml/2006/main" xmlns:r="http://schemas.openxmlformats.org/officeDocument/2006/relationships" xmlns:p="http://schemas.openxmlformats.org/presentationml/2006/main">
-  <p:cSld>
-    <p:spTree>
-      <p:nvGrpSpPr>
-        <p:cNvPr id="1" name=""/>
-        <p:cNvGrpSpPr/>
-        <p:nvPr/>
-      </p:nvGrpSpPr>
-      <p:grpSpPr>
-        <a:xfrm>
-          <a:off x="0" y="0"/>
-          <a:ext cx="0" cy="0"/>
-          <a:chOff x="0" y="0"/>
-          <a:chExt cx="0" cy="0"/>
-        </a:xfrm>
-      </p:grpSpPr>
-      <p:sp>
-        <p:nvSpPr>
-          <p:cNvPr id="22530" name="Rectangle 2"/>
-          <p:cNvSpPr>
-            <a:spLocks noGrp="1" noChangeArrowheads="1"/>
-          </p:cNvSpPr>
-          <p:nvPr>
-            <p:ph type="title"/>
-          </p:nvPr>
-        </p:nvSpPr>
-        <p:spPr>
-          <a:xfrm>
-            <a:off x="1828800" y="304800"/>
-            <a:ext cx="5410200" cy="914400"/>
-          </a:xfrm>
-          <a:noFill/>
-        </p:spPr>
-        <p:txBody>
-          <a:bodyPr/>
-          <a:lstStyle/>
-          <a:p>
-            <a:pPr eaLnBrk="1" hangingPunct="1"/>
-            <a:r>
-              <a:rPr lang="en-US" sz="4400" dirty="0" smtClean="0">
-                <a:latin typeface="Comic Sans MS" pitchFamily="-128" charset="0"/>
-              </a:rPr>
-              <a:t>Probability Spaces</a:t>
-            </a:r>
-          </a:p>
-        </p:txBody>
-      </p:sp>
-      <p:sp>
-        <p:nvSpPr>
-          <p:cNvPr id="61443" name="Rectangle 3"/>
-          <p:cNvSpPr>
-            <a:spLocks noGrp="1" noChangeArrowheads="1"/>
-          </p:cNvSpPr>
-          <p:nvPr>
-            <p:ph type="body" idx="4294967295"/>
-          </p:nvPr>
-        </p:nvSpPr>
-        <p:spPr bwMode="auto">
-          <a:xfrm>
-            <a:off x="304800" y="1219200"/>
-            <a:ext cx="8458200" cy="5257800"/>
-          </a:xfrm>
-          <a:prstGeom prst="rect">
-            <a:avLst/>
-          </a:prstGeom>
-          <a:noFill/>
-          <a:ln>
-            <a:miter lim="800000"/>
-            <a:headEnd/>
-            <a:tailEnd/>
-          </a:ln>
-        </p:spPr>
-        <p:txBody>
-          <a:bodyPr/>
-          <a:lstStyle/>
-          <a:p>
-            <a:pPr marL="609600" indent="-609600" eaLnBrk="1" hangingPunct="1">
-              <a:lnSpc>
-                <a:spcPct val="90000"/>
-              </a:lnSpc>
-              <a:buFontTx/>
-              <a:buAutoNum type="arabicParenR"/>
-            </a:pPr>
-            <a:r>
-              <a:rPr lang="en-US" sz="4400" dirty="0" smtClean="0">
-                <a:latin typeface="Comic Sans MS" pitchFamily="-128" charset="0"/>
-              </a:rPr>
-              <a:t> </a:t>
-            </a:r>
-            <a:r>
-              <a:rPr lang="en-US" sz="4400" dirty="0" smtClean="0">
-                <a:solidFill>
-                  <a:srgbClr val="0000FF"/>
-                </a:solidFill>
-                <a:latin typeface="Comic Sans MS" pitchFamily="-128" charset="0"/>
-              </a:rPr>
-              <a:t>Sample space</a:t>
-            </a:r>
-            <a:r>
-              <a:rPr lang="en-US" sz="4400" dirty="0" smtClean="0">
-                <a:latin typeface="Comic Sans MS" pitchFamily="-128" charset="0"/>
-              </a:rPr>
-              <a:t>: a </a:t>
-            </a:r>
-            <a:r>
-              <a:rPr lang="en-US" sz="4400" dirty="0" smtClean="0">
-                <a:solidFill>
-                  <a:srgbClr val="008000"/>
-                </a:solidFill>
-                <a:latin typeface="Comic Sans MS" pitchFamily="-128" charset="0"/>
-              </a:rPr>
-              <a:t>countable</a:t>
-            </a:r>
-            <a:r>
-              <a:rPr lang="en-US" sz="4400" dirty="0" smtClean="0">
-                <a:latin typeface="Comic Sans MS" pitchFamily="-128" charset="0"/>
-              </a:rPr>
-              <a:t> set,</a:t>
-            </a:r>
-            <a:r>
-              <a:rPr lang="en-US" sz="4400" b="1" dirty="0" smtClean="0">
-                <a:latin typeface="Comic Sans MS" pitchFamily="-128" charset="0"/>
-              </a:rPr>
-              <a:t> </a:t>
-            </a:r>
-            <a:r>
-              <a:rPr lang="en-US" sz="4400" b="1" dirty="0" smtClean="0">
-                <a:solidFill>
-                  <a:srgbClr val="0000E5"/>
-                </a:solidFill>
-                <a:latin typeface="Comic Sans MS" pitchFamily="-128" charset="0"/>
-                <a:sym typeface="Euclid Math One" pitchFamily="18" charset="2"/>
-              </a:rPr>
-              <a:t></a:t>
-            </a:r>
-            <a:r>
-              <a:rPr lang="en-US" sz="4400" dirty="0" smtClean="0">
-                <a:latin typeface="Comic Sans MS" pitchFamily="-128" charset="0"/>
-                <a:sym typeface="Euclid Math One" pitchFamily="18" charset="2"/>
-              </a:rPr>
-              <a:t>, whose elements are called </a:t>
-            </a:r>
-            <a:r>
-              <a:rPr lang="en-US" sz="4400" dirty="0" smtClean="0">
-                <a:solidFill>
-                  <a:srgbClr val="0000FF"/>
-                </a:solidFill>
-                <a:latin typeface="Comic Sans MS" pitchFamily="-128" charset="0"/>
-                <a:sym typeface="Euclid Math One" pitchFamily="18" charset="2"/>
-              </a:rPr>
-              <a:t>outcomes</a:t>
-            </a:r>
-            <a:r>
-              <a:rPr lang="en-US" sz="4400" i="1" dirty="0" smtClean="0">
-                <a:latin typeface="Comic Sans MS" pitchFamily="-128" charset="0"/>
-                <a:sym typeface="Euclid Math One" pitchFamily="18" charset="2"/>
-              </a:rPr>
-              <a:t>.</a:t>
-            </a:r>
-          </a:p>
-          <a:p>
-            <a:pPr marL="609600" indent="-609600" eaLnBrk="1" hangingPunct="1">
-              <a:lnSpc>
-                <a:spcPct val="90000"/>
-              </a:lnSpc>
-              <a:buFontTx/>
-              <a:buAutoNum type="arabicParenR"/>
-            </a:pPr>
-            <a:r>
-              <a:rPr lang="en-US" sz="4400" dirty="0" smtClean="0">
-                <a:latin typeface="Comic Sans MS" pitchFamily="-128" charset="0"/>
-                <a:sym typeface="Euclid Math One" pitchFamily="18" charset="2"/>
-              </a:rPr>
-              <a:t> </a:t>
-            </a:r>
-            <a:r>
-              <a:rPr lang="en-US" sz="4400" dirty="0" smtClean="0">
-                <a:solidFill>
-                  <a:srgbClr val="0000FF"/>
-                </a:solidFill>
-                <a:latin typeface="Comic Sans MS" pitchFamily="-128" charset="0"/>
-                <a:sym typeface="Euclid Math One" pitchFamily="18" charset="2"/>
-              </a:rPr>
-              <a:t>Probability function,</a:t>
-            </a:r>
-            <a:r>
-              <a:rPr lang="en-US" sz="4400" dirty="0" smtClean="0">
-                <a:solidFill>
-                  <a:schemeClr val="accent2"/>
-                </a:solidFill>
-                <a:latin typeface="Comic Sans MS" pitchFamily="-128" charset="0"/>
-                <a:sym typeface="Euclid Math One" pitchFamily="18" charset="2"/>
-              </a:rPr>
-              <a:t> </a:t>
-            </a:r>
-          </a:p>
-          <a:p>
-            <a:pPr marL="609600" indent="-609600" eaLnBrk="1" hangingPunct="1">
-              <a:lnSpc>
-                <a:spcPct val="90000"/>
-              </a:lnSpc>
-              <a:buNone/>
-            </a:pPr>
-            <a:r>
-              <a:rPr lang="en-US" sz="4800" dirty="0" smtClean="0">
-                <a:solidFill>
-                  <a:srgbClr val="0000FF"/>
-                </a:solidFill>
-                <a:latin typeface="Comic Sans MS" pitchFamily="-128" charset="0"/>
-                <a:sym typeface="Euclid Math One" pitchFamily="18" charset="2"/>
-              </a:rPr>
-              <a:t>     Pr:</a:t>
-            </a:r>
-            <a:r>
-              <a:rPr lang="en-US" sz="4800" dirty="0" smtClean="0">
-                <a:solidFill>
-                  <a:srgbClr val="0000FF"/>
-                </a:solidFill>
-                <a:latin typeface="Brush Script MT Italic"/>
-                <a:cs typeface="Brush Script MT Italic"/>
-                <a:sym typeface="Euclid Math One" pitchFamily="18" charset="2"/>
-              </a:rPr>
-              <a:t> </a:t>
-            </a:r>
-            <a:r>
-              <a:rPr lang="en-US" sz="4800" b="1" dirty="0" smtClean="0">
-                <a:solidFill>
-                  <a:srgbClr val="0000FF"/>
-                </a:solidFill>
-                <a:latin typeface="Comic Sans MS" pitchFamily="-128" charset="0"/>
-                <a:sym typeface="Euclid Math One" pitchFamily="18" charset="2"/>
-              </a:rPr>
-              <a:t></a:t>
-            </a:r>
-            <a:r>
-              <a:rPr lang="en-US" sz="4800" b="1" dirty="0" smtClean="0">
-                <a:solidFill>
-                  <a:srgbClr val="0000FF"/>
-                </a:solidFill>
-                <a:latin typeface="Euclid Symbol" charset="2"/>
-                <a:cs typeface="Euclid Symbol" charset="2"/>
-                <a:sym typeface="Symbol" pitchFamily="18" charset="2"/>
-              </a:rPr>
-              <a:t>→</a:t>
-            </a:r>
-            <a:r>
-              <a:rPr lang="en-US" sz="4800" dirty="0" smtClean="0">
-                <a:solidFill>
-                  <a:srgbClr val="0000FF"/>
-                </a:solidFill>
-                <a:latin typeface="Comic Sans MS" pitchFamily="-128" charset="0"/>
-                <a:sym typeface="Symbol" pitchFamily="18" charset="2"/>
-              </a:rPr>
-              <a:t>[0, 1]</a:t>
-            </a:r>
-            <a:r>
-              <a:rPr lang="en-US" sz="4800" dirty="0" smtClean="0">
-                <a:solidFill>
-                  <a:schemeClr val="tx2"/>
-                </a:solidFill>
-                <a:latin typeface="Comic Sans MS" pitchFamily="-128" charset="0"/>
-                <a:sym typeface="Symbol" pitchFamily="18" charset="2"/>
-              </a:rPr>
-              <a:t>,</a:t>
-            </a:r>
-            <a:r>
-              <a:rPr lang="en-US" sz="4800" dirty="0" smtClean="0">
-                <a:solidFill>
-                  <a:srgbClr val="0000FF"/>
-                </a:solidFill>
-                <a:latin typeface="Comic Sans MS" pitchFamily="-128" charset="0"/>
-                <a:sym typeface="Symbol" pitchFamily="18" charset="2"/>
-              </a:rPr>
-              <a:t>  </a:t>
-            </a:r>
-            <a:r>
-              <a:rPr lang="en-US" sz="4800" dirty="0" smtClean="0">
-                <a:solidFill>
-                  <a:schemeClr val="tx2"/>
-                </a:solidFill>
-                <a:latin typeface="Comic Sans MS" pitchFamily="-128" charset="0"/>
-                <a:sym typeface="Symbol" pitchFamily="18" charset="2"/>
-              </a:rPr>
-              <a:t> such tha</a:t>
-            </a:r>
-            <a:r>
-              <a:rPr lang="en-US" sz="4400" dirty="0" smtClean="0">
-                <a:latin typeface="Comic Sans MS" pitchFamily="-128" charset="0"/>
-                <a:sym typeface="Symbol" pitchFamily="18" charset="2"/>
-              </a:rPr>
-              <a:t>t </a:t>
-            </a:r>
-          </a:p>
-        </p:txBody>
-      </p:sp>
-      <p:sp>
-        <p:nvSpPr>
-          <p:cNvPr id="4" name="Rectangle 11"/>
-          <p:cNvSpPr txBox="1">
-            <a:spLocks noChangeArrowheads="1"/>
-          </p:cNvSpPr>
-          <p:nvPr/>
-        </p:nvSpPr>
-        <p:spPr bwMode="auto">
-          <a:xfrm>
-            <a:off x="6400800" y="6613525"/>
-            <a:ext cx="2667000" cy="244475"/>
-          </a:xfrm>
-          <a:prstGeom prst="rect">
-            <a:avLst/>
-          </a:prstGeom>
-          <a:noFill/>
-          <a:ln w="9525">
-            <a:noFill/>
-            <a:miter lim="800000"/>
-            <a:headEnd/>
-            <a:tailEnd/>
-          </a:ln>
-          <a:effectLst/>
-        </p:spPr>
-        <p:txBody>
-          <a:bodyPr vert="horz" wrap="square" lIns="91440" tIns="45720" rIns="91440" bIns="45720" numCol="1" anchor="t" anchorCtr="0" compatLnSpc="1">
-            <a:prstTxWarp prst="textNoShape">
-              <a:avLst/>
-            </a:prstTxWarp>
-            <a:spAutoFit/>
-          </a:bodyPr>
-          <a:lstStyle>
-            <a:lvl1pPr algn="r">
-              <a:defRPr sz="1000"/>
-            </a:lvl1pPr>
-          </a:lstStyle>
-          <a:p>
-            <a:pPr marL="0" marR="0" lvl="0" indent="0" algn="r" defTabSz="914400" rtl="0" eaLnBrk="1" fontAlgn="base" latinLnBrk="0" hangingPunct="1">
-              <a:lnSpc>
-                <a:spcPct val="100000"/>
-              </a:lnSpc>
-              <a:spcBef>
-                <a:spcPct val="0"/>
-              </a:spcBef>
-              <a:spcAft>
-                <a:spcPct val="0"/>
-              </a:spcAft>
-              <a:buClrTx/>
-              <a:buSzTx/>
-              <a:buFontTx/>
-              <a:buNone/>
-              <a:tabLst/>
-              <a:defRPr/>
-            </a:pPr>
-            <a:r>
-              <a:rPr kumimoji="0" lang="en-US" sz="1000" b="0" i="0" u="none" strike="noStrike" kern="1200" cap="none" spc="0" normalizeH="0" baseline="0" noProof="0" dirty="0" err="1" smtClean="0">
-                <a:ln>
-                  <a:noFill/>
-                </a:ln>
-                <a:solidFill>
-                  <a:schemeClr val="tx1"/>
-                </a:solidFill>
-                <a:effectLst/>
-                <a:uLnTx/>
-                <a:uFillTx/>
-                <a:latin typeface="Comic Sans MS" pitchFamily="66" charset="0"/>
-                <a:ea typeface="+mn-ea"/>
-                <a:cs typeface="+mn-cs"/>
-              </a:rPr>
-              <a:t>lec</a:t>
-            </a:r>
-            <a:r>
-              <a:rPr kumimoji="0" lang="en-US" sz="1000" b="0" i="0" u="none" strike="noStrike" kern="1200" cap="none" spc="0" normalizeH="0" baseline="0" noProof="0" dirty="0" smtClean="0">
-                <a:ln>
-                  <a:noFill/>
-                </a:ln>
-                <a:solidFill>
-                  <a:schemeClr val="tx1"/>
-                </a:solidFill>
-                <a:effectLst/>
-                <a:uLnTx/>
-                <a:uFillTx/>
-                <a:latin typeface="Comic Sans MS" pitchFamily="66" charset="0"/>
-                <a:ea typeface="+mn-ea"/>
-                <a:cs typeface="+mn-cs"/>
-              </a:rPr>
-              <a:t> 13W.</a:t>
-            </a:r>
-            <a:fld id="{17233D2A-0857-4415-88C1-423492E69A26}" type="slidenum">
-              <a:rPr kumimoji="0" lang="en-US" sz="1000" b="0" i="0" u="none" strike="noStrike" kern="1200" cap="none" spc="0" normalizeH="0" baseline="0" noProof="0" smtClean="0">
-                <a:ln>
-                  <a:noFill/>
-                </a:ln>
-                <a:solidFill>
-                  <a:schemeClr val="tx1"/>
-                </a:solidFill>
-                <a:effectLst/>
-                <a:uLnTx/>
-                <a:uFillTx/>
-                <a:latin typeface="Comic Sans MS" pitchFamily="66" charset="0"/>
-                <a:ea typeface="+mn-ea"/>
-                <a:cs typeface="+mn-cs"/>
-              </a:rPr>
-              <a:pPr marL="0" marR="0" lvl="0" indent="0" algn="r" defTabSz="914400" rtl="0" eaLnBrk="1" fontAlgn="base" latinLnBrk="0" hangingPunct="1">
-                <a:lnSpc>
-                  <a:spcPct val="100000"/>
-                </a:lnSpc>
-                <a:spcBef>
-                  <a:spcPct val="0"/>
-                </a:spcBef>
-                <a:spcAft>
-                  <a:spcPct val="0"/>
-                </a:spcAft>
-                <a:buClrTx/>
-                <a:buSzTx/>
-                <a:buFontTx/>
-                <a:buNone/>
-                <a:tabLst/>
-                <a:defRPr/>
-              </a:pPr>
-              <a:t>21</a:t>
-            </a:fld>
-            <a:endParaRPr kumimoji="0" lang="en-US" sz="1000" b="0" i="0" u="none" strike="noStrike" kern="1200" cap="none" spc="0" normalizeH="0" baseline="0" noProof="0" dirty="0">
-              <a:ln>
-                <a:noFill/>
-              </a:ln>
-              <a:solidFill>
-                <a:schemeClr val="tx1"/>
-              </a:solidFill>
-              <a:effectLst/>
-              <a:uLnTx/>
-              <a:uFillTx/>
-              <a:latin typeface="Comic Sans MS" pitchFamily="66" charset="0"/>
-              <a:ea typeface="+mn-ea"/>
-              <a:cs typeface="+mn-cs"/>
-            </a:endParaRPr>
-          </a:p>
-        </p:txBody>
-      </p:sp>
-      <p:graphicFrame>
-        <p:nvGraphicFramePr>
-          <p:cNvPr id="5" name="Object 4"/>
-          <p:cNvGraphicFramePr>
-            <a:graphicFrameLocks noChangeAspect="1"/>
-          </p:cNvGraphicFramePr>
-          <p:nvPr/>
-        </p:nvGraphicFramePr>
-        <p:xfrm>
-          <a:off x="2071688" y="4495800"/>
-          <a:ext cx="4468812" cy="1985963"/>
-        </p:xfrm>
-        <a:graphic>
-          <a:graphicData uri="http://schemas.openxmlformats.org/presentationml/2006/ole">
-            <mc:AlternateContent xmlns:mc="http://schemas.openxmlformats.org/markup-compatibility/2006">
-              <mc:Choice xmlns:v="urn:schemas-microsoft-com:vml" Requires="v">
-                <p:oleObj spid="_x0000_s283667" name="Equation" r:id="rId4" imgW="914400" imgH="406400" progId="Equation.DSMT4">
-                  <p:embed/>
-                </p:oleObj>
-              </mc:Choice>
-              <mc:Fallback>
-                <p:oleObj name="Equation" r:id="rId4" imgW="914400" imgH="406400" progId="Equation.DSMT4">
-                  <p:embed/>
-                  <p:pic>
-                    <p:nvPicPr>
-                      <p:cNvPr id="0" name="Picture 5"/>
-                      <p:cNvPicPr>
-                        <a:picLocks noChangeAspect="1" noChangeArrowheads="1"/>
-                      </p:cNvPicPr>
-                      <p:nvPr/>
-                    </p:nvPicPr>
-                    <p:blipFill>
-                      <a:blip r:embed="rId5">
-                        <a:extLst>
-                          <a:ext uri="{28A0092B-C50C-407E-A947-70E740481C1C}">
-                            <a14:useLocalDpi xmlns:a14="http://schemas.microsoft.com/office/drawing/2010/main" val="0"/>
-                          </a:ext>
-                        </a:extLst>
-                      </a:blip>
-                      <a:srcRect/>
-                      <a:stretch>
-                        <a:fillRect/>
-                      </a:stretch>
-                    </p:blipFill>
-                    <p:spPr bwMode="auto">
-                      <a:xfrm>
-                        <a:off x="2071688" y="4495800"/>
-                        <a:ext cx="4468812" cy="1985963"/>
-                      </a:xfrm>
-                      <a:prstGeom prst="rect">
-                        <a:avLst/>
-                      </a:prstGeom>
-                      <a:noFill/>
-                      <a:extLst>
-                        <a:ext uri="{909E8E84-426E-40dd-AFC4-6F175D3DCCD1}">
-                          <a14:hiddenFill xmlns:a14="http://schemas.microsoft.com/office/drawing/2010/main">
-                            <a:solidFill>
-                              <a:srgbClr val="FFFFFF"/>
-                            </a:solidFill>
-                          </a14:hiddenFill>
-                        </a:ext>
-                      </a:extLst>
-                    </p:spPr>
-                  </p:pic>
-                </p:oleObj>
-              </mc:Fallback>
-            </mc:AlternateContent>
-          </a:graphicData>
-        </a:graphic>
-      </p:graphicFrame>
-    </p:spTree>
-  </p:cSld>
-  <p:clrMapOvr>
-    <a:masterClrMapping/>
-  </p:clrMapOvr>
-  <p:transition xmlns:p14="http://schemas.microsoft.com/office/powerpoint/2010/main" spd="slow">
-    <p:fade thruBlk="1"/>
-  </p:transition>
-  <p:timing>
-    <p:tnLst>
-      <p:par>
-        <p:cTn xmlns:p14="http://schemas.microsoft.com/office/powerpoint/2010/main" id="1" dur="indefinite" restart="never" nodeType="tmRoot">
-          <p:childTnLst>
-            <p:seq concurrent="1" nextAc="seek">
-              <p:cTn id="2" dur="indefinite" nodeType="mainSeq">
-                <p:childTnLst>
-                  <p:par>
-                    <p:cTn id="3" fill="hold">
-                      <p:stCondLst>
-                        <p:cond delay="indefinite"/>
-                      </p:stCondLst>
-                      <p:childTnLst>
-                        <p:par>
-                          <p:cTn id="4" fill="hold">
-                            <p:stCondLst>
-                              <p:cond delay="0"/>
-                            </p:stCondLst>
-                            <p:childTnLst>
-                              <p:par>
-                                <p:cTn id="5" presetID="1" presetClass="entr" presetSubtype="0" fill="hold" nodeType="clickEffect">
-                                  <p:stCondLst>
-                                    <p:cond delay="0"/>
-                                  </p:stCondLst>
-                                  <p:childTnLst>
-                                    <p:set>
-                                      <p:cBhvr>
-                                        <p:cTn id="6" dur="1" fill="hold">
-                                          <p:stCondLst>
-                                            <p:cond delay="0"/>
-                                          </p:stCondLst>
-                                        </p:cTn>
-                                        <p:tgtEl>
-                                          <p:spTgt spid="61443">
-                                            <p:txEl>
-                                              <p:pRg st="1" end="1"/>
-                                            </p:txEl>
-                                          </p:spTgt>
-                                        </p:tgtEl>
-                                        <p:attrNameLst>
-                                          <p:attrName>style.visibility</p:attrName>
-                                        </p:attrNameLst>
-                                      </p:cBhvr>
-                                      <p:to>
-                                        <p:strVal val="visible"/>
-                                      </p:to>
-                                    </p:set>
-                                  </p:childTnLst>
-                                </p:cTn>
-                              </p:par>
-                            </p:childTnLst>
-                          </p:cTn>
-                        </p:par>
-                      </p:childTnLst>
-                    </p:cTn>
-                  </p:par>
-                  <p:par>
-                    <p:cTn id="7" fill="hold">
-                      <p:stCondLst>
-                        <p:cond delay="indefinite"/>
-                      </p:stCondLst>
-                      <p:childTnLst>
-                        <p:par>
-                          <p:cTn id="8" fill="hold">
-                            <p:stCondLst>
-                              <p:cond delay="0"/>
-                            </p:stCondLst>
-                            <p:childTnLst>
-                              <p:par>
-                                <p:cTn id="9" presetID="1" presetClass="entr" presetSubtype="0" fill="hold" nodeType="clickEffect">
-                                  <p:stCondLst>
-                                    <p:cond delay="0"/>
-                                  </p:stCondLst>
-                                  <p:childTnLst>
-                                    <p:set>
-                                      <p:cBhvr>
-                                        <p:cTn id="10" dur="1" fill="hold">
-                                          <p:stCondLst>
-                                            <p:cond delay="0"/>
-                                          </p:stCondLst>
-                                        </p:cTn>
-                                        <p:tgtEl>
-                                          <p:spTgt spid="61443">
-                                            <p:txEl>
-                                              <p:pRg st="2" end="2"/>
-                                            </p:txEl>
-                                          </p:spTgt>
-                                        </p:tgtEl>
-                                        <p:attrNameLst>
-                                          <p:attrName>style.visibility</p:attrName>
-                                        </p:attrNameLst>
-                                      </p:cBhvr>
-                                      <p:to>
-                                        <p:strVal val="visible"/>
-                                      </p:to>
-                                    </p:set>
-                                  </p:childTnLst>
-                                </p:cTn>
-                              </p:par>
-                            </p:childTnLst>
-                          </p:cTn>
-                        </p:par>
-                      </p:childTnLst>
-                    </p:cTn>
-                  </p:par>
-                  <p:par>
-                    <p:cTn id="11" fill="hold">
-                      <p:stCondLst>
-                        <p:cond delay="indefinite"/>
-                      </p:stCondLst>
-                      <p:childTnLst>
-                        <p:par>
-                          <p:cTn id="12" fill="hold">
-                            <p:stCondLst>
-                              <p:cond delay="0"/>
-                            </p:stCondLst>
-                            <p:childTnLst>
-                              <p:par>
-                                <p:cTn id="13" presetID="22" presetClass="entr" presetSubtype="8" fill="hold" nodeType="clickEffect">
-                                  <p:stCondLst>
-                                    <p:cond delay="0"/>
-                                  </p:stCondLst>
-                                  <p:childTnLst>
-                                    <p:set>
-                                      <p:cBhvr>
-                                        <p:cTn id="14" dur="1" fill="hold">
-                                          <p:stCondLst>
-                                            <p:cond delay="0"/>
-                                          </p:stCondLst>
-                                        </p:cTn>
-                                        <p:tgtEl>
-                                          <p:spTgt spid="5"/>
-                                        </p:tgtEl>
-                                        <p:attrNameLst>
-                                          <p:attrName>style.visibility</p:attrName>
-                                        </p:attrNameLst>
-                                      </p:cBhvr>
-                                      <p:to>
-                                        <p:strVal val="visible"/>
-                                      </p:to>
-                                    </p:set>
-                                    <p:animEffect transition="in" filter="wipe(left)">
-                                      <p:cBhvr>
-                                        <p:cTn id="15" dur="500"/>
-                                        <p:tgtEl>
-                                          <p:spTgt spid="5"/>
-                                        </p:tgtEl>
-                                      </p:cBhvr>
-                                    </p:animEffect>
-                                  </p:childTnLst>
-                                </p:cTn>
-                              </p:par>
-                            </p:childTnLst>
-                          </p:cTn>
-                        </p:par>
-                      </p:childTnLst>
-                    </p:cTn>
-                  </p:par>
-                </p:childTnLst>
-              </p:cTn>
-              <p:prevCondLst>
-                <p:cond evt="onPrev" delay="0">
-                  <p:tgtEl>
-                    <p:sldTgt/>
-                  </p:tgtEl>
-                </p:cond>
-              </p:prevCondLst>
-              <p:nextCondLst>
-                <p:cond evt="onNext" delay="0">
-                  <p:tgtEl>
-                    <p:sldTgt/>
-                  </p:tgtEl>
-                </p:cond>
-              </p:nextCondLst>
-            </p:seq>
-          </p:childTnLst>
-        </p:cTn>
-      </p:par>
-    </p:tnLst>
-  </p:timing>
-</p:sld>
-</file>
-
-<file path=ppt/slides/slide22.xml><?xml version="1.0" encoding="utf-8"?>
-<p:sld xmlns:a="http://schemas.openxmlformats.org/drawingml/2006/main" xmlns:r="http://schemas.openxmlformats.org/officeDocument/2006/relationships" xmlns:p="http://schemas.openxmlformats.org/presentationml/2006/main">
-  <p:cSld>
-    <p:spTree>
-      <p:nvGrpSpPr>
-        <p:cNvPr id="1" name=""/>
-        <p:cNvGrpSpPr/>
-        <p:nvPr/>
-      </p:nvGrpSpPr>
-      <p:grpSpPr>
-        <a:xfrm>
-          <a:off x="0" y="0"/>
-          <a:ext cx="0" cy="0"/>
-          <a:chOff x="0" y="0"/>
-          <a:chExt cx="0" cy="0"/>
-        </a:xfrm>
-      </p:grpSpPr>
-      <p:sp>
-        <p:nvSpPr>
-          <p:cNvPr id="22530" name="Rectangle 2"/>
-          <p:cNvSpPr>
-            <a:spLocks noGrp="1" noChangeArrowheads="1"/>
-          </p:cNvSpPr>
-          <p:nvPr>
-            <p:ph type="title"/>
-          </p:nvPr>
-        </p:nvSpPr>
-        <p:spPr>
-          <a:xfrm>
-            <a:off x="1828800" y="304800"/>
-            <a:ext cx="5410200" cy="914400"/>
-          </a:xfrm>
-          <a:noFill/>
-        </p:spPr>
-        <p:txBody>
-          <a:bodyPr/>
-          <a:lstStyle/>
-          <a:p>
-            <a:pPr eaLnBrk="1" hangingPunct="1"/>
-            <a:r>
-              <a:rPr lang="en-US" sz="4400" dirty="0" smtClean="0">
-                <a:latin typeface="Comic Sans MS" pitchFamily="-128" charset="0"/>
-              </a:rPr>
-              <a:t>Probability Spaces</a:t>
-            </a:r>
-          </a:p>
-        </p:txBody>
-      </p:sp>
-      <p:sp>
-        <p:nvSpPr>
-          <p:cNvPr id="61443" name="Rectangle 3"/>
-          <p:cNvSpPr>
-            <a:spLocks noGrp="1" noChangeArrowheads="1"/>
-          </p:cNvSpPr>
-          <p:nvPr>
-            <p:ph type="body" idx="4294967295"/>
-          </p:nvPr>
-        </p:nvSpPr>
-        <p:spPr bwMode="auto">
-          <a:xfrm>
-            <a:off x="304800" y="1219200"/>
-            <a:ext cx="8153400" cy="4876800"/>
-          </a:xfrm>
-          <a:prstGeom prst="rect">
-            <a:avLst/>
-          </a:prstGeom>
-          <a:noFill/>
-          <a:ln>
-            <a:miter lim="800000"/>
-            <a:headEnd/>
-            <a:tailEnd/>
-          </a:ln>
-        </p:spPr>
-        <p:txBody>
-          <a:bodyPr/>
-          <a:lstStyle/>
-          <a:p>
-            <a:pPr marL="609600" indent="-609600" eaLnBrk="1" hangingPunct="1">
-              <a:lnSpc>
-                <a:spcPct val="90000"/>
-              </a:lnSpc>
-              <a:buNone/>
-            </a:pPr>
-            <a:r>
-              <a:rPr lang="en-US" sz="4800" dirty="0" smtClean="0">
-                <a:latin typeface="Comic Sans MS" pitchFamily="-128" charset="0"/>
-                <a:sym typeface="Symbol" pitchFamily="18" charset="2"/>
-              </a:rPr>
-              <a:t>An </a:t>
-            </a:r>
-            <a:r>
-              <a:rPr lang="en-US" sz="4800" dirty="0" smtClean="0">
-                <a:solidFill>
-                  <a:srgbClr val="008000"/>
-                </a:solidFill>
-                <a:latin typeface="Comic Sans MS" pitchFamily="-128" charset="0"/>
-                <a:sym typeface="Symbol" pitchFamily="18" charset="2"/>
-              </a:rPr>
-              <a:t>event </a:t>
-            </a:r>
-            <a:r>
-              <a:rPr lang="en-US" sz="4800" dirty="0" smtClean="0">
-                <a:solidFill>
-                  <a:schemeClr val="tx2"/>
-                </a:solidFill>
-                <a:latin typeface="Comic Sans MS" pitchFamily="-128" charset="0"/>
-                <a:sym typeface="Symbol" pitchFamily="18" charset="2"/>
-              </a:rPr>
-              <a:t>is a subset, </a:t>
-            </a:r>
-            <a:r>
-              <a:rPr lang="en-US" sz="4800" dirty="0" smtClean="0">
-                <a:solidFill>
-                  <a:srgbClr val="008000"/>
-                </a:solidFill>
-                <a:latin typeface="Comic Sans MS" pitchFamily="-128" charset="0"/>
-                <a:sym typeface="Symbol" pitchFamily="18" charset="2"/>
-              </a:rPr>
-              <a:t>E </a:t>
-            </a:r>
-            <a:r>
-              <a:rPr lang="en-US" sz="4800" dirty="0" smtClean="0">
-                <a:solidFill>
-                  <a:srgbClr val="008000"/>
-                </a:solidFill>
-                <a:latin typeface="Euclid Symbol" charset="2"/>
-                <a:cs typeface="Euclid Symbol" charset="2"/>
-                <a:sym typeface="Symbol" pitchFamily="18" charset="2"/>
-              </a:rPr>
-              <a:t>⊆ </a:t>
-            </a:r>
-            <a:r>
-              <a:rPr lang="en-US" sz="4800" b="1" i="1" dirty="0" smtClean="0">
-                <a:solidFill>
-                  <a:srgbClr val="008000"/>
-                </a:solidFill>
-                <a:latin typeface="Comic Sans MS" pitchFamily="-128" charset="0"/>
-                <a:sym typeface="Symbol" pitchFamily="18" charset="2"/>
-              </a:rPr>
-              <a:t>S</a:t>
-            </a:r>
-            <a:r>
-              <a:rPr lang="en-US" sz="4800" dirty="0" smtClean="0">
-                <a:solidFill>
-                  <a:schemeClr val="tx2"/>
-                </a:solidFill>
-                <a:latin typeface="Comic Sans MS" pitchFamily="-128" charset="0"/>
-                <a:sym typeface="Symbol" pitchFamily="18" charset="2"/>
-              </a:rPr>
-              <a:t>.</a:t>
-            </a:r>
-          </a:p>
-          <a:p>
-            <a:pPr marL="609600" indent="-609600" eaLnBrk="1" hangingPunct="1">
-              <a:lnSpc>
-                <a:spcPct val="90000"/>
-              </a:lnSpc>
-              <a:buNone/>
-            </a:pPr>
-            <a:endParaRPr lang="en-US" sz="4800" b="1" i="1" dirty="0" smtClean="0">
-              <a:solidFill>
-                <a:schemeClr val="tx2"/>
-              </a:solidFill>
-              <a:latin typeface="Comic Sans MS" pitchFamily="-128" charset="0"/>
-              <a:sym typeface="Symbol" pitchFamily="18" charset="2"/>
-            </a:endParaRPr>
-          </a:p>
-          <a:p>
-            <a:pPr marL="609600" indent="-609600" eaLnBrk="1" hangingPunct="1">
-              <a:lnSpc>
-                <a:spcPct val="90000"/>
-              </a:lnSpc>
-              <a:buNone/>
-            </a:pPr>
-            <a:endParaRPr lang="en-US" sz="4800" b="1" i="1" dirty="0" smtClean="0">
-              <a:solidFill>
-                <a:schemeClr val="tx2"/>
-              </a:solidFill>
-              <a:latin typeface="Comic Sans MS" pitchFamily="-128" charset="0"/>
-              <a:sym typeface="Symbol" pitchFamily="18" charset="2"/>
-            </a:endParaRPr>
-          </a:p>
-          <a:p>
-            <a:pPr marL="609600" indent="-609600" eaLnBrk="1" hangingPunct="1">
-              <a:lnSpc>
-                <a:spcPct val="90000"/>
-              </a:lnSpc>
-              <a:buNone/>
-            </a:pPr>
-            <a:endParaRPr lang="en-US" sz="4800" b="1" i="1" dirty="0" smtClean="0">
-              <a:solidFill>
-                <a:schemeClr val="tx2"/>
-              </a:solidFill>
-              <a:latin typeface="Comic Sans MS" pitchFamily="-128" charset="0"/>
-              <a:sym typeface="Symbol" pitchFamily="18" charset="2"/>
-            </a:endParaRPr>
-          </a:p>
-          <a:p>
-            <a:pPr marL="609600" indent="-609600" eaLnBrk="1" hangingPunct="1">
-              <a:lnSpc>
-                <a:spcPct val="90000"/>
-              </a:lnSpc>
-              <a:buNone/>
-            </a:pPr>
-            <a:r>
-              <a:rPr lang="en-US" sz="6000" dirty="0" err="1" smtClean="0">
-                <a:solidFill>
-                  <a:schemeClr val="tx2"/>
-                </a:solidFill>
-                <a:latin typeface="Comic Sans MS" pitchFamily="-128" charset="0"/>
-                <a:sym typeface="Symbol" pitchFamily="18" charset="2"/>
-              </a:rPr>
-              <a:t>Cor</a:t>
-            </a:r>
-            <a:r>
-              <a:rPr lang="en-US" sz="6000" dirty="0" smtClean="0">
-                <a:solidFill>
-                  <a:schemeClr val="tx2"/>
-                </a:solidFill>
-                <a:latin typeface="Comic Sans MS" pitchFamily="-128" charset="0"/>
-                <a:sym typeface="Symbol" pitchFamily="18" charset="2"/>
-              </a:rPr>
-              <a:t>:  The </a:t>
-            </a:r>
-            <a:r>
-              <a:rPr lang="en-US" sz="6000" dirty="0" smtClean="0">
-                <a:solidFill>
-                  <a:schemeClr val="accent1">
-                    <a:lumMod val="50000"/>
-                  </a:schemeClr>
-                </a:solidFill>
-                <a:latin typeface="Comic Sans MS" pitchFamily="-128" charset="0"/>
-                <a:sym typeface="Symbol" pitchFamily="18" charset="2"/>
-              </a:rPr>
-              <a:t>Sum Rule</a:t>
-            </a:r>
-          </a:p>
-        </p:txBody>
-      </p:sp>
-      <p:sp>
-        <p:nvSpPr>
-          <p:cNvPr id="4" name="Rectangle 11"/>
-          <p:cNvSpPr txBox="1">
-            <a:spLocks noChangeArrowheads="1"/>
-          </p:cNvSpPr>
-          <p:nvPr/>
-        </p:nvSpPr>
-        <p:spPr bwMode="auto">
-          <a:xfrm>
-            <a:off x="6400800" y="6613525"/>
-            <a:ext cx="2667000" cy="244475"/>
-          </a:xfrm>
-          <a:prstGeom prst="rect">
-            <a:avLst/>
-          </a:prstGeom>
-          <a:noFill/>
-          <a:ln w="9525">
-            <a:noFill/>
-            <a:miter lim="800000"/>
-            <a:headEnd/>
-            <a:tailEnd/>
-          </a:ln>
-          <a:effectLst/>
-        </p:spPr>
-        <p:txBody>
-          <a:bodyPr vert="horz" wrap="square" lIns="91440" tIns="45720" rIns="91440" bIns="45720" numCol="1" anchor="t" anchorCtr="0" compatLnSpc="1">
-            <a:prstTxWarp prst="textNoShape">
-              <a:avLst/>
-            </a:prstTxWarp>
-            <a:spAutoFit/>
-          </a:bodyPr>
-          <a:lstStyle>
-            <a:lvl1pPr algn="r">
-              <a:defRPr sz="1000"/>
-            </a:lvl1pPr>
-          </a:lstStyle>
-          <a:p>
-            <a:pPr marL="0" marR="0" lvl="0" indent="0" algn="r" defTabSz="914400" rtl="0" eaLnBrk="1" fontAlgn="base" latinLnBrk="0" hangingPunct="1">
-              <a:lnSpc>
-                <a:spcPct val="100000"/>
-              </a:lnSpc>
-              <a:spcBef>
-                <a:spcPct val="0"/>
-              </a:spcBef>
-              <a:spcAft>
-                <a:spcPct val="0"/>
-              </a:spcAft>
-              <a:buClrTx/>
-              <a:buSzTx/>
-              <a:buFontTx/>
-              <a:buNone/>
-              <a:tabLst/>
-              <a:defRPr/>
-            </a:pPr>
-            <a:r>
-              <a:rPr kumimoji="0" lang="en-US" sz="1000" b="0" i="0" u="none" strike="noStrike" kern="1200" cap="none" spc="0" normalizeH="0" baseline="0" noProof="0" dirty="0" err="1" smtClean="0">
-                <a:ln>
-                  <a:noFill/>
-                </a:ln>
-                <a:solidFill>
-                  <a:schemeClr val="tx1"/>
-                </a:solidFill>
-                <a:effectLst/>
-                <a:uLnTx/>
-                <a:uFillTx/>
-                <a:latin typeface="Comic Sans MS" pitchFamily="66" charset="0"/>
-                <a:ea typeface="+mn-ea"/>
-                <a:cs typeface="+mn-cs"/>
-              </a:rPr>
-              <a:t>lec</a:t>
-            </a:r>
-            <a:r>
-              <a:rPr kumimoji="0" lang="en-US" sz="1000" b="0" i="0" u="none" strike="noStrike" kern="1200" cap="none" spc="0" normalizeH="0" baseline="0" noProof="0" dirty="0" smtClean="0">
-                <a:ln>
-                  <a:noFill/>
-                </a:ln>
-                <a:solidFill>
-                  <a:schemeClr val="tx1"/>
-                </a:solidFill>
-                <a:effectLst/>
-                <a:uLnTx/>
-                <a:uFillTx/>
-                <a:latin typeface="Comic Sans MS" pitchFamily="66" charset="0"/>
-                <a:ea typeface="+mn-ea"/>
-                <a:cs typeface="+mn-cs"/>
-              </a:rPr>
-              <a:t> 13W.</a:t>
-            </a:r>
-            <a:fld id="{17233D2A-0857-4415-88C1-423492E69A26}" type="slidenum">
-              <a:rPr kumimoji="0" lang="en-US" sz="1000" b="0" i="0" u="none" strike="noStrike" kern="1200" cap="none" spc="0" normalizeH="0" baseline="0" noProof="0" smtClean="0">
-                <a:ln>
-                  <a:noFill/>
-                </a:ln>
-                <a:solidFill>
-                  <a:schemeClr val="tx1"/>
-                </a:solidFill>
-                <a:effectLst/>
-                <a:uLnTx/>
-                <a:uFillTx/>
-                <a:latin typeface="Comic Sans MS" pitchFamily="66" charset="0"/>
-                <a:ea typeface="+mn-ea"/>
-                <a:cs typeface="+mn-cs"/>
-              </a:rPr>
-              <a:pPr marL="0" marR="0" lvl="0" indent="0" algn="r" defTabSz="914400" rtl="0" eaLnBrk="1" fontAlgn="base" latinLnBrk="0" hangingPunct="1">
-                <a:lnSpc>
-                  <a:spcPct val="100000"/>
-                </a:lnSpc>
-                <a:spcBef>
-                  <a:spcPct val="0"/>
-                </a:spcBef>
-                <a:spcAft>
-                  <a:spcPct val="0"/>
-                </a:spcAft>
-                <a:buClrTx/>
-                <a:buSzTx/>
-                <a:buFontTx/>
-                <a:buNone/>
-                <a:tabLst/>
-                <a:defRPr/>
-              </a:pPr>
-              <a:t>22</a:t>
-            </a:fld>
-            <a:endParaRPr kumimoji="0" lang="en-US" sz="1000" b="0" i="0" u="none" strike="noStrike" kern="1200" cap="none" spc="0" normalizeH="0" baseline="0" noProof="0" dirty="0">
-              <a:ln>
-                <a:noFill/>
-              </a:ln>
-              <a:solidFill>
-                <a:schemeClr val="tx1"/>
-              </a:solidFill>
-              <a:effectLst/>
-              <a:uLnTx/>
-              <a:uFillTx/>
-              <a:latin typeface="Comic Sans MS" pitchFamily="66" charset="0"/>
-              <a:ea typeface="+mn-ea"/>
-              <a:cs typeface="+mn-cs"/>
-            </a:endParaRPr>
-          </a:p>
-        </p:txBody>
-      </p:sp>
-      <p:graphicFrame>
-        <p:nvGraphicFramePr>
-          <p:cNvPr id="5" name="Object 4"/>
-          <p:cNvGraphicFramePr>
-            <a:graphicFrameLocks noChangeAspect="1"/>
-          </p:cNvGraphicFramePr>
-          <p:nvPr/>
-        </p:nvGraphicFramePr>
-        <p:xfrm>
-          <a:off x="1143000" y="2128837"/>
-          <a:ext cx="6330950" cy="1985963"/>
-        </p:xfrm>
-        <a:graphic>
-          <a:graphicData uri="http://schemas.openxmlformats.org/presentationml/2006/ole">
-            <mc:AlternateContent xmlns:mc="http://schemas.openxmlformats.org/markup-compatibility/2006">
-              <mc:Choice xmlns:v="urn:schemas-microsoft-com:vml" Requires="v">
-                <p:oleObj spid="_x0000_s332816" name="Equation" r:id="rId4" imgW="1295400" imgH="406400" progId="Equation.DSMT4">
-                  <p:embed/>
-                </p:oleObj>
-              </mc:Choice>
-              <mc:Fallback>
-                <p:oleObj name="Equation" r:id="rId4" imgW="1295400" imgH="406400" progId="Equation.DSMT4">
-                  <p:embed/>
-                  <p:pic>
-                    <p:nvPicPr>
-                      <p:cNvPr id="0" name="Picture 2"/>
-                      <p:cNvPicPr>
-                        <a:picLocks noChangeAspect="1" noChangeArrowheads="1"/>
-                      </p:cNvPicPr>
-                      <p:nvPr/>
-                    </p:nvPicPr>
-                    <p:blipFill>
-                      <a:blip r:embed="rId5">
-                        <a:extLst>
-                          <a:ext uri="{28A0092B-C50C-407E-A947-70E740481C1C}">
-                            <a14:useLocalDpi xmlns:a14="http://schemas.microsoft.com/office/drawing/2010/main" val="0"/>
-                          </a:ext>
-                        </a:extLst>
-                      </a:blip>
-                      <a:srcRect/>
-                      <a:stretch>
-                        <a:fillRect/>
-                      </a:stretch>
-                    </p:blipFill>
-                    <p:spPr bwMode="auto">
-                      <a:xfrm>
-                        <a:off x="1143000" y="2128837"/>
-                        <a:ext cx="6330950" cy="1985963"/>
-                      </a:xfrm>
-                      <a:prstGeom prst="rect">
-                        <a:avLst/>
-                      </a:prstGeom>
-                      <a:noFill/>
-                      <a:extLst>
-                        <a:ext uri="{909E8E84-426E-40dd-AFC4-6F175D3DCCD1}">
-                          <a14:hiddenFill xmlns:a14="http://schemas.microsoft.com/office/drawing/2010/main">
-                            <a:solidFill>
-                              <a:srgbClr val="FFFFFF"/>
-                            </a:solidFill>
-                          </a14:hiddenFill>
-                        </a:ext>
-                      </a:extLst>
-                    </p:spPr>
-                  </p:pic>
-                </p:oleObj>
-              </mc:Fallback>
-            </mc:AlternateContent>
-          </a:graphicData>
-        </a:graphic>
-      </p:graphicFrame>
-    </p:spTree>
-  </p:cSld>
-  <p:clrMapOvr>
-    <a:masterClrMapping/>
-  </p:clrMapOvr>
-  <p:transition xmlns:p14="http://schemas.microsoft.com/office/powerpoint/2010/main" spd="slow">
-    <p:fade thruBlk="1"/>
-  </p:transition>
-  <p:timing>
-    <p:tnLst>
-      <p:par>
-        <p:cTn xmlns:p14="http://schemas.microsoft.com/office/powerpoint/2010/main" id="1" dur="indefinite" restart="never" nodeType="tmRoot">
-          <p:childTnLst>
-            <p:seq concurrent="1" nextAc="seek">
-              <p:cTn id="2" dur="indefinite" nodeType="mainSeq">
-                <p:childTnLst>
-                  <p:par>
-                    <p:cTn id="3" fill="hold">
-                      <p:stCondLst>
-                        <p:cond delay="indefinite"/>
-                      </p:stCondLst>
-                      <p:childTnLst>
-                        <p:par>
-                          <p:cTn id="4" fill="hold">
-                            <p:stCondLst>
-                              <p:cond delay="0"/>
-                            </p:stCondLst>
-                            <p:childTnLst>
-                              <p:par>
-                                <p:cTn id="5" presetID="22" presetClass="entr" presetSubtype="8" fill="hold" nodeType="clickEffect">
-                                  <p:stCondLst>
-                                    <p:cond delay="0"/>
-                                  </p:stCondLst>
-                                  <p:childTnLst>
-                                    <p:set>
-                                      <p:cBhvr>
-                                        <p:cTn id="6" dur="1" fill="hold">
-                                          <p:stCondLst>
-                                            <p:cond delay="0"/>
-                                          </p:stCondLst>
-                                        </p:cTn>
-                                        <p:tgtEl>
-                                          <p:spTgt spid="5"/>
-                                        </p:tgtEl>
-                                        <p:attrNameLst>
-                                          <p:attrName>style.visibility</p:attrName>
-                                        </p:attrNameLst>
-                                      </p:cBhvr>
-                                      <p:to>
-                                        <p:strVal val="visible"/>
-                                      </p:to>
-                                    </p:set>
-                                    <p:animEffect transition="in" filter="wipe(left)">
-                                      <p:cBhvr>
-                                        <p:cTn id="7" dur="500"/>
-                                        <p:tgtEl>
-                                          <p:spTgt spid="5"/>
-                                        </p:tgtEl>
-                                      </p:cBhvr>
-                                    </p:animEffect>
-                                  </p:childTnLst>
-                                </p:cTn>
-                              </p:par>
-                            </p:childTnLst>
-                          </p:cTn>
-                        </p:par>
-                      </p:childTnLst>
-                    </p:cTn>
-                  </p:par>
-                  <p:par>
-                    <p:cTn id="8" fill="hold">
-                      <p:stCondLst>
-                        <p:cond delay="indefinite"/>
-                      </p:stCondLst>
-                      <p:childTnLst>
-                        <p:par>
-                          <p:cTn id="9" fill="hold">
-                            <p:stCondLst>
-                              <p:cond delay="0"/>
-                            </p:stCondLst>
-                            <p:childTnLst>
-                              <p:par>
-                                <p:cTn id="10" presetID="1" presetClass="entr" presetSubtype="0" fill="hold" nodeType="clickEffect">
-                                  <p:stCondLst>
-                                    <p:cond delay="0"/>
-                                  </p:stCondLst>
-                                  <p:childTnLst>
-                                    <p:set>
-                                      <p:cBhvr>
-                                        <p:cTn id="11" dur="1" fill="hold">
-                                          <p:stCondLst>
-                                            <p:cond delay="0"/>
-                                          </p:stCondLst>
-                                        </p:cTn>
-                                        <p:tgtEl>
-                                          <p:spTgt spid="61443">
-                                            <p:txEl>
-                                              <p:pRg st="4" end="4"/>
-                                            </p:txEl>
-                                          </p:spTgt>
-                                        </p:tgtEl>
-                                        <p:attrNameLst>
-                                          <p:attrName>style.visibility</p:attrName>
-                                        </p:attrNameLst>
-                                      </p:cBhvr>
-                                      <p:to>
-                                        <p:strVal val="visible"/>
-                                      </p:to>
-                                    </p:set>
-                                  </p:childTnLst>
-                                </p:cTn>
-                              </p:par>
-                            </p:childTnLst>
-                          </p:cTn>
-                        </p:par>
-                      </p:childTnLst>
-                    </p:cTn>
-                  </p:par>
-                </p:childTnLst>
-              </p:cTn>
-              <p:prevCondLst>
-                <p:cond evt="onPrev" delay="0">
-                  <p:tgtEl>
-                    <p:sldTgt/>
-                  </p:tgtEl>
-                </p:cond>
-              </p:prevCondLst>
-              <p:nextCondLst>
-                <p:cond evt="onNext" delay="0">
-                  <p:tgtEl>
-                    <p:sldTgt/>
-                  </p:tgtEl>
-                </p:cond>
-              </p:nextCondLst>
-            </p:seq>
-          </p:childTnLst>
-        </p:cTn>
-      </p:par>
-    </p:tnLst>
-  </p:timing>
-</p:sld>
-</file>
-
-<file path=ppt/slides/slide23.xml><?xml version="1.0" encoding="utf-8"?>
-<p:sld xmlns:a="http://schemas.openxmlformats.org/drawingml/2006/main" xmlns:r="http://schemas.openxmlformats.org/officeDocument/2006/relationships" xmlns:p="http://schemas.openxmlformats.org/presentationml/2006/main" show="0">
-  <p:cSld>
-    <p:spTree>
-      <p:nvGrpSpPr>
-        <p:cNvPr id="1" name=""/>
-        <p:cNvGrpSpPr/>
-        <p:nvPr/>
-      </p:nvGrpSpPr>
-      <p:grpSpPr>
-        <a:xfrm>
-          <a:off x="0" y="0"/>
-          <a:ext cx="0" cy="0"/>
-          <a:chOff x="0" y="0"/>
-          <a:chExt cx="0" cy="0"/>
-        </a:xfrm>
-      </p:grpSpPr>
-      <p:sp>
-        <p:nvSpPr>
-          <p:cNvPr id="22530" name="Rectangle 2"/>
-          <p:cNvSpPr>
-            <a:spLocks noGrp="1" noChangeArrowheads="1"/>
-          </p:cNvSpPr>
-          <p:nvPr>
-            <p:ph type="title"/>
-          </p:nvPr>
-        </p:nvSpPr>
-        <p:spPr>
-          <a:xfrm>
-            <a:off x="1828800" y="304800"/>
-            <a:ext cx="5410200" cy="914400"/>
-          </a:xfrm>
-          <a:noFill/>
-        </p:spPr>
-        <p:txBody>
-          <a:bodyPr/>
-          <a:lstStyle/>
-          <a:p>
-            <a:pPr eaLnBrk="1" hangingPunct="1"/>
-            <a:r>
-              <a:rPr lang="en-US" sz="4400" dirty="0" smtClean="0">
-                <a:latin typeface="Comic Sans MS" pitchFamily="-128" charset="0"/>
-              </a:rPr>
-              <a:t>Probability Spaces</a:t>
-            </a:r>
-          </a:p>
-        </p:txBody>
-      </p:sp>
-      <p:sp>
-        <p:nvSpPr>
-          <p:cNvPr id="61443" name="Rectangle 3"/>
-          <p:cNvSpPr>
-            <a:spLocks noGrp="1" noChangeArrowheads="1"/>
-          </p:cNvSpPr>
-          <p:nvPr>
-            <p:ph type="body" idx="4294967295"/>
-          </p:nvPr>
-        </p:nvSpPr>
-        <p:spPr bwMode="auto">
-          <a:xfrm>
-            <a:off x="152400" y="1371600"/>
-            <a:ext cx="8763000" cy="4572000"/>
-          </a:xfrm>
-          <a:prstGeom prst="rect">
-            <a:avLst/>
-          </a:prstGeom>
-          <a:noFill/>
-          <a:ln>
-            <a:miter lim="800000"/>
-            <a:headEnd/>
-            <a:tailEnd/>
-          </a:ln>
-        </p:spPr>
-        <p:txBody>
-          <a:bodyPr/>
-          <a:lstStyle/>
-          <a:p>
-            <a:pPr marL="609600" indent="-609600" eaLnBrk="1" hangingPunct="1">
-              <a:lnSpc>
-                <a:spcPct val="90000"/>
-              </a:lnSpc>
-              <a:buFontTx/>
-              <a:buAutoNum type="arabicParenR"/>
-            </a:pPr>
-            <a:r>
-              <a:rPr lang="en-US" sz="4400" dirty="0" smtClean="0">
-                <a:latin typeface="Comic Sans MS" pitchFamily="-128" charset="0"/>
-              </a:rPr>
-              <a:t> </a:t>
-            </a:r>
-            <a:r>
-              <a:rPr lang="en-US" sz="4400" dirty="0" smtClean="0">
-                <a:solidFill>
-                  <a:srgbClr val="0000FF"/>
-                </a:solidFill>
-                <a:latin typeface="Comic Sans MS" pitchFamily="-128" charset="0"/>
-              </a:rPr>
-              <a:t>Sample space</a:t>
-            </a:r>
-            <a:r>
-              <a:rPr lang="en-US" sz="4400" dirty="0" smtClean="0">
-                <a:latin typeface="Comic Sans MS" pitchFamily="-128" charset="0"/>
-              </a:rPr>
-              <a:t>,</a:t>
-            </a:r>
-            <a:r>
-              <a:rPr lang="en-US" sz="4400" b="1" dirty="0" smtClean="0">
-                <a:latin typeface="Comic Sans MS" pitchFamily="-128" charset="0"/>
-              </a:rPr>
-              <a:t> </a:t>
-            </a:r>
-            <a:r>
-              <a:rPr lang="en-US" sz="4400" b="1" dirty="0" smtClean="0">
-                <a:solidFill>
-                  <a:srgbClr val="0000E5"/>
-                </a:solidFill>
-                <a:latin typeface="Comic Sans MS" pitchFamily="-128" charset="0"/>
-                <a:sym typeface="Euclid Math One" pitchFamily="18" charset="2"/>
-              </a:rPr>
-              <a:t></a:t>
-            </a:r>
-            <a:r>
-              <a:rPr lang="en-US" sz="4400" dirty="0" smtClean="0">
-                <a:latin typeface="Comic Sans MS" pitchFamily="-128" charset="0"/>
-                <a:sym typeface="Euclid Math One" pitchFamily="18" charset="2"/>
-              </a:rPr>
-              <a:t>, whose elements are called </a:t>
-            </a:r>
-            <a:r>
-              <a:rPr lang="en-US" sz="4400" dirty="0" smtClean="0">
-                <a:solidFill>
-                  <a:srgbClr val="0000FF"/>
-                </a:solidFill>
-                <a:latin typeface="Comic Sans MS" pitchFamily="-128" charset="0"/>
-                <a:sym typeface="Euclid Math One" pitchFamily="18" charset="2"/>
-              </a:rPr>
-              <a:t>outcomes</a:t>
-            </a:r>
-            <a:r>
-              <a:rPr lang="en-US" sz="4400" i="1" dirty="0" smtClean="0">
-                <a:latin typeface="Comic Sans MS" pitchFamily="-128" charset="0"/>
-                <a:sym typeface="Euclid Math One" pitchFamily="18" charset="2"/>
-              </a:rPr>
-              <a:t>.</a:t>
-            </a:r>
-          </a:p>
-          <a:p>
-            <a:pPr marL="609600" indent="-609600" eaLnBrk="1" hangingPunct="1">
-              <a:lnSpc>
-                <a:spcPct val="90000"/>
-              </a:lnSpc>
-              <a:buFontTx/>
-              <a:buAutoNum type="arabicParenR"/>
-            </a:pPr>
-            <a:r>
-              <a:rPr lang="en-US" sz="4400" dirty="0" smtClean="0">
-                <a:latin typeface="Comic Sans MS" pitchFamily="-128" charset="0"/>
-                <a:sym typeface="Euclid Math One" pitchFamily="18" charset="2"/>
-              </a:rPr>
-              <a:t> </a:t>
-            </a:r>
-            <a:r>
-              <a:rPr lang="en-US" sz="4400" dirty="0" smtClean="0">
-                <a:solidFill>
-                  <a:srgbClr val="0000FF"/>
-                </a:solidFill>
-                <a:latin typeface="Comic Sans MS" pitchFamily="-128" charset="0"/>
-                <a:sym typeface="Euclid Math One" pitchFamily="18" charset="2"/>
-              </a:rPr>
-              <a:t>Probability function,</a:t>
-            </a:r>
-            <a:r>
-              <a:rPr lang="en-US" sz="4400" dirty="0" smtClean="0">
-                <a:solidFill>
-                  <a:schemeClr val="accent2"/>
-                </a:solidFill>
-                <a:latin typeface="Comic Sans MS" pitchFamily="-128" charset="0"/>
-                <a:sym typeface="Euclid Math One" pitchFamily="18" charset="2"/>
-              </a:rPr>
-              <a:t> </a:t>
-            </a:r>
-          </a:p>
-          <a:p>
-            <a:pPr marL="609600" indent="-609600" algn="ctr" eaLnBrk="1" hangingPunct="1">
-              <a:lnSpc>
-                <a:spcPct val="90000"/>
-              </a:lnSpc>
-              <a:buFontTx/>
-              <a:buNone/>
-            </a:pPr>
-            <a:r>
-              <a:rPr lang="en-US" sz="4800" dirty="0" smtClean="0">
-                <a:solidFill>
-                  <a:srgbClr val="0000FF"/>
-                </a:solidFill>
-                <a:latin typeface="Comic Sans MS" pitchFamily="-128" charset="0"/>
-                <a:sym typeface="Euclid Math One" pitchFamily="18" charset="2"/>
-              </a:rPr>
-              <a:t>Pr:</a:t>
-            </a:r>
-            <a:r>
-              <a:rPr lang="en-US" sz="4800" dirty="0" smtClean="0">
-                <a:solidFill>
-                  <a:srgbClr val="0000FF"/>
-                </a:solidFill>
-                <a:latin typeface="Brush Script MT Italic"/>
-                <a:cs typeface="Brush Script MT Italic"/>
-                <a:sym typeface="Euclid Math One" pitchFamily="18" charset="2"/>
-              </a:rPr>
-              <a:t> </a:t>
-            </a:r>
-            <a:r>
-              <a:rPr lang="en-US" sz="6000" dirty="0" smtClean="0">
-                <a:solidFill>
-                  <a:srgbClr val="0000FF"/>
-                </a:solidFill>
-                <a:latin typeface="Brush Script MT Italic"/>
-                <a:cs typeface="Brush Script MT Italic"/>
-                <a:sym typeface="Euclid Math One" pitchFamily="18" charset="2"/>
-              </a:rPr>
-              <a:t>P</a:t>
-            </a:r>
-            <a:r>
-              <a:rPr lang="en-US" sz="4800" dirty="0" smtClean="0">
-                <a:solidFill>
-                  <a:srgbClr val="0000FF"/>
-                </a:solidFill>
-                <a:latin typeface="Comic Sans MS" pitchFamily="-128" charset="0"/>
-                <a:sym typeface="Euclid Math One" pitchFamily="18" charset="2"/>
-              </a:rPr>
-              <a:t>(</a:t>
-            </a:r>
-            <a:r>
-              <a:rPr lang="en-US" sz="4800" b="1" dirty="0" smtClean="0">
-                <a:solidFill>
-                  <a:srgbClr val="0000FF"/>
-                </a:solidFill>
-                <a:latin typeface="Comic Sans MS" pitchFamily="-128" charset="0"/>
-                <a:sym typeface="Euclid Math One" pitchFamily="18" charset="2"/>
-              </a:rPr>
-              <a:t></a:t>
-            </a:r>
-            <a:r>
-              <a:rPr lang="en-US" sz="4800" dirty="0" smtClean="0">
-                <a:solidFill>
-                  <a:srgbClr val="0000FF"/>
-                </a:solidFill>
-                <a:latin typeface="Comic Sans MS" pitchFamily="-128" charset="0"/>
-                <a:sym typeface="Euclid Math One" pitchFamily="18" charset="2"/>
-              </a:rPr>
-              <a:t>)</a:t>
-            </a:r>
-            <a:r>
-              <a:rPr lang="en-US" sz="4800" b="1" dirty="0" smtClean="0">
-                <a:solidFill>
-                  <a:srgbClr val="0000FF"/>
-                </a:solidFill>
-                <a:latin typeface="Euclid Symbol" charset="2"/>
-                <a:cs typeface="Euclid Symbol" charset="2"/>
-                <a:sym typeface="Symbol" pitchFamily="18" charset="2"/>
-              </a:rPr>
-              <a:t>→</a:t>
-            </a:r>
-            <a:r>
-              <a:rPr lang="en-US" sz="4800" dirty="0" smtClean="0">
-                <a:solidFill>
-                  <a:srgbClr val="0000FF"/>
-                </a:solidFill>
-                <a:latin typeface="Comic Sans MS" pitchFamily="-128" charset="0"/>
-                <a:sym typeface="Symbol" pitchFamily="18" charset="2"/>
-              </a:rPr>
-              <a:t>[0,1]</a:t>
-            </a:r>
-          </a:p>
-          <a:p>
-            <a:pPr marL="609600" indent="-609600" eaLnBrk="1" hangingPunct="1">
-              <a:lnSpc>
-                <a:spcPct val="90000"/>
-              </a:lnSpc>
-              <a:buFontTx/>
-              <a:buNone/>
-            </a:pPr>
-            <a:r>
-              <a:rPr lang="en-US" sz="4400" dirty="0" smtClean="0">
-                <a:latin typeface="Comic Sans MS" pitchFamily="-128" charset="0"/>
-                <a:sym typeface="Symbol" pitchFamily="18" charset="2"/>
-              </a:rPr>
-              <a:t>         (a) </a:t>
-            </a:r>
-            <a:r>
-              <a:rPr lang="en-US" sz="4400" dirty="0" smtClean="0">
-                <a:solidFill>
-                  <a:srgbClr val="0000FF"/>
-                </a:solidFill>
-                <a:latin typeface="Comic Sans MS" pitchFamily="-128" charset="0"/>
-                <a:sym typeface="Symbol" pitchFamily="18" charset="2"/>
-              </a:rPr>
-              <a:t>Pr{</a:t>
-            </a:r>
-            <a:r>
-              <a:rPr lang="en-US" sz="4400" b="1" dirty="0" smtClean="0">
-                <a:solidFill>
-                  <a:srgbClr val="0000FF"/>
-                </a:solidFill>
-                <a:latin typeface="Comic Sans MS" pitchFamily="-128" charset="0"/>
-                <a:sym typeface="Euclid Math One" pitchFamily="18" charset="2"/>
-              </a:rPr>
-              <a:t></a:t>
-            </a:r>
-            <a:r>
-              <a:rPr lang="en-US" sz="4400" dirty="0" smtClean="0">
-                <a:solidFill>
-                  <a:srgbClr val="0000FF"/>
-                </a:solidFill>
-                <a:latin typeface="Comic Sans MS" pitchFamily="-128" charset="0"/>
-                <a:sym typeface="Euclid Math One" pitchFamily="18" charset="2"/>
-              </a:rPr>
-              <a:t>} = 1</a:t>
-            </a:r>
-            <a:r>
-              <a:rPr lang="en-US" sz="4400" dirty="0" smtClean="0">
-                <a:latin typeface="Comic Sans MS" pitchFamily="-128" charset="0"/>
-                <a:sym typeface="Euclid Math One" pitchFamily="18" charset="2"/>
-              </a:rPr>
-              <a:t>,</a:t>
-            </a:r>
-          </a:p>
-          <a:p>
-            <a:pPr marL="609600" indent="-609600" eaLnBrk="1" hangingPunct="1">
-              <a:lnSpc>
-                <a:spcPct val="90000"/>
-              </a:lnSpc>
-              <a:buFontTx/>
-              <a:buNone/>
-            </a:pPr>
-            <a:r>
-              <a:rPr lang="en-US" sz="4400" dirty="0" smtClean="0">
-                <a:latin typeface="Comic Sans MS" pitchFamily="-128" charset="0"/>
-                <a:sym typeface="Symbol" pitchFamily="18" charset="2"/>
-              </a:rPr>
-              <a:t>         (b) the</a:t>
-            </a:r>
-            <a:r>
-              <a:rPr lang="en-US" sz="4400" dirty="0" smtClean="0">
-                <a:solidFill>
-                  <a:srgbClr val="006600"/>
-                </a:solidFill>
-                <a:latin typeface="Comic Sans MS" pitchFamily="-128" charset="0"/>
-                <a:sym typeface="Symbol" pitchFamily="18" charset="2"/>
-              </a:rPr>
-              <a:t> </a:t>
-            </a:r>
-            <a:r>
-              <a:rPr lang="en-US" sz="4400" dirty="0" smtClean="0">
-                <a:solidFill>
-                  <a:srgbClr val="008000"/>
-                </a:solidFill>
-                <a:latin typeface="Comic Sans MS" pitchFamily="-128" charset="0"/>
-                <a:sym typeface="Symbol" pitchFamily="18" charset="2"/>
-              </a:rPr>
-              <a:t>Sum Rule</a:t>
-            </a:r>
-            <a:r>
-              <a:rPr lang="en-US" sz="4400" dirty="0" smtClean="0">
-                <a:latin typeface="Comic Sans MS" pitchFamily="-128" charset="0"/>
-                <a:sym typeface="Symbol" pitchFamily="18" charset="2"/>
-              </a:rPr>
-              <a:t>:</a:t>
-            </a:r>
-          </a:p>
-        </p:txBody>
-      </p:sp>
-      <p:sp>
-        <p:nvSpPr>
-          <p:cNvPr id="4" name="Rectangle 11"/>
-          <p:cNvSpPr txBox="1">
-            <a:spLocks noChangeArrowheads="1"/>
-          </p:cNvSpPr>
-          <p:nvPr/>
-        </p:nvSpPr>
-        <p:spPr bwMode="auto">
-          <a:xfrm>
-            <a:off x="6400800" y="6613525"/>
-            <a:ext cx="2667000" cy="244475"/>
-          </a:xfrm>
-          <a:prstGeom prst="rect">
-            <a:avLst/>
-          </a:prstGeom>
-          <a:noFill/>
-          <a:ln w="9525">
-            <a:noFill/>
-            <a:miter lim="800000"/>
-            <a:headEnd/>
-            <a:tailEnd/>
-          </a:ln>
-          <a:effectLst/>
-        </p:spPr>
-        <p:txBody>
-          <a:bodyPr vert="horz" wrap="square" lIns="91440" tIns="45720" rIns="91440" bIns="45720" numCol="1" anchor="t" anchorCtr="0" compatLnSpc="1">
-            <a:prstTxWarp prst="textNoShape">
-              <a:avLst/>
-            </a:prstTxWarp>
-            <a:spAutoFit/>
-          </a:bodyPr>
-          <a:lstStyle>
-            <a:lvl1pPr algn="r">
-              <a:defRPr sz="1000"/>
-            </a:lvl1pPr>
-          </a:lstStyle>
-          <a:p>
-            <a:pPr marL="0" marR="0" lvl="0" indent="0" algn="r" defTabSz="914400" rtl="0" eaLnBrk="1" fontAlgn="base" latinLnBrk="0" hangingPunct="1">
-              <a:lnSpc>
-                <a:spcPct val="100000"/>
-              </a:lnSpc>
-              <a:spcBef>
-                <a:spcPct val="0"/>
-              </a:spcBef>
-              <a:spcAft>
-                <a:spcPct val="0"/>
-              </a:spcAft>
-              <a:buClrTx/>
-              <a:buSzTx/>
-              <a:buFontTx/>
-              <a:buNone/>
-              <a:tabLst/>
-              <a:defRPr/>
-            </a:pPr>
-            <a:r>
-              <a:rPr kumimoji="0" lang="en-US" sz="1000" b="0" i="0" u="none" strike="noStrike" kern="1200" cap="none" spc="0" normalizeH="0" baseline="0" noProof="0" dirty="0" err="1" smtClean="0">
-                <a:ln>
-                  <a:noFill/>
-                </a:ln>
-                <a:solidFill>
-                  <a:schemeClr val="tx1"/>
-                </a:solidFill>
-                <a:effectLst/>
-                <a:uLnTx/>
-                <a:uFillTx/>
-                <a:latin typeface="Comic Sans MS" pitchFamily="66" charset="0"/>
-                <a:ea typeface="+mn-ea"/>
-                <a:cs typeface="+mn-cs"/>
-              </a:rPr>
-              <a:t>lec</a:t>
-            </a:r>
-            <a:r>
-              <a:rPr kumimoji="0" lang="en-US" sz="1000" b="0" i="0" u="none" strike="noStrike" kern="1200" cap="none" spc="0" normalizeH="0" baseline="0" noProof="0" dirty="0" smtClean="0">
-                <a:ln>
-                  <a:noFill/>
-                </a:ln>
-                <a:solidFill>
-                  <a:schemeClr val="tx1"/>
-                </a:solidFill>
-                <a:effectLst/>
-                <a:uLnTx/>
-                <a:uFillTx/>
-                <a:latin typeface="Comic Sans MS" pitchFamily="66" charset="0"/>
-                <a:ea typeface="+mn-ea"/>
-                <a:cs typeface="+mn-cs"/>
-              </a:rPr>
-              <a:t> 13W.</a:t>
-            </a:r>
-            <a:fld id="{17233D2A-0857-4415-88C1-423492E69A26}" type="slidenum">
-              <a:rPr kumimoji="0" lang="en-US" sz="1000" b="0" i="0" u="none" strike="noStrike" kern="1200" cap="none" spc="0" normalizeH="0" baseline="0" noProof="0" smtClean="0">
-                <a:ln>
-                  <a:noFill/>
-                </a:ln>
-                <a:solidFill>
-                  <a:schemeClr val="tx1"/>
-                </a:solidFill>
-                <a:effectLst/>
-                <a:uLnTx/>
-                <a:uFillTx/>
-                <a:latin typeface="Comic Sans MS" pitchFamily="66" charset="0"/>
-                <a:ea typeface="+mn-ea"/>
-                <a:cs typeface="+mn-cs"/>
-              </a:rPr>
-              <a:pPr marL="0" marR="0" lvl="0" indent="0" algn="r" defTabSz="914400" rtl="0" eaLnBrk="1" fontAlgn="base" latinLnBrk="0" hangingPunct="1">
-                <a:lnSpc>
-                  <a:spcPct val="100000"/>
-                </a:lnSpc>
-                <a:spcBef>
-                  <a:spcPct val="0"/>
-                </a:spcBef>
-                <a:spcAft>
-                  <a:spcPct val="0"/>
-                </a:spcAft>
-                <a:buClrTx/>
-                <a:buSzTx/>
-                <a:buFontTx/>
-                <a:buNone/>
-                <a:tabLst/>
-                <a:defRPr/>
-              </a:pPr>
-              <a:t>23</a:t>
-            </a:fld>
-            <a:endParaRPr kumimoji="0" lang="en-US" sz="1000" b="0" i="0" u="none" strike="noStrike" kern="1200" cap="none" spc="0" normalizeH="0" baseline="0" noProof="0" dirty="0">
-              <a:ln>
-                <a:noFill/>
-              </a:ln>
-              <a:solidFill>
-                <a:schemeClr val="tx1"/>
-              </a:solidFill>
-              <a:effectLst/>
-              <a:uLnTx/>
-              <a:uFillTx/>
-              <a:latin typeface="Comic Sans MS" pitchFamily="66" charset="0"/>
-              <a:ea typeface="+mn-ea"/>
-              <a:cs typeface="+mn-cs"/>
-            </a:endParaRPr>
-          </a:p>
-        </p:txBody>
-      </p:sp>
-    </p:spTree>
-  </p:cSld>
-  <p:clrMapOvr>
-    <a:masterClrMapping/>
-  </p:clrMapOvr>
-  <p:transition xmlns:p14="http://schemas.microsoft.com/office/powerpoint/2010/main" spd="slow">
-    <p:fade thruBlk="1"/>
-  </p:transition>
-  <p:timing>
-    <p:tnLst>
-      <p:par>
-        <p:cTn xmlns:p14="http://schemas.microsoft.com/office/powerpoint/2010/main" id="1" dur="indefinite" restart="never" nodeType="tmRoot">
-          <p:childTnLst>
-            <p:seq concurrent="1" nextAc="seek">
-              <p:cTn id="2" dur="indefinite" nodeType="mainSeq">
-                <p:childTnLst>
-                  <p:par>
-                    <p:cTn id="3" fill="hold">
-                      <p:stCondLst>
-                        <p:cond delay="indefinite"/>
-                      </p:stCondLst>
-                      <p:childTnLst>
-                        <p:par>
-                          <p:cTn id="4" fill="hold">
-                            <p:stCondLst>
-                              <p:cond delay="0"/>
-                            </p:stCondLst>
-                            <p:childTnLst>
-                              <p:par>
-                                <p:cTn id="5" presetID="1" presetClass="entr" presetSubtype="0" fill="hold" nodeType="clickEffect">
-                                  <p:stCondLst>
-                                    <p:cond delay="0"/>
-                                  </p:stCondLst>
-                                  <p:childTnLst>
-                                    <p:set>
-                                      <p:cBhvr>
-                                        <p:cTn id="6" dur="1" fill="hold">
-                                          <p:stCondLst>
-                                            <p:cond delay="0"/>
-                                          </p:stCondLst>
-                                        </p:cTn>
-                                        <p:tgtEl>
-                                          <p:spTgt spid="61443">
-                                            <p:txEl>
-                                              <p:pRg st="1" end="1"/>
-                                            </p:txEl>
-                                          </p:spTgt>
-                                        </p:tgtEl>
-                                        <p:attrNameLst>
-                                          <p:attrName>style.visibility</p:attrName>
-                                        </p:attrNameLst>
-                                      </p:cBhvr>
-                                      <p:to>
-                                        <p:strVal val="visible"/>
-                                      </p:to>
-                                    </p:set>
-                                  </p:childTnLst>
-                                </p:cTn>
-                              </p:par>
-                              <p:par>
-                                <p:cTn id="7" presetID="1" presetClass="entr" presetSubtype="0" fill="hold" nodeType="withEffect">
-                                  <p:stCondLst>
-                                    <p:cond delay="0"/>
-                                  </p:stCondLst>
-                                  <p:childTnLst>
-                                    <p:set>
-                                      <p:cBhvr>
-                                        <p:cTn id="8" dur="1" fill="hold">
-                                          <p:stCondLst>
-                                            <p:cond delay="0"/>
-                                          </p:stCondLst>
-                                        </p:cTn>
-                                        <p:tgtEl>
-                                          <p:spTgt spid="61443">
-                                            <p:txEl>
-                                              <p:pRg st="2" end="2"/>
-                                            </p:txEl>
-                                          </p:spTgt>
-                                        </p:tgtEl>
-                                        <p:attrNameLst>
-                                          <p:attrName>style.visibility</p:attrName>
-                                        </p:attrNameLst>
-                                      </p:cBhvr>
-                                      <p:to>
-                                        <p:strVal val="visible"/>
-                                      </p:to>
-                                    </p:set>
-                                  </p:childTnLst>
-                                </p:cTn>
-                              </p:par>
-                            </p:childTnLst>
-                          </p:cTn>
-                        </p:par>
-                      </p:childTnLst>
-                    </p:cTn>
-                  </p:par>
-                  <p:par>
-                    <p:cTn id="9" fill="hold">
-                      <p:stCondLst>
-                        <p:cond delay="indefinite"/>
-                      </p:stCondLst>
-                      <p:childTnLst>
-                        <p:par>
-                          <p:cTn id="10" fill="hold">
-                            <p:stCondLst>
-                              <p:cond delay="0"/>
-                            </p:stCondLst>
-                            <p:childTnLst>
-                              <p:par>
-                                <p:cTn id="11" presetID="1" presetClass="entr" presetSubtype="0" fill="hold" nodeType="clickEffect">
-                                  <p:stCondLst>
-                                    <p:cond delay="0"/>
-                                  </p:stCondLst>
-                                  <p:childTnLst>
-                                    <p:set>
-                                      <p:cBhvr>
-                                        <p:cTn id="12" dur="1" fill="hold">
-                                          <p:stCondLst>
-                                            <p:cond delay="0"/>
-                                          </p:stCondLst>
-                                        </p:cTn>
-                                        <p:tgtEl>
-                                          <p:spTgt spid="61443">
-                                            <p:txEl>
-                                              <p:pRg st="3" end="3"/>
-                                            </p:txEl>
-                                          </p:spTgt>
-                                        </p:tgtEl>
-                                        <p:attrNameLst>
-                                          <p:attrName>style.visibility</p:attrName>
-                                        </p:attrNameLst>
-                                      </p:cBhvr>
-                                      <p:to>
-                                        <p:strVal val="visible"/>
-                                      </p:to>
-                                    </p:set>
-                                  </p:childTnLst>
-                                </p:cTn>
-                              </p:par>
-                            </p:childTnLst>
-                          </p:cTn>
-                        </p:par>
-                      </p:childTnLst>
-                    </p:cTn>
-                  </p:par>
-                  <p:par>
-                    <p:cTn id="13" fill="hold">
-                      <p:stCondLst>
-                        <p:cond delay="indefinite"/>
-                      </p:stCondLst>
-                      <p:childTnLst>
-                        <p:par>
-                          <p:cTn id="14" fill="hold">
-                            <p:stCondLst>
-                              <p:cond delay="0"/>
-                            </p:stCondLst>
-                            <p:childTnLst>
-                              <p:par>
-                                <p:cTn id="15" presetID="1" presetClass="entr" presetSubtype="0" fill="hold" nodeType="clickEffect">
-                                  <p:stCondLst>
-                                    <p:cond delay="0"/>
-                                  </p:stCondLst>
-                                  <p:childTnLst>
-                                    <p:set>
-                                      <p:cBhvr>
-                                        <p:cTn id="16" dur="1" fill="hold">
-                                          <p:stCondLst>
-                                            <p:cond delay="0"/>
-                                          </p:stCondLst>
-                                        </p:cTn>
-                                        <p:tgtEl>
-                                          <p:spTgt spid="61443">
-                                            <p:txEl>
-                                              <p:pRg st="4" end="4"/>
-                                            </p:txEl>
-                                          </p:spTgt>
-                                        </p:tgtEl>
-                                        <p:attrNameLst>
-                                          <p:attrName>style.visibility</p:attrName>
-                                        </p:attrNameLst>
-                                      </p:cBhvr>
-                                      <p:to>
-                                        <p:strVal val="visible"/>
-                                      </p:to>
-                                    </p:set>
-                                  </p:childTnLst>
-                                </p:cTn>
-                              </p:par>
-                            </p:childTnLst>
-                          </p:cTn>
-                        </p:par>
-                      </p:childTnLst>
-                    </p:cTn>
-                  </p:par>
-                </p:childTnLst>
-              </p:cTn>
-              <p:prevCondLst>
-                <p:cond evt="onPrev" delay="0">
-                  <p:tgtEl>
-                    <p:sldTgt/>
-                  </p:tgtEl>
-                </p:cond>
-              </p:prevCondLst>
-              <p:nextCondLst>
-                <p:cond evt="onNext" delay="0">
-                  <p:tgtEl>
-                    <p:sldTgt/>
-                  </p:tgtEl>
-                </p:cond>
-              </p:nextCondLst>
-            </p:seq>
-          </p:childTnLst>
-        </p:cTn>
-      </p:par>
-    </p:tnLst>
-  </p:timing>
-</p:sld>
-</file>
-
-<file path=ppt/slides/slide24.xml><?xml version="1.0" encoding="utf-8"?>
-<p:sld xmlns:a="http://schemas.openxmlformats.org/drawingml/2006/main" xmlns:r="http://schemas.openxmlformats.org/officeDocument/2006/relationships" xmlns:p="http://schemas.openxmlformats.org/presentationml/2006/main" show="0">
-  <p:cSld>
-    <p:spTree>
-      <p:nvGrpSpPr>
-        <p:cNvPr id="1" name=""/>
-        <p:cNvGrpSpPr/>
-        <p:nvPr/>
-      </p:nvGrpSpPr>
-      <p:grpSpPr>
-        <a:xfrm>
-          <a:off x="0" y="0"/>
-          <a:ext cx="0" cy="0"/>
-          <a:chOff x="0" y="0"/>
-          <a:chExt cx="0" cy="0"/>
-        </a:xfrm>
-      </p:grpSpPr>
-      <p:sp>
-        <p:nvSpPr>
-          <p:cNvPr id="23554" name="Rectangle 2"/>
-          <p:cNvSpPr>
-            <a:spLocks noGrp="1" noChangeArrowheads="1"/>
-          </p:cNvSpPr>
-          <p:nvPr>
-            <p:ph type="title"/>
-          </p:nvPr>
-        </p:nvSpPr>
-        <p:spPr>
-          <a:xfrm>
-            <a:off x="1295400" y="304800"/>
-            <a:ext cx="6553200" cy="1143000"/>
-          </a:xfrm>
-          <a:noFill/>
-        </p:spPr>
-        <p:txBody>
-          <a:bodyPr/>
-          <a:lstStyle/>
-          <a:p>
-            <a:pPr eaLnBrk="1" hangingPunct="1"/>
-            <a:r>
-              <a:rPr lang="en-US" sz="5400" dirty="0" smtClean="0">
-                <a:solidFill>
-                  <a:schemeClr val="tx1"/>
-                </a:solidFill>
-                <a:latin typeface="Comic Sans MS" pitchFamily="-128" charset="0"/>
-              </a:rPr>
-              <a:t>Sum Rule</a:t>
-            </a:r>
-          </a:p>
-        </p:txBody>
-      </p:sp>
-      <p:sp>
-        <p:nvSpPr>
-          <p:cNvPr id="23555" name="Text Box 4"/>
-          <p:cNvSpPr txBox="1">
-            <a:spLocks noChangeArrowheads="1"/>
-          </p:cNvSpPr>
-          <p:nvPr/>
-        </p:nvSpPr>
-        <p:spPr bwMode="auto">
-          <a:xfrm>
-            <a:off x="914400" y="1371600"/>
-            <a:ext cx="7239000" cy="1219200"/>
-          </a:xfrm>
-          <a:prstGeom prst="rect">
-            <a:avLst/>
-          </a:prstGeom>
-          <a:noFill/>
-          <a:ln w="9525">
-            <a:noFill/>
-            <a:miter lim="800000"/>
-            <a:headEnd/>
-            <a:tailEnd/>
-          </a:ln>
-        </p:spPr>
-        <p:txBody>
-          <a:bodyPr wrap="square">
-            <a:spAutoFit/>
-          </a:bodyPr>
-          <a:lstStyle/>
-          <a:p>
-            <a:r>
-              <a:rPr lang="en-US" sz="7200" dirty="0" smtClean="0">
-                <a:latin typeface="Comic Sans MS" pitchFamily="-128" charset="0"/>
-              </a:rPr>
-              <a:t>for </a:t>
-            </a:r>
-            <a:r>
-              <a:rPr lang="en-US" sz="7200" i="1" dirty="0" smtClean="0">
-                <a:latin typeface="Comic Sans MS" pitchFamily="-128" charset="0"/>
-                <a:sym typeface="Symbol" pitchFamily="18" charset="2"/>
-              </a:rPr>
-              <a:t>disjoint </a:t>
-            </a:r>
-            <a:r>
-              <a:rPr lang="en-US" sz="7200" dirty="0" smtClean="0">
-                <a:solidFill>
-                  <a:srgbClr val="0000E5"/>
-                </a:solidFill>
-                <a:latin typeface="Comic Sans MS" pitchFamily="-128" charset="0"/>
-              </a:rPr>
-              <a:t>A</a:t>
-            </a:r>
-            <a:r>
-              <a:rPr lang="en-US" sz="7200" dirty="0" smtClean="0">
-                <a:latin typeface="Comic Sans MS" pitchFamily="-128" charset="0"/>
-              </a:rPr>
-              <a:t>,</a:t>
-            </a:r>
-            <a:r>
-              <a:rPr lang="en-US" sz="7200" dirty="0" smtClean="0">
-                <a:latin typeface="Comic Sans MS" pitchFamily="-128" charset="0"/>
-                <a:sym typeface="Symbol" pitchFamily="18" charset="2"/>
-              </a:rPr>
-              <a:t> </a:t>
-            </a:r>
-            <a:r>
-              <a:rPr lang="en-US" sz="7200" dirty="0" smtClean="0">
-                <a:solidFill>
-                  <a:srgbClr val="0000E5"/>
-                </a:solidFill>
-                <a:latin typeface="Comic Sans MS" pitchFamily="-128" charset="0"/>
-                <a:sym typeface="Symbol" pitchFamily="18" charset="2"/>
-              </a:rPr>
-              <a:t>B</a:t>
-            </a:r>
-            <a:r>
-              <a:rPr lang="en-US" sz="6600" dirty="0" smtClean="0">
-                <a:latin typeface="Comic Sans MS" pitchFamily="-128" charset="0"/>
-                <a:sym typeface="Symbol" pitchFamily="18" charset="2"/>
-              </a:rPr>
-              <a:t> </a:t>
-            </a:r>
-            <a:endParaRPr lang="en-US" sz="6600" i="1" dirty="0">
-              <a:latin typeface="Comic Sans MS" pitchFamily="-128" charset="0"/>
-              <a:sym typeface="Symbol" pitchFamily="18" charset="2"/>
-            </a:endParaRPr>
-          </a:p>
-        </p:txBody>
-      </p:sp>
-      <p:sp>
-        <p:nvSpPr>
-          <p:cNvPr id="23556" name="Rectangle 7"/>
-          <p:cNvSpPr>
-            <a:spLocks noChangeArrowheads="1"/>
-          </p:cNvSpPr>
-          <p:nvPr/>
-        </p:nvSpPr>
-        <p:spPr bwMode="auto">
-          <a:xfrm>
-            <a:off x="533400" y="2590800"/>
-            <a:ext cx="7827784" cy="3046988"/>
-          </a:xfrm>
-          <a:prstGeom prst="rect">
-            <a:avLst/>
-          </a:prstGeom>
-          <a:noFill/>
-          <a:ln w="9525">
-            <a:noFill/>
-            <a:miter lim="800000"/>
-            <a:headEnd/>
-            <a:tailEnd/>
-          </a:ln>
-        </p:spPr>
-        <p:txBody>
-          <a:bodyPr wrap="none">
-            <a:spAutoFit/>
-          </a:bodyPr>
-          <a:lstStyle/>
-          <a:p>
-            <a:r>
-              <a:rPr lang="en-US" sz="9600" dirty="0" err="1" smtClean="0">
-                <a:solidFill>
-                  <a:srgbClr val="0000E5"/>
-                </a:solidFill>
-                <a:latin typeface="Comic Sans MS" pitchFamily="-128" charset="0"/>
-              </a:rPr>
-              <a:t>Pr{A</a:t>
-            </a:r>
-            <a:r>
-              <a:rPr lang="en-US" sz="9600" dirty="0" smtClean="0">
-                <a:solidFill>
-                  <a:srgbClr val="0000E5"/>
-                </a:solidFill>
-                <a:latin typeface="Comic Sans MS" pitchFamily="-128" charset="0"/>
-              </a:rPr>
-              <a:t> </a:t>
-            </a:r>
-            <a:r>
-              <a:rPr lang="en-US" sz="9600" dirty="0" smtClean="0">
-                <a:solidFill>
-                  <a:srgbClr val="0000E5"/>
-                </a:solidFill>
-                <a:latin typeface="Euclid Symbol" charset="2"/>
-                <a:cs typeface="Euclid Symbol" charset="2"/>
-                <a:sym typeface="Symbol" pitchFamily="18" charset="2"/>
-              </a:rPr>
-              <a:t>∪ </a:t>
-            </a:r>
-            <a:r>
-              <a:rPr lang="en-US" sz="9600" dirty="0" smtClean="0">
-                <a:solidFill>
-                  <a:srgbClr val="0000E5"/>
-                </a:solidFill>
-                <a:latin typeface="Comic Sans MS" pitchFamily="-128" charset="0"/>
-              </a:rPr>
-              <a:t>B} =</a:t>
-            </a:r>
-          </a:p>
-          <a:p>
-            <a:r>
-              <a:rPr lang="en-US" sz="9600" dirty="0" smtClean="0">
-                <a:solidFill>
-                  <a:srgbClr val="0000E5"/>
-                </a:solidFill>
-                <a:latin typeface="Comic Sans MS" pitchFamily="-128" charset="0"/>
-              </a:rPr>
-              <a:t> </a:t>
-            </a:r>
-            <a:r>
-              <a:rPr lang="en-US" sz="9600" dirty="0" err="1" smtClean="0">
-                <a:solidFill>
-                  <a:srgbClr val="0000E5"/>
-                </a:solidFill>
-                <a:latin typeface="Comic Sans MS" pitchFamily="-128" charset="0"/>
-              </a:rPr>
-              <a:t>Pr{A</a:t>
-            </a:r>
-            <a:r>
-              <a:rPr lang="en-US" sz="9600" dirty="0" smtClean="0">
-                <a:solidFill>
-                  <a:srgbClr val="0000E5"/>
-                </a:solidFill>
-                <a:latin typeface="Comic Sans MS" pitchFamily="-128" charset="0"/>
-              </a:rPr>
-              <a:t>} + </a:t>
-            </a:r>
-            <a:r>
-              <a:rPr lang="en-US" sz="9600" dirty="0" err="1" smtClean="0">
-                <a:solidFill>
-                  <a:srgbClr val="0000E5"/>
-                </a:solidFill>
-                <a:latin typeface="Comic Sans MS" pitchFamily="-128" charset="0"/>
-              </a:rPr>
-              <a:t>Pr{B</a:t>
-            </a:r>
-            <a:r>
-              <a:rPr lang="en-US" sz="9600" dirty="0" smtClean="0">
-                <a:solidFill>
-                  <a:srgbClr val="0000E5"/>
-                </a:solidFill>
-                <a:latin typeface="Comic Sans MS" pitchFamily="-128" charset="0"/>
-              </a:rPr>
-              <a:t>}</a:t>
-            </a:r>
-            <a:endParaRPr lang="en-US" sz="9600" dirty="0">
-              <a:solidFill>
-                <a:srgbClr val="0000E5"/>
-              </a:solidFill>
-              <a:latin typeface="Comic Sans MS" pitchFamily="-128" charset="0"/>
-            </a:endParaRPr>
-          </a:p>
-        </p:txBody>
-      </p:sp>
-      <p:sp>
-        <p:nvSpPr>
-          <p:cNvPr id="5" name="Rectangle 11"/>
-          <p:cNvSpPr txBox="1">
-            <a:spLocks noChangeArrowheads="1"/>
-          </p:cNvSpPr>
-          <p:nvPr/>
-        </p:nvSpPr>
-        <p:spPr bwMode="auto">
-          <a:xfrm>
-            <a:off x="6324600" y="6613525"/>
-            <a:ext cx="2667000" cy="244475"/>
-          </a:xfrm>
-          <a:prstGeom prst="rect">
-            <a:avLst/>
-          </a:prstGeom>
-          <a:noFill/>
-          <a:ln w="9525">
-            <a:noFill/>
-            <a:miter lim="800000"/>
-            <a:headEnd/>
-            <a:tailEnd/>
-          </a:ln>
-          <a:effectLst/>
-        </p:spPr>
-        <p:txBody>
-          <a:bodyPr vert="horz" wrap="square" lIns="91440" tIns="45720" rIns="91440" bIns="45720" numCol="1" anchor="t" anchorCtr="0" compatLnSpc="1">
-            <a:prstTxWarp prst="textNoShape">
-              <a:avLst/>
-            </a:prstTxWarp>
-            <a:spAutoFit/>
-          </a:bodyPr>
-          <a:lstStyle>
-            <a:lvl1pPr algn="r">
-              <a:defRPr sz="1000"/>
-            </a:lvl1pPr>
-          </a:lstStyle>
-          <a:p>
-            <a:pPr marL="0" marR="0" lvl="0" indent="0" algn="r" defTabSz="914400" rtl="0" eaLnBrk="1" fontAlgn="base" latinLnBrk="0" hangingPunct="1">
-              <a:lnSpc>
-                <a:spcPct val="100000"/>
-              </a:lnSpc>
-              <a:spcBef>
-                <a:spcPct val="0"/>
-              </a:spcBef>
-              <a:spcAft>
-                <a:spcPct val="0"/>
-              </a:spcAft>
-              <a:buClrTx/>
-              <a:buSzTx/>
-              <a:buFontTx/>
-              <a:buNone/>
-              <a:tabLst/>
-              <a:defRPr/>
-            </a:pPr>
-            <a:r>
-              <a:rPr kumimoji="0" lang="en-US" sz="1000" b="0" i="0" u="none" strike="noStrike" kern="1200" cap="none" spc="0" normalizeH="0" baseline="0" noProof="0" dirty="0" err="1" smtClean="0">
-                <a:ln>
-                  <a:noFill/>
-                </a:ln>
-                <a:solidFill>
-                  <a:schemeClr val="tx1"/>
-                </a:solidFill>
-                <a:effectLst/>
-                <a:uLnTx/>
-                <a:uFillTx/>
-                <a:latin typeface="Comic Sans MS" pitchFamily="66" charset="0"/>
-                <a:ea typeface="+mn-ea"/>
-                <a:cs typeface="+mn-cs"/>
-              </a:rPr>
-              <a:t>lec</a:t>
-            </a:r>
-            <a:r>
-              <a:rPr kumimoji="0" lang="en-US" sz="1000" b="0" i="0" u="none" strike="noStrike" kern="1200" cap="none" spc="0" normalizeH="0" baseline="0" noProof="0" dirty="0" smtClean="0">
-                <a:ln>
-                  <a:noFill/>
-                </a:ln>
-                <a:solidFill>
-                  <a:schemeClr val="tx1"/>
-                </a:solidFill>
-                <a:effectLst/>
-                <a:uLnTx/>
-                <a:uFillTx/>
-                <a:latin typeface="Comic Sans MS" pitchFamily="66" charset="0"/>
-                <a:ea typeface="+mn-ea"/>
-                <a:cs typeface="+mn-cs"/>
-              </a:rPr>
-              <a:t> 13W.</a:t>
-            </a:r>
-            <a:fld id="{17233D2A-0857-4415-88C1-423492E69A26}" type="slidenum">
-              <a:rPr kumimoji="0" lang="en-US" sz="1000" b="0" i="0" u="none" strike="noStrike" kern="1200" cap="none" spc="0" normalizeH="0" baseline="0" noProof="0" smtClean="0">
-                <a:ln>
-                  <a:noFill/>
-                </a:ln>
-                <a:solidFill>
-                  <a:schemeClr val="tx1"/>
-                </a:solidFill>
-                <a:effectLst/>
-                <a:uLnTx/>
-                <a:uFillTx/>
-                <a:latin typeface="Comic Sans MS" pitchFamily="66" charset="0"/>
-                <a:ea typeface="+mn-ea"/>
-                <a:cs typeface="+mn-cs"/>
-              </a:rPr>
-              <a:pPr marL="0" marR="0" lvl="0" indent="0" algn="r" defTabSz="914400" rtl="0" eaLnBrk="1" fontAlgn="base" latinLnBrk="0" hangingPunct="1">
-                <a:lnSpc>
-                  <a:spcPct val="100000"/>
-                </a:lnSpc>
-                <a:spcBef>
-                  <a:spcPct val="0"/>
-                </a:spcBef>
-                <a:spcAft>
-                  <a:spcPct val="0"/>
-                </a:spcAft>
-                <a:buClrTx/>
-                <a:buSzTx/>
-                <a:buFontTx/>
-                <a:buNone/>
-                <a:tabLst/>
-                <a:defRPr/>
-              </a:pPr>
-              <a:t>24</a:t>
-            </a:fld>
-            <a:endParaRPr kumimoji="0" lang="en-US" sz="1000" b="0" i="0" u="none" strike="noStrike" kern="1200" cap="none" spc="0" normalizeH="0" baseline="0" noProof="0" dirty="0">
-              <a:ln>
-                <a:noFill/>
-              </a:ln>
-              <a:solidFill>
-                <a:schemeClr val="tx1"/>
-              </a:solidFill>
-              <a:effectLst/>
-              <a:uLnTx/>
-              <a:uFillTx/>
-              <a:latin typeface="Comic Sans MS" pitchFamily="66" charset="0"/>
-              <a:ea typeface="+mn-ea"/>
-              <a:cs typeface="+mn-cs"/>
-            </a:endParaRPr>
-          </a:p>
-        </p:txBody>
-      </p:sp>
-    </p:spTree>
-  </p:cSld>
-  <p:clrMapOvr>
-    <a:masterClrMapping/>
-  </p:clrMapOvr>
-  <p:transition xmlns:p14="http://schemas.microsoft.com/office/powerpoint/2010/main"/>
-  <p:timing>
-    <p:tnLst>
-      <p:par>
-        <p:cTn xmlns:p14="http://schemas.microsoft.com/office/powerpoint/2010/main" id="1" dur="indefinite" restart="never" nodeType="tmRoot">
-          <p:childTnLst>
-            <p:seq concurrent="1" nextAc="seek">
-              <p:cTn id="2" dur="indefinite" nodeType="mainSeq">
-                <p:childTnLst>
-                  <p:par>
-                    <p:cTn id="3" fill="hold">
-                      <p:stCondLst>
-                        <p:cond delay="indefinite"/>
-                      </p:stCondLst>
-                      <p:childTnLst>
-                        <p:par>
-                          <p:cTn id="4" fill="hold">
-                            <p:stCondLst>
-                              <p:cond delay="0"/>
-                            </p:stCondLst>
-                            <p:childTnLst>
-                              <p:par>
-                                <p:cTn id="5" presetID="9" presetClass="entr" presetSubtype="0" fill="hold" grpId="0" nodeType="clickEffect">
-                                  <p:stCondLst>
-                                    <p:cond delay="0"/>
-                                  </p:stCondLst>
-                                  <p:childTnLst>
-                                    <p:set>
-                                      <p:cBhvr>
-                                        <p:cTn id="6" dur="1" fill="hold">
-                                          <p:stCondLst>
-                                            <p:cond delay="0"/>
-                                          </p:stCondLst>
-                                        </p:cTn>
-                                        <p:tgtEl>
-                                          <p:spTgt spid="23556"/>
-                                        </p:tgtEl>
-                                        <p:attrNameLst>
-                                          <p:attrName>style.visibility</p:attrName>
-                                        </p:attrNameLst>
-                                      </p:cBhvr>
-                                      <p:to>
-                                        <p:strVal val="visible"/>
-                                      </p:to>
-                                    </p:set>
-                                    <p:animEffect transition="in" filter="dissolve">
-                                      <p:cBhvr>
-                                        <p:cTn id="7" dur="500"/>
-                                        <p:tgtEl>
-                                          <p:spTgt spid="23556"/>
-                                        </p:tgtEl>
-                                      </p:cBhvr>
-                                    </p:animEffect>
-                                  </p:childTnLst>
-                                </p:cTn>
-                              </p:par>
-                            </p:childTnLst>
-                          </p:cTn>
-                        </p:par>
-                      </p:childTnLst>
-                    </p:cTn>
-                  </p:par>
-                </p:childTnLst>
-              </p:cTn>
-              <p:prevCondLst>
-                <p:cond evt="onPrev" delay="0">
-                  <p:tgtEl>
-                    <p:sldTgt/>
-                  </p:tgtEl>
-                </p:cond>
-              </p:prevCondLst>
-              <p:nextCondLst>
-                <p:cond evt="onNext" delay="0">
-                  <p:tgtEl>
-                    <p:sldTgt/>
-                  </p:tgtEl>
-                </p:cond>
-              </p:nextCondLst>
-            </p:seq>
-          </p:childTnLst>
-        </p:cTn>
-      </p:par>
-    </p:tnLst>
-    <p:bldLst>
-      <p:bldP spid="23556" grpId="0"/>
-    </p:bldLst>
-  </p:timing>
-</p:sld>
-</file>
-
-<file path=ppt/slides/slide25.xml><?xml version="1.0" encoding="utf-8"?>
-<p:sld xmlns:a="http://schemas.openxmlformats.org/drawingml/2006/main" xmlns:r="http://schemas.openxmlformats.org/officeDocument/2006/relationships" xmlns:p="http://schemas.openxmlformats.org/presentationml/2006/main">
-  <p:cSld>
-    <p:spTree>
-      <p:nvGrpSpPr>
-        <p:cNvPr id="1" name=""/>
-        <p:cNvGrpSpPr/>
-        <p:nvPr/>
-      </p:nvGrpSpPr>
-      <p:grpSpPr>
-        <a:xfrm>
-          <a:off x="0" y="0"/>
-          <a:ext cx="0" cy="0"/>
-          <a:chOff x="0" y="0"/>
-          <a:chExt cx="0" cy="0"/>
-        </a:xfrm>
-      </p:grpSpPr>
-      <p:sp>
-        <p:nvSpPr>
-          <p:cNvPr id="24578" name="Rectangle 2"/>
-          <p:cNvSpPr>
-            <a:spLocks noGrp="1" noChangeArrowheads="1"/>
-          </p:cNvSpPr>
-          <p:nvPr>
-            <p:ph type="title"/>
-          </p:nvPr>
-        </p:nvSpPr>
-        <p:spPr>
-          <a:xfrm>
-            <a:off x="2819400" y="228600"/>
-            <a:ext cx="3581400" cy="1066800"/>
-          </a:xfrm>
-          <a:noFill/>
-        </p:spPr>
-        <p:txBody>
-          <a:bodyPr/>
-          <a:lstStyle/>
-          <a:p>
-            <a:pPr eaLnBrk="1" hangingPunct="1"/>
-            <a:r>
-              <a:rPr lang="en-US" sz="4800" dirty="0" smtClean="0">
-                <a:solidFill>
-                  <a:schemeClr val="tx1"/>
-                </a:solidFill>
-                <a:latin typeface="Comic Sans MS" pitchFamily="-128" charset="0"/>
-              </a:rPr>
-              <a:t>Sum Rule</a:t>
-            </a:r>
-          </a:p>
-        </p:txBody>
-      </p:sp>
-      <p:sp>
-        <p:nvSpPr>
-          <p:cNvPr id="24579" name="Text Box 4"/>
-          <p:cNvSpPr txBox="1">
-            <a:spLocks noChangeArrowheads="1"/>
-          </p:cNvSpPr>
-          <p:nvPr/>
-        </p:nvSpPr>
-        <p:spPr bwMode="auto">
-          <a:xfrm>
-            <a:off x="228600" y="1447800"/>
-            <a:ext cx="8534400" cy="823913"/>
-          </a:xfrm>
-          <a:prstGeom prst="rect">
-            <a:avLst/>
-          </a:prstGeom>
-          <a:noFill/>
-          <a:ln w="9525">
-            <a:noFill/>
-            <a:miter lim="800000"/>
-            <a:headEnd/>
-            <a:tailEnd/>
-          </a:ln>
-        </p:spPr>
-        <p:txBody>
-          <a:bodyPr>
-            <a:spAutoFit/>
-          </a:bodyPr>
-          <a:lstStyle/>
-          <a:p>
-            <a:r>
-              <a:rPr lang="en-US" sz="4800" dirty="0">
-                <a:latin typeface="Comic Sans MS" pitchFamily="-128" charset="0"/>
-              </a:rPr>
-              <a:t>For </a:t>
-            </a:r>
-            <a:r>
-              <a:rPr lang="en-US" sz="4800" i="1" dirty="0" err="1">
-                <a:latin typeface="Comic Sans MS" pitchFamily="-128" charset="0"/>
-              </a:rPr>
-              <a:t>pairwise</a:t>
-            </a:r>
-            <a:r>
-              <a:rPr lang="en-US" sz="4800" i="1" dirty="0">
-                <a:latin typeface="Comic Sans MS" pitchFamily="-128" charset="0"/>
-              </a:rPr>
-              <a:t> disjoint</a:t>
-            </a:r>
-            <a:r>
-              <a:rPr lang="en-US" sz="4800" dirty="0">
-                <a:latin typeface="Comic Sans MS" pitchFamily="-128" charset="0"/>
-              </a:rPr>
-              <a:t> </a:t>
-            </a:r>
-            <a:r>
-              <a:rPr lang="en-US" sz="4800" dirty="0">
-                <a:solidFill>
-                  <a:srgbClr val="0000FF"/>
-                </a:solidFill>
-                <a:latin typeface="Comic Sans MS" pitchFamily="-128" charset="0"/>
-              </a:rPr>
-              <a:t>A</a:t>
-            </a:r>
-            <a:r>
-              <a:rPr lang="en-US" sz="4800" baseline="-25000" dirty="0">
-                <a:solidFill>
-                  <a:srgbClr val="0000FF"/>
-                </a:solidFill>
-                <a:latin typeface="Comic Sans MS" pitchFamily="-128" charset="0"/>
-              </a:rPr>
-              <a:t>0</a:t>
-            </a:r>
-            <a:r>
-              <a:rPr lang="en-US" sz="4800" dirty="0">
-                <a:solidFill>
-                  <a:srgbClr val="0000FF"/>
-                </a:solidFill>
-                <a:latin typeface="Comic Sans MS" pitchFamily="-128" charset="0"/>
-              </a:rPr>
-              <a:t>,A</a:t>
-            </a:r>
-            <a:r>
-              <a:rPr lang="en-US" sz="4800" baseline="-25000" dirty="0">
-                <a:solidFill>
-                  <a:srgbClr val="0000FF"/>
-                </a:solidFill>
-                <a:latin typeface="Comic Sans MS" pitchFamily="-128" charset="0"/>
-              </a:rPr>
-              <a:t>1</a:t>
-            </a:r>
-            <a:r>
-              <a:rPr lang="en-US" sz="4800" dirty="0">
-                <a:solidFill>
-                  <a:srgbClr val="0000FF"/>
-                </a:solidFill>
-                <a:latin typeface="Comic Sans MS" pitchFamily="-128" charset="0"/>
-              </a:rPr>
-              <a:t>,…</a:t>
-            </a:r>
-          </a:p>
-        </p:txBody>
-      </p:sp>
-      <p:sp>
-        <p:nvSpPr>
-          <p:cNvPr id="25606" name="Rectangle 6"/>
-          <p:cNvSpPr>
-            <a:spLocks noChangeArrowheads="1"/>
-          </p:cNvSpPr>
-          <p:nvPr/>
-        </p:nvSpPr>
-        <p:spPr bwMode="auto">
-          <a:xfrm>
-            <a:off x="228600" y="2514600"/>
-            <a:ext cx="8610600" cy="2362200"/>
-          </a:xfrm>
-          <a:prstGeom prst="rect">
-            <a:avLst/>
-          </a:prstGeom>
-          <a:noFill/>
-          <a:ln w="31750">
-            <a:solidFill>
-              <a:srgbClr val="FF00FF"/>
-            </a:solidFill>
-            <a:miter lim="800000"/>
-            <a:headEnd/>
-            <a:tailEnd/>
-          </a:ln>
-        </p:spPr>
-        <p:txBody>
-          <a:bodyPr wrap="none" anchor="ctr"/>
-          <a:lstStyle/>
-          <a:p>
-            <a:endParaRPr lang="en-US"/>
-          </a:p>
-        </p:txBody>
-      </p:sp>
-      <p:graphicFrame>
-        <p:nvGraphicFramePr>
-          <p:cNvPr id="6" name="Object 5"/>
-          <p:cNvGraphicFramePr>
-            <a:graphicFrameLocks noChangeAspect="1"/>
-          </p:cNvGraphicFramePr>
-          <p:nvPr>
-            <p:extLst>
-              <p:ext uri="{D42A27DB-BD31-4B8C-83A1-F6EECF244321}">
-                <p14:modId xmlns:p14="http://schemas.microsoft.com/office/powerpoint/2010/main" val="478462720"/>
-              </p:ext>
-            </p:extLst>
-          </p:nvPr>
-        </p:nvGraphicFramePr>
-        <p:xfrm>
-          <a:off x="331788" y="2481263"/>
-          <a:ext cx="8478837" cy="2438400"/>
-        </p:xfrm>
-        <a:graphic>
-          <a:graphicData uri="http://schemas.openxmlformats.org/presentationml/2006/ole">
-            <mc:AlternateContent xmlns:mc="http://schemas.openxmlformats.org/markup-compatibility/2006">
-              <mc:Choice xmlns:v="urn:schemas-microsoft-com:vml" Requires="v">
-                <p:oleObj spid="_x0000_s247824" name="Equation" r:id="rId4" imgW="1943100" imgH="558800" progId="Equation.DSMT4">
-                  <p:embed/>
-                </p:oleObj>
-              </mc:Choice>
-              <mc:Fallback>
-                <p:oleObj name="Equation" r:id="rId4" imgW="1943100" imgH="558800" progId="Equation.DSMT4">
-                  <p:embed/>
-                  <p:pic>
-                    <p:nvPicPr>
-                      <p:cNvPr id="0" name="Picture 2"/>
-                      <p:cNvPicPr>
-                        <a:picLocks noChangeAspect="1" noChangeArrowheads="1"/>
-                      </p:cNvPicPr>
-                      <p:nvPr/>
-                    </p:nvPicPr>
-                    <p:blipFill>
-                      <a:blip r:embed="rId5"/>
-                      <a:srcRect/>
-                      <a:stretch>
-                        <a:fillRect/>
-                      </a:stretch>
-                    </p:blipFill>
-                    <p:spPr bwMode="auto">
-                      <a:xfrm>
-                        <a:off x="331788" y="2481263"/>
-                        <a:ext cx="8478837" cy="2438400"/>
-                      </a:xfrm>
-                      <a:prstGeom prst="rect">
-                        <a:avLst/>
-                      </a:prstGeom>
-                      <a:noFill/>
-                      <a:extLst>
-                        <a:ext uri="{909E8E84-426E-40dd-AFC4-6F175D3DCCD1}">
-                          <a14:hiddenFill xmlns:a14="http://schemas.microsoft.com/office/drawing/2010/main">
-                            <a:solidFill>
-                              <a:srgbClr val="FFFFFF"/>
-                            </a:solidFill>
-                          </a14:hiddenFill>
-                        </a:ext>
-                      </a:extLst>
-                    </p:spPr>
-                  </p:pic>
-                </p:oleObj>
-              </mc:Fallback>
-            </mc:AlternateContent>
-          </a:graphicData>
-        </a:graphic>
-      </p:graphicFrame>
-      <p:sp>
-        <p:nvSpPr>
-          <p:cNvPr id="7" name="Rectangle 11"/>
-          <p:cNvSpPr txBox="1">
-            <a:spLocks noChangeArrowheads="1"/>
-          </p:cNvSpPr>
-          <p:nvPr/>
-        </p:nvSpPr>
-        <p:spPr bwMode="auto">
-          <a:xfrm>
-            <a:off x="6400800" y="6613525"/>
-            <a:ext cx="2667000" cy="244475"/>
-          </a:xfrm>
-          <a:prstGeom prst="rect">
-            <a:avLst/>
-          </a:prstGeom>
-          <a:noFill/>
-          <a:ln w="9525">
-            <a:noFill/>
-            <a:miter lim="800000"/>
-            <a:headEnd/>
-            <a:tailEnd/>
-          </a:ln>
-          <a:effectLst/>
-        </p:spPr>
-        <p:txBody>
-          <a:bodyPr vert="horz" wrap="square" lIns="91440" tIns="45720" rIns="91440" bIns="45720" numCol="1" anchor="t" anchorCtr="0" compatLnSpc="1">
-            <a:prstTxWarp prst="textNoShape">
-              <a:avLst/>
-            </a:prstTxWarp>
-            <a:spAutoFit/>
-          </a:bodyPr>
-          <a:lstStyle>
-            <a:lvl1pPr algn="r">
-              <a:defRPr sz="1000"/>
-            </a:lvl1pPr>
-          </a:lstStyle>
-          <a:p>
-            <a:pPr marL="0" marR="0" lvl="0" indent="0" algn="r" defTabSz="914400" rtl="0" eaLnBrk="1" fontAlgn="base" latinLnBrk="0" hangingPunct="1">
-              <a:lnSpc>
-                <a:spcPct val="100000"/>
-              </a:lnSpc>
-              <a:spcBef>
-                <a:spcPct val="0"/>
-              </a:spcBef>
-              <a:spcAft>
-                <a:spcPct val="0"/>
-              </a:spcAft>
-              <a:buClrTx/>
-              <a:buSzTx/>
-              <a:buFontTx/>
-              <a:buNone/>
-              <a:tabLst/>
-              <a:defRPr/>
-            </a:pPr>
-            <a:r>
-              <a:rPr kumimoji="0" lang="en-US" sz="1000" b="0" i="0" u="none" strike="noStrike" kern="1200" cap="none" spc="0" normalizeH="0" baseline="0" noProof="0" dirty="0" err="1" smtClean="0">
-                <a:ln>
-                  <a:noFill/>
-                </a:ln>
-                <a:solidFill>
-                  <a:schemeClr val="tx1"/>
-                </a:solidFill>
-                <a:effectLst/>
-                <a:uLnTx/>
-                <a:uFillTx/>
-                <a:latin typeface="Comic Sans MS" pitchFamily="66" charset="0"/>
-                <a:ea typeface="+mn-ea"/>
-                <a:cs typeface="+mn-cs"/>
-              </a:rPr>
-              <a:t>lec</a:t>
-            </a:r>
-            <a:r>
-              <a:rPr kumimoji="0" lang="en-US" sz="1000" b="0" i="0" u="none" strike="noStrike" kern="1200" cap="none" spc="0" normalizeH="0" baseline="0" noProof="0" dirty="0" smtClean="0">
-                <a:ln>
-                  <a:noFill/>
-                </a:ln>
-                <a:solidFill>
-                  <a:schemeClr val="tx1"/>
-                </a:solidFill>
-                <a:effectLst/>
-                <a:uLnTx/>
-                <a:uFillTx/>
-                <a:latin typeface="Comic Sans MS" pitchFamily="66" charset="0"/>
-                <a:ea typeface="+mn-ea"/>
-                <a:cs typeface="+mn-cs"/>
-              </a:rPr>
-              <a:t> 13W.</a:t>
-            </a:r>
-            <a:fld id="{17233D2A-0857-4415-88C1-423492E69A26}" type="slidenum">
-              <a:rPr kumimoji="0" lang="en-US" sz="1000" b="0" i="0" u="none" strike="noStrike" kern="1200" cap="none" spc="0" normalizeH="0" baseline="0" noProof="0" smtClean="0">
-                <a:ln>
-                  <a:noFill/>
-                </a:ln>
-                <a:solidFill>
-                  <a:schemeClr val="tx1"/>
-                </a:solidFill>
-                <a:effectLst/>
-                <a:uLnTx/>
-                <a:uFillTx/>
-                <a:latin typeface="Comic Sans MS" pitchFamily="66" charset="0"/>
-                <a:ea typeface="+mn-ea"/>
-                <a:cs typeface="+mn-cs"/>
-              </a:rPr>
-              <a:pPr marL="0" marR="0" lvl="0" indent="0" algn="r" defTabSz="914400" rtl="0" eaLnBrk="1" fontAlgn="base" latinLnBrk="0" hangingPunct="1">
-                <a:lnSpc>
-                  <a:spcPct val="100000"/>
-                </a:lnSpc>
-                <a:spcBef>
-                  <a:spcPct val="0"/>
-                </a:spcBef>
-                <a:spcAft>
-                  <a:spcPct val="0"/>
-                </a:spcAft>
-                <a:buClrTx/>
-                <a:buSzTx/>
-                <a:buFontTx/>
-                <a:buNone/>
-                <a:tabLst/>
-                <a:defRPr/>
-              </a:pPr>
-              <a:t>25</a:t>
-            </a:fld>
-            <a:endParaRPr kumimoji="0" lang="en-US" sz="1000" b="0" i="0" u="none" strike="noStrike" kern="1200" cap="none" spc="0" normalizeH="0" baseline="0" noProof="0" dirty="0">
-              <a:ln>
-                <a:noFill/>
-              </a:ln>
-              <a:solidFill>
-                <a:schemeClr val="tx1"/>
-              </a:solidFill>
-              <a:effectLst/>
-              <a:uLnTx/>
-              <a:uFillTx/>
-              <a:latin typeface="Comic Sans MS" pitchFamily="66" charset="0"/>
-              <a:ea typeface="+mn-ea"/>
-              <a:cs typeface="+mn-cs"/>
-            </a:endParaRPr>
-          </a:p>
-        </p:txBody>
-      </p:sp>
-    </p:spTree>
-  </p:cSld>
-  <p:clrMapOvr>
-    <a:masterClrMapping/>
-  </p:clrMapOvr>
-  <p:timing>
-    <p:tnLst>
-      <p:par>
-        <p:cTn xmlns:p14="http://schemas.microsoft.com/office/powerpoint/2010/main" id="1" dur="indefinite" restart="never" nodeType="tmRoot">
-          <p:childTnLst>
-            <p:seq concurrent="1" nextAc="seek">
-              <p:cTn id="2" dur="indefinite" nodeType="mainSeq">
-                <p:childTnLst>
-                  <p:par>
-                    <p:cTn id="3" fill="hold">
-                      <p:stCondLst>
-                        <p:cond delay="indefinite"/>
-                      </p:stCondLst>
-                      <p:childTnLst>
-                        <p:par>
-                          <p:cTn id="4" fill="hold">
-                            <p:stCondLst>
-                              <p:cond delay="0"/>
-                            </p:stCondLst>
-                            <p:childTnLst>
-                              <p:par>
-                                <p:cTn id="5" presetID="9" presetClass="entr" presetSubtype="0" fill="hold" nodeType="clickEffect">
-                                  <p:stCondLst>
-                                    <p:cond delay="0"/>
-                                  </p:stCondLst>
-                                  <p:childTnLst>
-                                    <p:set>
-                                      <p:cBhvr>
-                                        <p:cTn id="6" dur="1" fill="hold">
-                                          <p:stCondLst>
-                                            <p:cond delay="0"/>
-                                          </p:stCondLst>
-                                        </p:cTn>
-                                        <p:tgtEl>
-                                          <p:spTgt spid="6"/>
-                                        </p:tgtEl>
-                                        <p:attrNameLst>
-                                          <p:attrName>style.visibility</p:attrName>
-                                        </p:attrNameLst>
-                                      </p:cBhvr>
-                                      <p:to>
-                                        <p:strVal val="visible"/>
-                                      </p:to>
-                                    </p:set>
-                                    <p:animEffect transition="in" filter="dissolve">
-                                      <p:cBhvr>
-                                        <p:cTn id="7" dur="500"/>
-                                        <p:tgtEl>
-                                          <p:spTgt spid="6"/>
-                                        </p:tgtEl>
-                                      </p:cBhvr>
-                                    </p:animEffect>
-                                  </p:childTnLst>
-                                </p:cTn>
-                              </p:par>
-                            </p:childTnLst>
-                          </p:cTn>
-                        </p:par>
-                        <p:par>
-                          <p:cTn id="8" fill="hold">
-                            <p:stCondLst>
-                              <p:cond delay="500"/>
-                            </p:stCondLst>
-                            <p:childTnLst>
-                              <p:par>
-                                <p:cTn id="9" presetID="31" presetClass="entr" presetSubtype="0" fill="hold" grpId="0" nodeType="afterEffect">
-                                  <p:stCondLst>
-                                    <p:cond delay="0"/>
-                                  </p:stCondLst>
-                                  <p:iterate type="lt">
-                                    <p:tmPct val="5000"/>
-                                  </p:iterate>
-                                  <p:childTnLst>
-                                    <p:set>
-                                      <p:cBhvr>
-                                        <p:cTn id="10" dur="1" fill="hold">
-                                          <p:stCondLst>
-                                            <p:cond delay="0"/>
-                                          </p:stCondLst>
-                                        </p:cTn>
-                                        <p:tgtEl>
-                                          <p:spTgt spid="25606"/>
-                                        </p:tgtEl>
-                                        <p:attrNameLst>
-                                          <p:attrName>style.visibility</p:attrName>
-                                        </p:attrNameLst>
-                                      </p:cBhvr>
-                                      <p:to>
-                                        <p:strVal val="visible"/>
-                                      </p:to>
-                                    </p:set>
-                                    <p:anim calcmode="lin" valueType="num">
-                                      <p:cBhvr>
-                                        <p:cTn id="11" dur="500" fill="hold"/>
-                                        <p:tgtEl>
-                                          <p:spTgt spid="25606"/>
-                                        </p:tgtEl>
-                                        <p:attrNameLst>
-                                          <p:attrName>ppt_w</p:attrName>
-                                        </p:attrNameLst>
-                                      </p:cBhvr>
-                                      <p:tavLst>
-                                        <p:tav tm="0">
-                                          <p:val>
-                                            <p:fltVal val="0"/>
-                                          </p:val>
-                                        </p:tav>
-                                        <p:tav tm="100000">
-                                          <p:val>
-                                            <p:strVal val="#ppt_w"/>
-                                          </p:val>
-                                        </p:tav>
-                                      </p:tavLst>
-                                    </p:anim>
-                                    <p:anim calcmode="lin" valueType="num">
-                                      <p:cBhvr>
-                                        <p:cTn id="12" dur="500" fill="hold"/>
-                                        <p:tgtEl>
-                                          <p:spTgt spid="25606"/>
-                                        </p:tgtEl>
-                                        <p:attrNameLst>
-                                          <p:attrName>ppt_h</p:attrName>
-                                        </p:attrNameLst>
-                                      </p:cBhvr>
-                                      <p:tavLst>
-                                        <p:tav tm="0">
-                                          <p:val>
-                                            <p:fltVal val="0"/>
-                                          </p:val>
-                                        </p:tav>
-                                        <p:tav tm="100000">
-                                          <p:val>
-                                            <p:strVal val="#ppt_h"/>
-                                          </p:val>
-                                        </p:tav>
-                                      </p:tavLst>
-                                    </p:anim>
-                                    <p:anim calcmode="lin" valueType="num">
-                                      <p:cBhvr>
-                                        <p:cTn id="13" dur="500" fill="hold"/>
-                                        <p:tgtEl>
-                                          <p:spTgt spid="25606"/>
-                                        </p:tgtEl>
-                                        <p:attrNameLst>
-                                          <p:attrName>style.rotation</p:attrName>
-                                        </p:attrNameLst>
-                                      </p:cBhvr>
-                                      <p:tavLst>
-                                        <p:tav tm="0">
-                                          <p:val>
-                                            <p:fltVal val="90"/>
-                                          </p:val>
-                                        </p:tav>
-                                        <p:tav tm="100000">
-                                          <p:val>
-                                            <p:fltVal val="0"/>
-                                          </p:val>
-                                        </p:tav>
-                                      </p:tavLst>
-                                    </p:anim>
-                                    <p:animEffect transition="in" filter="fade">
-                                      <p:cBhvr>
-                                        <p:cTn id="14" dur="500"/>
-                                        <p:tgtEl>
-                                          <p:spTgt spid="25606"/>
-                                        </p:tgtEl>
-                                      </p:cBhvr>
-                                    </p:animEffect>
-                                  </p:childTnLst>
-                                </p:cTn>
-                              </p:par>
-                            </p:childTnLst>
-                          </p:cTn>
-                        </p:par>
-                      </p:childTnLst>
-                    </p:cTn>
-                  </p:par>
-                </p:childTnLst>
-              </p:cTn>
-              <p:prevCondLst>
-                <p:cond evt="onPrev" delay="0">
-                  <p:tgtEl>
-                    <p:sldTgt/>
-                  </p:tgtEl>
-                </p:cond>
-              </p:prevCondLst>
-              <p:nextCondLst>
-                <p:cond evt="onNext" delay="0">
-                  <p:tgtEl>
-                    <p:sldTgt/>
-                  </p:tgtEl>
-                </p:cond>
-              </p:nextCondLst>
-            </p:seq>
-          </p:childTnLst>
-        </p:cTn>
-      </p:par>
-    </p:tnLst>
-    <p:bldLst>
-      <p:bldP spid="25606" grpId="0" animBg="1"/>
-    </p:bldLst>
-  </p:timing>
-</p:sld>
-</file>
-
-<file path=ppt/slides/slide26.xml><?xml version="1.0" encoding="utf-8"?>
-<p:sld xmlns:a="http://schemas.openxmlformats.org/drawingml/2006/main" xmlns:r="http://schemas.openxmlformats.org/officeDocument/2006/relationships" xmlns:p="http://schemas.openxmlformats.org/presentationml/2006/main">
-  <p:cSld>
-    <p:spTree>
-      <p:nvGrpSpPr>
-        <p:cNvPr id="1" name=""/>
-        <p:cNvGrpSpPr/>
-        <p:nvPr/>
-      </p:nvGrpSpPr>
-      <p:grpSpPr>
-        <a:xfrm>
-          <a:off x="0" y="0"/>
-          <a:ext cx="0" cy="0"/>
-          <a:chOff x="0" y="0"/>
-          <a:chExt cx="0" cy="0"/>
-        </a:xfrm>
-      </p:grpSpPr>
-      <p:sp>
-        <p:nvSpPr>
-          <p:cNvPr id="25602" name="Rectangle 2"/>
-          <p:cNvSpPr>
-            <a:spLocks noGrp="1" noChangeArrowheads="1"/>
-          </p:cNvSpPr>
-          <p:nvPr>
-            <p:ph type="title"/>
-          </p:nvPr>
-        </p:nvSpPr>
-        <p:spPr>
-          <a:noFill/>
-        </p:spPr>
-        <p:txBody>
-          <a:bodyPr/>
-          <a:lstStyle/>
-          <a:p>
-            <a:pPr eaLnBrk="1" hangingPunct="1"/>
-            <a:r>
-              <a:rPr lang="en-US" sz="4800" dirty="0" smtClean="0">
-                <a:solidFill>
-                  <a:schemeClr val="tx1"/>
-                </a:solidFill>
-                <a:latin typeface="Comic Sans MS" pitchFamily="-128" charset="0"/>
-              </a:rPr>
-              <a:t>Difference Rule</a:t>
-            </a:r>
-          </a:p>
-        </p:txBody>
-      </p:sp>
-      <p:sp>
-        <p:nvSpPr>
-          <p:cNvPr id="25603" name="Text Box 3"/>
-          <p:cNvSpPr txBox="1">
-            <a:spLocks noChangeArrowheads="1"/>
-          </p:cNvSpPr>
-          <p:nvPr/>
-        </p:nvSpPr>
-        <p:spPr bwMode="auto">
-          <a:xfrm>
-            <a:off x="1279525" y="2246313"/>
-            <a:ext cx="184150" cy="366712"/>
-          </a:xfrm>
-          <a:prstGeom prst="rect">
-            <a:avLst/>
-          </a:prstGeom>
-          <a:noFill/>
-          <a:ln w="9525">
-            <a:noFill/>
-            <a:miter lim="800000"/>
-            <a:headEnd/>
-            <a:tailEnd/>
-          </a:ln>
-        </p:spPr>
-        <p:txBody>
-          <a:bodyPr wrap="none">
-            <a:spAutoFit/>
-          </a:bodyPr>
-          <a:lstStyle/>
-          <a:p>
-            <a:endParaRPr lang="en-US" sz="1800">
-              <a:latin typeface="Arial" charset="0"/>
-            </a:endParaRPr>
-          </a:p>
-        </p:txBody>
-      </p:sp>
-      <p:sp>
-        <p:nvSpPr>
-          <p:cNvPr id="7" name="TextBox 6"/>
-          <p:cNvSpPr txBox="1"/>
-          <p:nvPr/>
-        </p:nvSpPr>
-        <p:spPr>
-          <a:xfrm>
-            <a:off x="743485" y="1524000"/>
-            <a:ext cx="8005918" cy="2308324"/>
-          </a:xfrm>
-          <a:prstGeom prst="rect">
-            <a:avLst/>
-          </a:prstGeom>
-          <a:noFill/>
-        </p:spPr>
-        <p:txBody>
-          <a:bodyPr wrap="none" rtlCol="0">
-            <a:spAutoFit/>
-          </a:bodyPr>
-          <a:lstStyle/>
-          <a:p>
-            <a:r>
-              <a:rPr lang="en-US" sz="7200" dirty="0" smtClean="0">
-                <a:solidFill>
-                  <a:srgbClr val="0000E5"/>
-                </a:solidFill>
-                <a:latin typeface="Comic Sans MS" pitchFamily="66" charset="0"/>
-              </a:rPr>
-              <a:t>Pr{A-B} =</a:t>
-            </a:r>
-          </a:p>
-          <a:p>
-            <a:r>
-              <a:rPr lang="en-US" sz="7200" dirty="0" smtClean="0">
-                <a:solidFill>
-                  <a:srgbClr val="0000E5"/>
-                </a:solidFill>
-                <a:latin typeface="Comic Sans MS" pitchFamily="66" charset="0"/>
-              </a:rPr>
-              <a:t>   Pr{A</a:t>
-            </a:r>
-            <a:r>
-              <a:rPr lang="en-US" sz="7200" dirty="0" smtClean="0">
-                <a:solidFill>
-                  <a:srgbClr val="0000E5"/>
-                </a:solidFill>
-                <a:latin typeface="Comic Sans MS" pitchFamily="66" charset="0"/>
-                <a:sym typeface="Euclid Symbol"/>
-              </a:rPr>
-              <a:t>} - </a:t>
-            </a:r>
-            <a:r>
-              <a:rPr lang="en-US" sz="7200" dirty="0" err="1" smtClean="0">
-                <a:solidFill>
-                  <a:srgbClr val="0000E5"/>
-                </a:solidFill>
-                <a:latin typeface="Comic Sans MS" pitchFamily="66" charset="0"/>
-                <a:sym typeface="Euclid Symbol"/>
-              </a:rPr>
-              <a:t>Pr{A</a:t>
-            </a:r>
-            <a:r>
-              <a:rPr lang="en-US" sz="7200" b="1" dirty="0" err="1" smtClean="0">
-                <a:solidFill>
-                  <a:srgbClr val="0000E5"/>
-                </a:solidFill>
-                <a:sym typeface="Euclid Symbol"/>
-              </a:rPr>
-              <a:t>∩</a:t>
-            </a:r>
-            <a:r>
-              <a:rPr lang="en-US" sz="7200" dirty="0" err="1" smtClean="0">
-                <a:solidFill>
-                  <a:srgbClr val="0000E5"/>
-                </a:solidFill>
-                <a:latin typeface="Comic Sans MS" pitchFamily="66" charset="0"/>
-                <a:sym typeface="Euclid Symbol"/>
-              </a:rPr>
-              <a:t>B</a:t>
-            </a:r>
-            <a:r>
-              <a:rPr lang="en-US" sz="7200" dirty="0" smtClean="0">
-                <a:solidFill>
-                  <a:srgbClr val="0000E5"/>
-                </a:solidFill>
-                <a:latin typeface="Comic Sans MS" pitchFamily="66" charset="0"/>
-                <a:sym typeface="Euclid Symbol"/>
-              </a:rPr>
-              <a:t>}</a:t>
-            </a:r>
-            <a:endParaRPr lang="en-US" sz="7200" dirty="0" smtClean="0">
-              <a:solidFill>
-                <a:srgbClr val="0000E5"/>
-              </a:solidFill>
-              <a:latin typeface="Comic Sans MS" pitchFamily="66" charset="0"/>
-            </a:endParaRPr>
-          </a:p>
-        </p:txBody>
-      </p:sp>
-      <p:sp>
-        <p:nvSpPr>
-          <p:cNvPr id="8" name="TextBox 7"/>
-          <p:cNvSpPr txBox="1"/>
-          <p:nvPr/>
-        </p:nvSpPr>
-        <p:spPr>
-          <a:xfrm>
-            <a:off x="609600" y="4114800"/>
-            <a:ext cx="8259292" cy="1908215"/>
-          </a:xfrm>
-          <a:prstGeom prst="rect">
-            <a:avLst/>
-          </a:prstGeom>
-          <a:noFill/>
-        </p:spPr>
-        <p:txBody>
-          <a:bodyPr wrap="none" rtlCol="0">
-            <a:spAutoFit/>
-          </a:bodyPr>
-          <a:lstStyle/>
-          <a:p>
-            <a:r>
-              <a:rPr lang="en-US" sz="5400" dirty="0" smtClean="0">
-                <a:latin typeface="Comic Sans MS" pitchFamily="66" charset="0"/>
-              </a:rPr>
-              <a:t>because by Sum Rule:</a:t>
-            </a:r>
-          </a:p>
-          <a:p>
-            <a:pPr>
-              <a:spcBef>
-                <a:spcPts val="1200"/>
-              </a:spcBef>
-            </a:pPr>
-            <a:r>
-              <a:rPr lang="en-US" sz="5400" dirty="0" smtClean="0">
-                <a:solidFill>
-                  <a:srgbClr val="0000E5"/>
-                </a:solidFill>
-                <a:latin typeface="Comic Sans MS" pitchFamily="66" charset="0"/>
-              </a:rPr>
-              <a:t>Pr{A} = </a:t>
-            </a:r>
-            <a:r>
-              <a:rPr lang="en-US" sz="5400" dirty="0" err="1" smtClean="0">
-                <a:solidFill>
-                  <a:srgbClr val="0000E5"/>
-                </a:solidFill>
-                <a:latin typeface="Comic Sans MS" pitchFamily="66" charset="0"/>
-              </a:rPr>
-              <a:t>Pr{A</a:t>
-            </a:r>
-            <a:r>
-              <a:rPr lang="en-US" sz="5400" b="1" dirty="0" err="1" smtClean="0">
-                <a:solidFill>
-                  <a:srgbClr val="0000E5"/>
-                </a:solidFill>
-                <a:sym typeface="Euclid Symbol"/>
-              </a:rPr>
-              <a:t>∩</a:t>
-            </a:r>
-            <a:r>
-              <a:rPr lang="en-US" sz="5400" dirty="0" err="1" smtClean="0">
-                <a:solidFill>
-                  <a:srgbClr val="0000E5"/>
-                </a:solidFill>
-                <a:latin typeface="Comic Sans MS" pitchFamily="66" charset="0"/>
-                <a:sym typeface="Euclid Symbol"/>
-              </a:rPr>
-              <a:t>B}+Pr{A</a:t>
-            </a:r>
-            <a:r>
-              <a:rPr lang="en-US" sz="5400" dirty="0" smtClean="0">
-                <a:solidFill>
-                  <a:srgbClr val="0000E5"/>
-                </a:solidFill>
-                <a:latin typeface="Comic Sans MS" pitchFamily="66" charset="0"/>
-                <a:sym typeface="Euclid Symbol"/>
-              </a:rPr>
-              <a:t>-B}</a:t>
-            </a:r>
-            <a:endParaRPr lang="en-US" sz="5400" dirty="0" smtClean="0">
-              <a:solidFill>
-                <a:srgbClr val="0000E5"/>
-              </a:solidFill>
-              <a:latin typeface="Comic Sans MS" pitchFamily="66" charset="0"/>
-            </a:endParaRPr>
-          </a:p>
-        </p:txBody>
-      </p:sp>
-      <p:sp>
-        <p:nvSpPr>
-          <p:cNvPr id="10" name="Rectangle 9"/>
-          <p:cNvSpPr/>
-          <p:nvPr/>
-        </p:nvSpPr>
-        <p:spPr>
-          <a:xfrm>
-            <a:off x="609600" y="1371600"/>
-            <a:ext cx="8077200" cy="2590800"/>
-          </a:xfrm>
-          <a:prstGeom prst="rect">
-            <a:avLst/>
-          </a:prstGeom>
-          <a:noFill/>
-          <a:ln w="34925">
-            <a:solidFill>
-              <a:srgbClr val="CC00CC"/>
-            </a:solidFill>
-          </a:ln>
-        </p:spPr>
-        <p:style>
-          <a:lnRef idx="2">
-            <a:schemeClr val="accent1">
-              <a:shade val="50000"/>
-            </a:schemeClr>
-          </a:lnRef>
-          <a:fillRef idx="1">
-            <a:schemeClr val="accent1"/>
-          </a:fillRef>
-          <a:effectRef idx="0">
-            <a:schemeClr val="accent1"/>
-          </a:effectRef>
-          <a:fontRef idx="minor">
-            <a:schemeClr val="lt1"/>
-          </a:fontRef>
-        </p:style>
-        <p:txBody>
-          <a:bodyPr rtlCol="0" anchor="ctr"/>
-          <a:lstStyle/>
-          <a:p>
-            <a:pPr algn="ctr"/>
-            <a:endParaRPr lang="en-US"/>
-          </a:p>
-        </p:txBody>
-      </p:sp>
-      <p:sp>
-        <p:nvSpPr>
-          <p:cNvPr id="9" name="Rectangle 11"/>
-          <p:cNvSpPr txBox="1">
-            <a:spLocks noChangeArrowheads="1"/>
-          </p:cNvSpPr>
-          <p:nvPr/>
-        </p:nvSpPr>
-        <p:spPr bwMode="auto">
-          <a:xfrm>
-            <a:off x="6400800" y="6613525"/>
-            <a:ext cx="2667000" cy="244475"/>
-          </a:xfrm>
-          <a:prstGeom prst="rect">
-            <a:avLst/>
-          </a:prstGeom>
-          <a:noFill/>
-          <a:ln w="9525">
-            <a:noFill/>
-            <a:miter lim="800000"/>
-            <a:headEnd/>
-            <a:tailEnd/>
-          </a:ln>
-          <a:effectLst/>
-        </p:spPr>
-        <p:txBody>
-          <a:bodyPr vert="horz" wrap="square" lIns="91440" tIns="45720" rIns="91440" bIns="45720" numCol="1" anchor="t" anchorCtr="0" compatLnSpc="1">
-            <a:prstTxWarp prst="textNoShape">
-              <a:avLst/>
-            </a:prstTxWarp>
-            <a:spAutoFit/>
-          </a:bodyPr>
-          <a:lstStyle>
-            <a:lvl1pPr algn="r">
-              <a:defRPr sz="1000"/>
-            </a:lvl1pPr>
-          </a:lstStyle>
-          <a:p>
-            <a:pPr marL="0" marR="0" lvl="0" indent="0" algn="r" defTabSz="914400" rtl="0" eaLnBrk="1" fontAlgn="base" latinLnBrk="0" hangingPunct="1">
-              <a:lnSpc>
-                <a:spcPct val="100000"/>
-              </a:lnSpc>
-              <a:spcBef>
-                <a:spcPct val="0"/>
-              </a:spcBef>
-              <a:spcAft>
-                <a:spcPct val="0"/>
-              </a:spcAft>
-              <a:buClrTx/>
-              <a:buSzTx/>
-              <a:buFontTx/>
-              <a:buNone/>
-              <a:tabLst/>
-              <a:defRPr/>
-            </a:pPr>
-            <a:r>
-              <a:rPr kumimoji="0" lang="en-US" sz="1000" b="0" i="0" u="none" strike="noStrike" kern="1200" cap="none" spc="0" normalizeH="0" baseline="0" noProof="0" dirty="0" err="1" smtClean="0">
-                <a:ln>
-                  <a:noFill/>
-                </a:ln>
-                <a:solidFill>
-                  <a:schemeClr val="tx1"/>
-                </a:solidFill>
-                <a:effectLst/>
-                <a:uLnTx/>
-                <a:uFillTx/>
-                <a:latin typeface="Comic Sans MS" pitchFamily="66" charset="0"/>
-                <a:ea typeface="+mn-ea"/>
-                <a:cs typeface="+mn-cs"/>
-              </a:rPr>
-              <a:t>lec</a:t>
-            </a:r>
-            <a:r>
-              <a:rPr kumimoji="0" lang="en-US" sz="1000" b="0" i="0" u="none" strike="noStrike" kern="1200" cap="none" spc="0" normalizeH="0" baseline="0" noProof="0" dirty="0" smtClean="0">
-                <a:ln>
-                  <a:noFill/>
-                </a:ln>
-                <a:solidFill>
-                  <a:schemeClr val="tx1"/>
-                </a:solidFill>
-                <a:effectLst/>
-                <a:uLnTx/>
-                <a:uFillTx/>
-                <a:latin typeface="Comic Sans MS" pitchFamily="66" charset="0"/>
-                <a:ea typeface="+mn-ea"/>
-                <a:cs typeface="+mn-cs"/>
-              </a:rPr>
-              <a:t> 13W.</a:t>
-            </a:r>
-            <a:fld id="{17233D2A-0857-4415-88C1-423492E69A26}" type="slidenum">
-              <a:rPr kumimoji="0" lang="en-US" sz="1000" b="0" i="0" u="none" strike="noStrike" kern="1200" cap="none" spc="0" normalizeH="0" baseline="0" noProof="0" smtClean="0">
-                <a:ln>
-                  <a:noFill/>
-                </a:ln>
-                <a:solidFill>
-                  <a:schemeClr val="tx1"/>
-                </a:solidFill>
-                <a:effectLst/>
-                <a:uLnTx/>
-                <a:uFillTx/>
-                <a:latin typeface="Comic Sans MS" pitchFamily="66" charset="0"/>
-                <a:ea typeface="+mn-ea"/>
-                <a:cs typeface="+mn-cs"/>
-              </a:rPr>
-              <a:pPr marL="0" marR="0" lvl="0" indent="0" algn="r" defTabSz="914400" rtl="0" eaLnBrk="1" fontAlgn="base" latinLnBrk="0" hangingPunct="1">
-                <a:lnSpc>
-                  <a:spcPct val="100000"/>
-                </a:lnSpc>
-                <a:spcBef>
-                  <a:spcPct val="0"/>
-                </a:spcBef>
-                <a:spcAft>
-                  <a:spcPct val="0"/>
-                </a:spcAft>
-                <a:buClrTx/>
-                <a:buSzTx/>
-                <a:buFontTx/>
-                <a:buNone/>
-                <a:tabLst/>
-                <a:defRPr/>
-              </a:pPr>
-              <a:t>26</a:t>
-            </a:fld>
-            <a:endParaRPr kumimoji="0" lang="en-US" sz="1000" b="0" i="0" u="none" strike="noStrike" kern="1200" cap="none" spc="0" normalizeH="0" baseline="0" noProof="0" dirty="0">
-              <a:ln>
-                <a:noFill/>
-              </a:ln>
-              <a:solidFill>
-                <a:schemeClr val="tx1"/>
-              </a:solidFill>
-              <a:effectLst/>
-              <a:uLnTx/>
-              <a:uFillTx/>
-              <a:latin typeface="Comic Sans MS" pitchFamily="66" charset="0"/>
-              <a:ea typeface="+mn-ea"/>
-              <a:cs typeface="+mn-cs"/>
-            </a:endParaRPr>
-          </a:p>
-        </p:txBody>
-      </p:sp>
-    </p:spTree>
-  </p:cSld>
-  <p:clrMapOvr>
-    <a:masterClrMapping/>
-  </p:clrMapOvr>
-  <p:transition xmlns:p14="http://schemas.microsoft.com/office/powerpoint/2010/main"/>
-  <p:timing>
-    <p:tnLst>
-      <p:par>
-        <p:cTn xmlns:p14="http://schemas.microsoft.com/office/powerpoint/2010/main" id="1" dur="indefinite" restart="never" nodeType="tmRoot">
-          <p:childTnLst>
-            <p:seq concurrent="1" nextAc="seek">
-              <p:cTn id="2" dur="indefinite" nodeType="mainSeq">
-                <p:childTnLst>
-                  <p:par>
-                    <p:cTn id="3" fill="hold">
-                      <p:stCondLst>
-                        <p:cond delay="indefinite"/>
-                      </p:stCondLst>
-                      <p:childTnLst>
-                        <p:par>
-                          <p:cTn id="4" fill="hold">
-                            <p:stCondLst>
-                              <p:cond delay="0"/>
-                            </p:stCondLst>
-                            <p:childTnLst>
-                              <p:par>
-                                <p:cTn id="5" presetID="1" presetClass="entr" presetSubtype="0" fill="hold" grpId="0" nodeType="clickEffect">
-                                  <p:stCondLst>
-                                    <p:cond delay="0"/>
-                                  </p:stCondLst>
-                                  <p:childTnLst>
-                                    <p:set>
-                                      <p:cBhvr>
-                                        <p:cTn id="6" dur="1" fill="hold">
-                                          <p:stCondLst>
-                                            <p:cond delay="0"/>
-                                          </p:stCondLst>
-                                        </p:cTn>
-                                        <p:tgtEl>
-                                          <p:spTgt spid="8"/>
-                                        </p:tgtEl>
-                                        <p:attrNameLst>
-                                          <p:attrName>style.visibility</p:attrName>
-                                        </p:attrNameLst>
-                                      </p:cBhvr>
-                                      <p:to>
-                                        <p:strVal val="visible"/>
-                                      </p:to>
-                                    </p:set>
-                                  </p:childTnLst>
-                                </p:cTn>
-                              </p:par>
-                            </p:childTnLst>
-                          </p:cTn>
-                        </p:par>
-                      </p:childTnLst>
-                    </p:cTn>
-                  </p:par>
-                  <p:par>
-                    <p:cTn id="7" fill="hold">
-                      <p:stCondLst>
-                        <p:cond delay="indefinite"/>
-                      </p:stCondLst>
-                      <p:childTnLst>
-                        <p:par>
-                          <p:cTn id="8" fill="hold">
-                            <p:stCondLst>
-                              <p:cond delay="0"/>
-                            </p:stCondLst>
-                            <p:childTnLst>
-                              <p:par>
-                                <p:cTn id="9" presetID="15" presetClass="entr" presetSubtype="0" fill="hold" grpId="0" nodeType="clickEffect">
-                                  <p:stCondLst>
-                                    <p:cond delay="0"/>
-                                  </p:stCondLst>
-                                  <p:childTnLst>
-                                    <p:set>
-                                      <p:cBhvr>
-                                        <p:cTn id="10" dur="1" fill="hold">
-                                          <p:stCondLst>
-                                            <p:cond delay="0"/>
-                                          </p:stCondLst>
-                                        </p:cTn>
-                                        <p:tgtEl>
-                                          <p:spTgt spid="10"/>
-                                        </p:tgtEl>
-                                        <p:attrNameLst>
-                                          <p:attrName>style.visibility</p:attrName>
-                                        </p:attrNameLst>
-                                      </p:cBhvr>
-                                      <p:to>
-                                        <p:strVal val="visible"/>
-                                      </p:to>
-                                    </p:set>
-                                    <p:anim calcmode="lin" valueType="num">
-                                      <p:cBhvr>
-                                        <p:cTn id="11" dur="1000" fill="hold"/>
-                                        <p:tgtEl>
-                                          <p:spTgt spid="10"/>
-                                        </p:tgtEl>
-                                        <p:attrNameLst>
-                                          <p:attrName>ppt_w</p:attrName>
-                                        </p:attrNameLst>
-                                      </p:cBhvr>
-                                      <p:tavLst>
-                                        <p:tav tm="0">
-                                          <p:val>
-                                            <p:fltVal val="0"/>
-                                          </p:val>
-                                        </p:tav>
-                                        <p:tav tm="100000">
-                                          <p:val>
-                                            <p:strVal val="#ppt_w"/>
-                                          </p:val>
-                                        </p:tav>
-                                      </p:tavLst>
-                                    </p:anim>
-                                    <p:anim calcmode="lin" valueType="num">
-                                      <p:cBhvr>
-                                        <p:cTn id="12" dur="1000" fill="hold"/>
-                                        <p:tgtEl>
-                                          <p:spTgt spid="10"/>
-                                        </p:tgtEl>
-                                        <p:attrNameLst>
-                                          <p:attrName>ppt_h</p:attrName>
-                                        </p:attrNameLst>
-                                      </p:cBhvr>
-                                      <p:tavLst>
-                                        <p:tav tm="0">
-                                          <p:val>
-                                            <p:fltVal val="0"/>
-                                          </p:val>
-                                        </p:tav>
-                                        <p:tav tm="100000">
-                                          <p:val>
-                                            <p:strVal val="#ppt_h"/>
-                                          </p:val>
-                                        </p:tav>
-                                      </p:tavLst>
-                                    </p:anim>
-                                    <p:anim calcmode="lin" valueType="num">
-                                      <p:cBhvr>
-                                        <p:cTn id="13" dur="1000" fill="hold"/>
-                                        <p:tgtEl>
-                                          <p:spTgt spid="10"/>
-                                        </p:tgtEl>
-                                        <p:attrNameLst>
-                                          <p:attrName>ppt_x</p:attrName>
-                                        </p:attrNameLst>
-                                      </p:cBhvr>
-                                      <p:tavLst>
-                                        <p:tav tm="0" fmla="#ppt_x+(cos(-2*pi*(1-$))*-#ppt_x-sin(-2*pi*(1-$))*(1-#ppt_y))*(1-$)">
-                                          <p:val>
-                                            <p:fltVal val="0"/>
-                                          </p:val>
-                                        </p:tav>
-                                        <p:tav tm="100000">
-                                          <p:val>
-                                            <p:fltVal val="1"/>
-                                          </p:val>
-                                        </p:tav>
-                                      </p:tavLst>
-                                    </p:anim>
-                                    <p:anim calcmode="lin" valueType="num">
-                                      <p:cBhvr>
-                                        <p:cTn id="14" dur="1000" fill="hold"/>
-                                        <p:tgtEl>
-                                          <p:spTgt spid="10"/>
-                                        </p:tgtEl>
-                                        <p:attrNameLst>
-                                          <p:attrName>ppt_y</p:attrName>
-                                        </p:attrNameLst>
-                                      </p:cBhvr>
-                                      <p:tavLst>
-                                        <p:tav tm="0" fmla="#ppt_y+(sin(-2*pi*(1-$))*-#ppt_x+cos(-2*pi*(1-$))*(1-#ppt_y))*(1-$)">
-                                          <p:val>
-                                            <p:fltVal val="0"/>
-                                          </p:val>
-                                        </p:tav>
-                                        <p:tav tm="100000">
-                                          <p:val>
-                                            <p:fltVal val="1"/>
-                                          </p:val>
-                                        </p:tav>
-                                      </p:tavLst>
-                                    </p:anim>
-                                  </p:childTnLst>
-                                </p:cTn>
-                              </p:par>
-                            </p:childTnLst>
-                          </p:cTn>
-                        </p:par>
-                      </p:childTnLst>
-                    </p:cTn>
-                  </p:par>
-                </p:childTnLst>
-              </p:cTn>
-              <p:prevCondLst>
-                <p:cond evt="onPrev" delay="0">
-                  <p:tgtEl>
-                    <p:sldTgt/>
-                  </p:tgtEl>
-                </p:cond>
-              </p:prevCondLst>
-              <p:nextCondLst>
-                <p:cond evt="onNext" delay="0">
-                  <p:tgtEl>
-                    <p:sldTgt/>
-                  </p:tgtEl>
-                </p:cond>
-              </p:nextCondLst>
-            </p:seq>
-          </p:childTnLst>
-        </p:cTn>
-      </p:par>
-    </p:tnLst>
-    <p:bldLst>
-      <p:bldP spid="8" grpId="0"/>
-      <p:bldP spid="10" grpId="0" animBg="1"/>
-    </p:bldLst>
-  </p:timing>
-</p:sld>
-</file>
-
-<file path=ppt/slides/slide27.xml><?xml version="1.0" encoding="utf-8"?>
-<p:sld xmlns:a="http://schemas.openxmlformats.org/drawingml/2006/main" xmlns:r="http://schemas.openxmlformats.org/officeDocument/2006/relationships" xmlns:p="http://schemas.openxmlformats.org/presentationml/2006/main">
-  <p:cSld>
-    <p:spTree>
-      <p:nvGrpSpPr>
-        <p:cNvPr id="1" name=""/>
-        <p:cNvGrpSpPr/>
-        <p:nvPr/>
-      </p:nvGrpSpPr>
-      <p:grpSpPr>
-        <a:xfrm>
-          <a:off x="0" y="0"/>
-          <a:ext cx="0" cy="0"/>
-          <a:chOff x="0" y="0"/>
-          <a:chExt cx="0" cy="0"/>
-        </a:xfrm>
-      </p:grpSpPr>
-      <p:sp>
-        <p:nvSpPr>
-          <p:cNvPr id="27650" name="Rectangle 2"/>
-          <p:cNvSpPr>
-            <a:spLocks noGrp="1" noChangeArrowheads="1"/>
-          </p:cNvSpPr>
-          <p:nvPr>
-            <p:ph type="title"/>
-          </p:nvPr>
-        </p:nvSpPr>
-        <p:spPr>
-          <a:noFill/>
-        </p:spPr>
-        <p:txBody>
-          <a:bodyPr/>
-          <a:lstStyle/>
-          <a:p>
-            <a:pPr eaLnBrk="1" hangingPunct="1"/>
-            <a:r>
-              <a:rPr lang="en-US" sz="4400" dirty="0" smtClean="0">
-                <a:solidFill>
-                  <a:schemeClr val="tx1"/>
-                </a:solidFill>
-                <a:latin typeface="Comic Sans MS" pitchFamily="-128" charset="0"/>
-              </a:rPr>
-              <a:t>Inclusion-Exclusion</a:t>
-            </a:r>
-          </a:p>
-        </p:txBody>
-      </p:sp>
-      <p:pic>
-        <p:nvPicPr>
-          <p:cNvPr id="27651" name="Picture 3" descr="TP_tmp"/>
-          <p:cNvPicPr>
-            <a:picLocks noChangeAspect="1" noChangeArrowheads="1"/>
-          </p:cNvPicPr>
-          <p:nvPr>
-            <p:custDataLst>
-              <p:tags r:id="rId1"/>
-            </p:custDataLst>
-          </p:nvPr>
-        </p:nvPicPr>
-        <p:blipFill>
-          <a:blip r:embed="rId5">
-            <a:clrChange>
-              <a:clrFrom>
-                <a:srgbClr val="FFFFFF"/>
-              </a:clrFrom>
-              <a:clrTo>
-                <a:srgbClr val="FFFFFF">
-                  <a:alpha val="0"/>
-                </a:srgbClr>
-              </a:clrTo>
-            </a:clrChange>
-          </a:blip>
-          <a:srcRect/>
-          <a:stretch>
-            <a:fillRect/>
-          </a:stretch>
-        </p:blipFill>
-        <p:spPr bwMode="auto">
-          <a:xfrm>
-            <a:off x="5080000" y="3810000"/>
-            <a:ext cx="1588" cy="1588"/>
-          </a:xfrm>
-          <a:prstGeom prst="rect">
-            <a:avLst/>
-          </a:prstGeom>
-          <a:noFill/>
-          <a:ln w="9525">
-            <a:noFill/>
-            <a:miter lim="800000"/>
-            <a:headEnd/>
-            <a:tailEnd/>
-          </a:ln>
-        </p:spPr>
-      </p:pic>
-      <p:pic>
-        <p:nvPicPr>
-          <p:cNvPr id="27652" name="Picture 4" descr="TP_tmp"/>
-          <p:cNvPicPr>
-            <a:picLocks noChangeAspect="1" noChangeArrowheads="1"/>
-          </p:cNvPicPr>
-          <p:nvPr>
-            <p:custDataLst>
-              <p:tags r:id="rId2"/>
-            </p:custDataLst>
-          </p:nvPr>
-        </p:nvPicPr>
-        <p:blipFill>
-          <a:blip r:embed="rId6">
-            <a:clrChange>
-              <a:clrFrom>
-                <a:srgbClr val="FFFFFF"/>
-              </a:clrFrom>
-              <a:clrTo>
-                <a:srgbClr val="FFFFFF">
-                  <a:alpha val="0"/>
-                </a:srgbClr>
-              </a:clrTo>
-            </a:clrChange>
-          </a:blip>
-          <a:srcRect/>
-          <a:stretch>
-            <a:fillRect/>
-          </a:stretch>
-        </p:blipFill>
-        <p:spPr bwMode="auto">
-          <a:xfrm>
-            <a:off x="5080000" y="3810000"/>
-            <a:ext cx="1588" cy="1588"/>
-          </a:xfrm>
-          <a:prstGeom prst="rect">
-            <a:avLst/>
-          </a:prstGeom>
-          <a:noFill/>
-          <a:ln w="9525">
-            <a:noFill/>
-            <a:miter lim="800000"/>
-            <a:headEnd/>
-            <a:tailEnd/>
-          </a:ln>
-        </p:spPr>
-      </p:pic>
-      <p:sp>
-        <p:nvSpPr>
-          <p:cNvPr id="27653" name="Rectangle 7"/>
-          <p:cNvSpPr>
-            <a:spLocks noChangeArrowheads="1"/>
-          </p:cNvSpPr>
-          <p:nvPr/>
-        </p:nvSpPr>
-        <p:spPr bwMode="auto">
-          <a:xfrm>
-            <a:off x="609600" y="1143000"/>
-            <a:ext cx="7826181" cy="4524315"/>
-          </a:xfrm>
-          <a:prstGeom prst="rect">
-            <a:avLst/>
-          </a:prstGeom>
-          <a:noFill/>
-          <a:ln w="9525">
-            <a:noFill/>
-            <a:miter lim="800000"/>
-            <a:headEnd/>
-            <a:tailEnd/>
-          </a:ln>
-        </p:spPr>
-        <p:txBody>
-          <a:bodyPr wrap="none">
-            <a:spAutoFit/>
-          </a:bodyPr>
-          <a:lstStyle/>
-          <a:p>
-            <a:r>
-              <a:rPr lang="en-US" sz="9600" dirty="0" err="1" smtClean="0">
-                <a:solidFill>
-                  <a:srgbClr val="0000E5"/>
-                </a:solidFill>
-                <a:latin typeface="Comic Sans MS" pitchFamily="-128" charset="0"/>
-              </a:rPr>
-              <a:t>Pr{A</a:t>
-            </a:r>
-            <a:r>
-              <a:rPr lang="en-US" sz="9600" b="1" dirty="0" err="1" smtClean="0">
-                <a:solidFill>
-                  <a:srgbClr val="0000E5"/>
-                </a:solidFill>
-                <a:latin typeface="Comic Sans MS" pitchFamily="-128" charset="0"/>
-                <a:sym typeface="Symbol"/>
-              </a:rPr>
-              <a:t>∪</a:t>
-            </a:r>
-            <a:r>
-              <a:rPr lang="en-US" sz="9600" dirty="0" err="1" smtClean="0">
-                <a:solidFill>
-                  <a:srgbClr val="0000E5"/>
-                </a:solidFill>
-                <a:latin typeface="Comic Sans MS" pitchFamily="-128" charset="0"/>
-              </a:rPr>
-              <a:t>B</a:t>
-            </a:r>
-            <a:r>
-              <a:rPr lang="en-US" sz="9600" dirty="0" smtClean="0">
-                <a:solidFill>
-                  <a:srgbClr val="0000E5"/>
-                </a:solidFill>
-                <a:latin typeface="Comic Sans MS" pitchFamily="-128" charset="0"/>
-              </a:rPr>
-              <a:t>} =</a:t>
-            </a:r>
-          </a:p>
-          <a:p>
-            <a:r>
-              <a:rPr lang="en-US" sz="9600" dirty="0" smtClean="0">
-                <a:solidFill>
-                  <a:srgbClr val="0000E5"/>
-                </a:solidFill>
-                <a:latin typeface="Comic Sans MS" pitchFamily="-128" charset="0"/>
-              </a:rPr>
-              <a:t> Pr{A} + Pr{B}</a:t>
-            </a:r>
-          </a:p>
-          <a:p>
-            <a:r>
-              <a:rPr lang="en-US" sz="9600" dirty="0">
-                <a:solidFill>
-                  <a:srgbClr val="0000E5"/>
-                </a:solidFill>
-                <a:latin typeface="Comic Sans MS" pitchFamily="-128" charset="0"/>
-              </a:rPr>
-              <a:t> </a:t>
-            </a:r>
-            <a:r>
-              <a:rPr lang="en-US" sz="9600" dirty="0" smtClean="0">
-                <a:solidFill>
-                  <a:srgbClr val="0000E5"/>
-                </a:solidFill>
-                <a:latin typeface="Comic Sans MS" pitchFamily="-128" charset="0"/>
-              </a:rPr>
-              <a:t>  -</a:t>
-            </a:r>
-            <a:r>
-              <a:rPr lang="en-US" sz="9600" dirty="0" err="1" smtClean="0">
-                <a:solidFill>
-                  <a:srgbClr val="0000E5"/>
-                </a:solidFill>
-                <a:latin typeface="Comic Sans MS" pitchFamily="-128" charset="0"/>
-              </a:rPr>
-              <a:t>Pr{A</a:t>
-            </a:r>
-            <a:r>
-              <a:rPr lang="en-US" sz="9600" dirty="0" err="1" smtClean="0">
-                <a:solidFill>
-                  <a:srgbClr val="0000E5"/>
-                </a:solidFill>
-                <a:latin typeface="Comic Sans MS" pitchFamily="-128" charset="0"/>
-                <a:sym typeface="Symbol" pitchFamily="18" charset="2"/>
-              </a:rPr>
-              <a:t>∩</a:t>
-            </a:r>
-            <a:r>
-              <a:rPr lang="en-US" sz="9600" dirty="0" err="1" smtClean="0">
-                <a:solidFill>
-                  <a:srgbClr val="0000E5"/>
-                </a:solidFill>
-                <a:latin typeface="Comic Sans MS" pitchFamily="-128" charset="0"/>
-              </a:rPr>
-              <a:t>B</a:t>
-            </a:r>
-            <a:r>
-              <a:rPr lang="en-US" sz="9600" dirty="0" smtClean="0">
-                <a:solidFill>
-                  <a:srgbClr val="0000E5"/>
-                </a:solidFill>
-                <a:latin typeface="Comic Sans MS" pitchFamily="-128" charset="0"/>
-              </a:rPr>
-              <a:t>}</a:t>
-            </a:r>
-            <a:endParaRPr lang="en-US" sz="9600" dirty="0">
-              <a:solidFill>
-                <a:srgbClr val="0000E5"/>
-              </a:solidFill>
-              <a:latin typeface="Comic Sans MS" pitchFamily="-128" charset="0"/>
-            </a:endParaRPr>
-          </a:p>
-        </p:txBody>
-      </p:sp>
-      <p:sp>
-        <p:nvSpPr>
-          <p:cNvPr id="6" name="Rectangle 11"/>
-          <p:cNvSpPr txBox="1">
-            <a:spLocks noChangeArrowheads="1"/>
-          </p:cNvSpPr>
-          <p:nvPr/>
-        </p:nvSpPr>
-        <p:spPr bwMode="auto">
-          <a:xfrm>
-            <a:off x="6400800" y="6613525"/>
-            <a:ext cx="2667000" cy="244475"/>
-          </a:xfrm>
-          <a:prstGeom prst="rect">
-            <a:avLst/>
-          </a:prstGeom>
-          <a:noFill/>
-          <a:ln w="9525">
-            <a:noFill/>
-            <a:miter lim="800000"/>
-            <a:headEnd/>
-            <a:tailEnd/>
-          </a:ln>
-          <a:effectLst/>
-        </p:spPr>
-        <p:txBody>
-          <a:bodyPr vert="horz" wrap="square" lIns="91440" tIns="45720" rIns="91440" bIns="45720" numCol="1" anchor="t" anchorCtr="0" compatLnSpc="1">
-            <a:prstTxWarp prst="textNoShape">
-              <a:avLst/>
-            </a:prstTxWarp>
-            <a:spAutoFit/>
-          </a:bodyPr>
-          <a:lstStyle>
-            <a:lvl1pPr algn="r">
-              <a:defRPr sz="1000"/>
-            </a:lvl1pPr>
-          </a:lstStyle>
-          <a:p>
-            <a:pPr marL="0" marR="0" lvl="0" indent="0" algn="r" defTabSz="914400" rtl="0" eaLnBrk="1" fontAlgn="base" latinLnBrk="0" hangingPunct="1">
-              <a:lnSpc>
-                <a:spcPct val="100000"/>
-              </a:lnSpc>
-              <a:spcBef>
-                <a:spcPct val="0"/>
-              </a:spcBef>
-              <a:spcAft>
-                <a:spcPct val="0"/>
-              </a:spcAft>
-              <a:buClrTx/>
-              <a:buSzTx/>
-              <a:buFontTx/>
-              <a:buNone/>
-              <a:tabLst/>
-              <a:defRPr/>
-            </a:pPr>
-            <a:r>
-              <a:rPr kumimoji="0" lang="en-US" sz="1000" b="0" i="0" u="none" strike="noStrike" kern="1200" cap="none" spc="0" normalizeH="0" baseline="0" noProof="0" dirty="0" err="1" smtClean="0">
-                <a:ln>
-                  <a:noFill/>
-                </a:ln>
-                <a:solidFill>
-                  <a:schemeClr val="tx1"/>
-                </a:solidFill>
-                <a:effectLst/>
-                <a:uLnTx/>
-                <a:uFillTx/>
-                <a:latin typeface="Comic Sans MS" pitchFamily="66" charset="0"/>
-                <a:ea typeface="+mn-ea"/>
-                <a:cs typeface="+mn-cs"/>
-              </a:rPr>
-              <a:t>lec</a:t>
-            </a:r>
-            <a:r>
-              <a:rPr kumimoji="0" lang="en-US" sz="1000" b="0" i="0" u="none" strike="noStrike" kern="1200" cap="none" spc="0" normalizeH="0" baseline="0" noProof="0" dirty="0" smtClean="0">
-                <a:ln>
-                  <a:noFill/>
-                </a:ln>
-                <a:solidFill>
-                  <a:schemeClr val="tx1"/>
-                </a:solidFill>
-                <a:effectLst/>
-                <a:uLnTx/>
-                <a:uFillTx/>
-                <a:latin typeface="Comic Sans MS" pitchFamily="66" charset="0"/>
-                <a:ea typeface="+mn-ea"/>
-                <a:cs typeface="+mn-cs"/>
-              </a:rPr>
-              <a:t> 13W.</a:t>
-            </a:r>
-            <a:fld id="{17233D2A-0857-4415-88C1-423492E69A26}" type="slidenum">
-              <a:rPr kumimoji="0" lang="en-US" sz="1000" b="0" i="0" u="none" strike="noStrike" kern="1200" cap="none" spc="0" normalizeH="0" baseline="0" noProof="0" smtClean="0">
-                <a:ln>
-                  <a:noFill/>
-                </a:ln>
-                <a:solidFill>
-                  <a:schemeClr val="tx1"/>
-                </a:solidFill>
-                <a:effectLst/>
-                <a:uLnTx/>
-                <a:uFillTx/>
-                <a:latin typeface="Comic Sans MS" pitchFamily="66" charset="0"/>
-                <a:ea typeface="+mn-ea"/>
-                <a:cs typeface="+mn-cs"/>
-              </a:rPr>
-              <a:pPr marL="0" marR="0" lvl="0" indent="0" algn="r" defTabSz="914400" rtl="0" eaLnBrk="1" fontAlgn="base" latinLnBrk="0" hangingPunct="1">
-                <a:lnSpc>
-                  <a:spcPct val="100000"/>
-                </a:lnSpc>
-                <a:spcBef>
-                  <a:spcPct val="0"/>
-                </a:spcBef>
-                <a:spcAft>
-                  <a:spcPct val="0"/>
-                </a:spcAft>
-                <a:buClrTx/>
-                <a:buSzTx/>
-                <a:buFontTx/>
-                <a:buNone/>
-                <a:tabLst/>
-                <a:defRPr/>
-              </a:pPr>
-              <a:t>27</a:t>
-            </a:fld>
-            <a:endParaRPr kumimoji="0" lang="en-US" sz="1000" b="0" i="0" u="none" strike="noStrike" kern="1200" cap="none" spc="0" normalizeH="0" baseline="0" noProof="0" dirty="0">
-              <a:ln>
-                <a:noFill/>
-              </a:ln>
-              <a:solidFill>
-                <a:schemeClr val="tx1"/>
-              </a:solidFill>
-              <a:effectLst/>
-              <a:uLnTx/>
-              <a:uFillTx/>
-              <a:latin typeface="Comic Sans MS" pitchFamily="66" charset="0"/>
-              <a:ea typeface="+mn-ea"/>
-              <a:cs typeface="+mn-cs"/>
-            </a:endParaRPr>
-          </a:p>
-        </p:txBody>
-      </p:sp>
-    </p:spTree>
-  </p:cSld>
-  <p:clrMapOvr>
-    <a:masterClrMapping/>
-  </p:clrMapOvr>
-  <p:transition xmlns:p14="http://schemas.microsoft.com/office/powerpoint/2010/main"/>
-  <p:timing>
-    <p:tnLst>
-      <p:par>
-        <p:cTn xmlns:p14="http://schemas.microsoft.com/office/powerpoint/2010/main" id="1" dur="indefinite" restart="never" nodeType="tmRoot">
-          <p:childTnLst>
-            <p:seq concurrent="1" nextAc="seek">
-              <p:cTn id="2" dur="indefinite" nodeType="mainSeq">
-                <p:childTnLst>
-                  <p:par>
-                    <p:cTn id="3" fill="hold">
-                      <p:stCondLst>
-                        <p:cond delay="indefinite"/>
-                      </p:stCondLst>
-                      <p:childTnLst>
-                        <p:par>
-                          <p:cTn id="4" fill="hold">
-                            <p:stCondLst>
-                              <p:cond delay="0"/>
-                            </p:stCondLst>
-                            <p:childTnLst>
-                              <p:par>
-                                <p:cTn id="5" presetID="15" presetClass="entr" presetSubtype="0" fill="hold" nodeType="clickEffect">
-                                  <p:stCondLst>
-                                    <p:cond delay="0"/>
-                                  </p:stCondLst>
-                                  <p:childTnLst>
-                                    <p:set>
-                                      <p:cBhvr>
-                                        <p:cTn id="6" dur="1" fill="hold">
-                                          <p:stCondLst>
-                                            <p:cond delay="0"/>
-                                          </p:stCondLst>
-                                        </p:cTn>
-                                        <p:tgtEl>
-                                          <p:spTgt spid="27653">
-                                            <p:txEl>
-                                              <p:pRg st="2" end="2"/>
-                                            </p:txEl>
-                                          </p:spTgt>
-                                        </p:tgtEl>
-                                        <p:attrNameLst>
-                                          <p:attrName>style.visibility</p:attrName>
-                                        </p:attrNameLst>
-                                      </p:cBhvr>
-                                      <p:to>
-                                        <p:strVal val="visible"/>
-                                      </p:to>
-                                    </p:set>
-                                    <p:anim calcmode="lin" valueType="num">
-                                      <p:cBhvr>
-                                        <p:cTn id="7" dur="1000" fill="hold"/>
-                                        <p:tgtEl>
-                                          <p:spTgt spid="27653">
-                                            <p:txEl>
-                                              <p:pRg st="2" end="2"/>
-                                            </p:txEl>
-                                          </p:spTgt>
-                                        </p:tgtEl>
-                                        <p:attrNameLst>
-                                          <p:attrName>ppt_w</p:attrName>
-                                        </p:attrNameLst>
-                                      </p:cBhvr>
-                                      <p:tavLst>
-                                        <p:tav tm="0">
-                                          <p:val>
-                                            <p:fltVal val="0"/>
-                                          </p:val>
-                                        </p:tav>
-                                        <p:tav tm="100000">
-                                          <p:val>
-                                            <p:strVal val="#ppt_w"/>
-                                          </p:val>
-                                        </p:tav>
-                                      </p:tavLst>
-                                    </p:anim>
-                                    <p:anim calcmode="lin" valueType="num">
-                                      <p:cBhvr>
-                                        <p:cTn id="8" dur="1000" fill="hold"/>
-                                        <p:tgtEl>
-                                          <p:spTgt spid="27653">
-                                            <p:txEl>
-                                              <p:pRg st="2" end="2"/>
-                                            </p:txEl>
-                                          </p:spTgt>
-                                        </p:tgtEl>
-                                        <p:attrNameLst>
-                                          <p:attrName>ppt_h</p:attrName>
-                                        </p:attrNameLst>
-                                      </p:cBhvr>
-                                      <p:tavLst>
-                                        <p:tav tm="0">
-                                          <p:val>
-                                            <p:fltVal val="0"/>
-                                          </p:val>
-                                        </p:tav>
-                                        <p:tav tm="100000">
-                                          <p:val>
-                                            <p:strVal val="#ppt_h"/>
-                                          </p:val>
-                                        </p:tav>
-                                      </p:tavLst>
-                                    </p:anim>
-                                    <p:anim calcmode="lin" valueType="num">
-                                      <p:cBhvr>
-                                        <p:cTn id="9" dur="1000" fill="hold"/>
-                                        <p:tgtEl>
-                                          <p:spTgt spid="27653">
-                                            <p:txEl>
-                                              <p:pRg st="2" end="2"/>
-                                            </p:txEl>
-                                          </p:spTgt>
-                                        </p:tgtEl>
-                                        <p:attrNameLst>
-                                          <p:attrName>ppt_x</p:attrName>
-                                        </p:attrNameLst>
-                                      </p:cBhvr>
-                                      <p:tavLst>
-                                        <p:tav tm="0" fmla="#ppt_x+(cos(-2*pi*(1-$))*-#ppt_x-sin(-2*pi*(1-$))*(1-#ppt_y))*(1-$)">
-                                          <p:val>
-                                            <p:fltVal val="0"/>
-                                          </p:val>
-                                        </p:tav>
-                                        <p:tav tm="100000">
-                                          <p:val>
-                                            <p:fltVal val="1"/>
-                                          </p:val>
-                                        </p:tav>
-                                      </p:tavLst>
-                                    </p:anim>
-                                    <p:anim calcmode="lin" valueType="num">
-                                      <p:cBhvr>
-                                        <p:cTn id="10" dur="1000" fill="hold"/>
-                                        <p:tgtEl>
-                                          <p:spTgt spid="27653">
-                                            <p:txEl>
-                                              <p:pRg st="2" end="2"/>
-                                            </p:txEl>
-                                          </p:spTgt>
-                                        </p:tgtEl>
-                                        <p:attrNameLst>
-                                          <p:attrName>ppt_y</p:attrName>
-                                        </p:attrNameLst>
-                                      </p:cBhvr>
-                                      <p:tavLst>
-                                        <p:tav tm="0" fmla="#ppt_y+(sin(-2*pi*(1-$))*-#ppt_x+cos(-2*pi*(1-$))*(1-#ppt_y))*(1-$)">
-                                          <p:val>
-                                            <p:fltVal val="0"/>
-                                          </p:val>
-                                        </p:tav>
-                                        <p:tav tm="100000">
-                                          <p:val>
-                                            <p:fltVal val="1"/>
-                                          </p:val>
-                                        </p:tav>
-                                      </p:tavLst>
-                                    </p:anim>
-                                  </p:childTnLst>
-                                </p:cTn>
-                              </p:par>
-                            </p:childTnLst>
-                          </p:cTn>
-                        </p:par>
-                      </p:childTnLst>
-                    </p:cTn>
-                  </p:par>
-                </p:childTnLst>
-              </p:cTn>
-              <p:prevCondLst>
-                <p:cond evt="onPrev" delay="0">
-                  <p:tgtEl>
-                    <p:sldTgt/>
-                  </p:tgtEl>
-                </p:cond>
-              </p:prevCondLst>
-              <p:nextCondLst>
-                <p:cond evt="onNext" delay="0">
-                  <p:tgtEl>
-                    <p:sldTgt/>
-                  </p:tgtEl>
-                </p:cond>
-              </p:nextCondLst>
-            </p:seq>
-          </p:childTnLst>
-        </p:cTn>
-      </p:par>
-    </p:tnLst>
-  </p:timing>
-</p:sld>
-</file>
-
-<file path=ppt/slides/slide28.xml><?xml version="1.0" encoding="utf-8"?>
-<p:sld xmlns:a="http://schemas.openxmlformats.org/drawingml/2006/main" xmlns:r="http://schemas.openxmlformats.org/officeDocument/2006/relationships" xmlns:p="http://schemas.openxmlformats.org/presentationml/2006/main" show="0">
-  <p:cSld>
-    <p:spTree>
-      <p:nvGrpSpPr>
-        <p:cNvPr id="1" name=""/>
-        <p:cNvGrpSpPr/>
-        <p:nvPr/>
-      </p:nvGrpSpPr>
-      <p:grpSpPr>
-        <a:xfrm>
-          <a:off x="0" y="0"/>
-          <a:ext cx="0" cy="0"/>
-          <a:chOff x="0" y="0"/>
-          <a:chExt cx="0" cy="0"/>
-        </a:xfrm>
-      </p:grpSpPr>
-      <p:sp>
-        <p:nvSpPr>
-          <p:cNvPr id="27650" name="Rectangle 2"/>
-          <p:cNvSpPr>
-            <a:spLocks noGrp="1" noChangeArrowheads="1"/>
-          </p:cNvSpPr>
-          <p:nvPr>
-            <p:ph type="title"/>
-          </p:nvPr>
-        </p:nvSpPr>
-        <p:spPr>
-          <a:noFill/>
-        </p:spPr>
-        <p:txBody>
-          <a:bodyPr/>
-          <a:lstStyle/>
-          <a:p>
-            <a:pPr eaLnBrk="1" hangingPunct="1"/>
-            <a:r>
-              <a:rPr lang="en-US" sz="4400" dirty="0" smtClean="0">
-                <a:solidFill>
-                  <a:schemeClr val="tx1"/>
-                </a:solidFill>
-                <a:latin typeface="Comic Sans MS" pitchFamily="-128" charset="0"/>
-              </a:rPr>
-              <a:t>Inclusion-Exclusion</a:t>
-            </a:r>
-          </a:p>
-        </p:txBody>
-      </p:sp>
-      <p:pic>
-        <p:nvPicPr>
-          <p:cNvPr id="27651" name="Picture 3" descr="TP_tmp"/>
-          <p:cNvPicPr>
-            <a:picLocks noChangeAspect="1" noChangeArrowheads="1"/>
-          </p:cNvPicPr>
-          <p:nvPr>
-            <p:custDataLst>
-              <p:tags r:id="rId2"/>
-            </p:custDataLst>
-          </p:nvPr>
-        </p:nvPicPr>
-        <p:blipFill>
-          <a:blip r:embed="rId6">
-            <a:clrChange>
-              <a:clrFrom>
-                <a:srgbClr val="FFFFFF"/>
-              </a:clrFrom>
-              <a:clrTo>
-                <a:srgbClr val="FFFFFF">
-                  <a:alpha val="0"/>
-                </a:srgbClr>
-              </a:clrTo>
-            </a:clrChange>
-          </a:blip>
-          <a:srcRect/>
-          <a:stretch>
-            <a:fillRect/>
-          </a:stretch>
-        </p:blipFill>
-        <p:spPr bwMode="auto">
-          <a:xfrm>
-            <a:off x="5080000" y="3810000"/>
-            <a:ext cx="1588" cy="1588"/>
-          </a:xfrm>
-          <a:prstGeom prst="rect">
-            <a:avLst/>
-          </a:prstGeom>
-          <a:noFill/>
-          <a:ln w="9525">
-            <a:noFill/>
-            <a:miter lim="800000"/>
-            <a:headEnd/>
-            <a:tailEnd/>
-          </a:ln>
-        </p:spPr>
-      </p:pic>
-      <p:pic>
-        <p:nvPicPr>
-          <p:cNvPr id="27652" name="Picture 4" descr="TP_tmp"/>
-          <p:cNvPicPr>
-            <a:picLocks noChangeAspect="1" noChangeArrowheads="1"/>
-          </p:cNvPicPr>
-          <p:nvPr>
-            <p:custDataLst>
-              <p:tags r:id="rId3"/>
-            </p:custDataLst>
-          </p:nvPr>
-        </p:nvPicPr>
-        <p:blipFill>
-          <a:blip r:embed="rId7">
-            <a:clrChange>
-              <a:clrFrom>
-                <a:srgbClr val="FFFFFF"/>
-              </a:clrFrom>
-              <a:clrTo>
-                <a:srgbClr val="FFFFFF">
-                  <a:alpha val="0"/>
-                </a:srgbClr>
-              </a:clrTo>
-            </a:clrChange>
-          </a:blip>
-          <a:srcRect/>
-          <a:stretch>
-            <a:fillRect/>
-          </a:stretch>
-        </p:blipFill>
-        <p:spPr bwMode="auto">
-          <a:xfrm>
-            <a:off x="5080000" y="3810000"/>
-            <a:ext cx="1588" cy="1588"/>
-          </a:xfrm>
-          <a:prstGeom prst="rect">
-            <a:avLst/>
-          </a:prstGeom>
-          <a:noFill/>
-          <a:ln w="9525">
-            <a:noFill/>
-            <a:miter lim="800000"/>
-            <a:headEnd/>
-            <a:tailEnd/>
-          </a:ln>
-        </p:spPr>
-      </p:pic>
-      <p:sp>
-        <p:nvSpPr>
-          <p:cNvPr id="6" name="Rectangle 11"/>
-          <p:cNvSpPr txBox="1">
-            <a:spLocks noChangeArrowheads="1"/>
-          </p:cNvSpPr>
-          <p:nvPr/>
-        </p:nvSpPr>
-        <p:spPr bwMode="auto">
-          <a:xfrm>
-            <a:off x="6400800" y="6613525"/>
-            <a:ext cx="2667000" cy="244475"/>
-          </a:xfrm>
-          <a:prstGeom prst="rect">
-            <a:avLst/>
-          </a:prstGeom>
-          <a:noFill/>
-          <a:ln w="9525">
-            <a:noFill/>
-            <a:miter lim="800000"/>
-            <a:headEnd/>
-            <a:tailEnd/>
-          </a:ln>
-          <a:effectLst/>
-        </p:spPr>
-        <p:txBody>
-          <a:bodyPr vert="horz" wrap="square" lIns="91440" tIns="45720" rIns="91440" bIns="45720" numCol="1" anchor="t" anchorCtr="0" compatLnSpc="1">
-            <a:prstTxWarp prst="textNoShape">
-              <a:avLst/>
-            </a:prstTxWarp>
-            <a:spAutoFit/>
-          </a:bodyPr>
-          <a:lstStyle>
-            <a:lvl1pPr algn="r">
-              <a:defRPr sz="1000"/>
-            </a:lvl1pPr>
-          </a:lstStyle>
-          <a:p>
-            <a:pPr marL="0" marR="0" lvl="0" indent="0" algn="r" defTabSz="914400" rtl="0" eaLnBrk="1" fontAlgn="base" latinLnBrk="0" hangingPunct="1">
-              <a:lnSpc>
-                <a:spcPct val="100000"/>
-              </a:lnSpc>
-              <a:spcBef>
-                <a:spcPct val="0"/>
-              </a:spcBef>
-              <a:spcAft>
-                <a:spcPct val="0"/>
-              </a:spcAft>
-              <a:buClrTx/>
-              <a:buSzTx/>
-              <a:buFontTx/>
-              <a:buNone/>
-              <a:tabLst/>
-              <a:defRPr/>
-            </a:pPr>
-            <a:r>
-              <a:rPr kumimoji="0" lang="en-US" sz="1000" b="0" i="0" u="none" strike="noStrike" kern="1200" cap="none" spc="0" normalizeH="0" baseline="0" noProof="0" dirty="0" err="1" smtClean="0">
-                <a:ln>
-                  <a:noFill/>
-                </a:ln>
-                <a:solidFill>
-                  <a:srgbClr val="0000FF"/>
-                </a:solidFill>
-                <a:effectLst/>
-                <a:uLnTx/>
-                <a:uFillTx/>
-                <a:latin typeface="Comic Sans MS" pitchFamily="66" charset="0"/>
-                <a:ea typeface="+mn-ea"/>
-                <a:cs typeface="+mn-cs"/>
-              </a:rPr>
-              <a:t>lec</a:t>
-            </a:r>
-            <a:r>
-              <a:rPr kumimoji="0" lang="en-US" sz="1000" b="0" i="0" u="none" strike="noStrike" kern="1200" cap="none" spc="0" normalizeH="0" baseline="0" noProof="0" dirty="0" smtClean="0">
-                <a:ln>
-                  <a:noFill/>
-                </a:ln>
-                <a:solidFill>
-                  <a:srgbClr val="0000FF"/>
-                </a:solidFill>
-                <a:effectLst/>
-                <a:uLnTx/>
-                <a:uFillTx/>
-                <a:latin typeface="Comic Sans MS" pitchFamily="66" charset="0"/>
-                <a:ea typeface="+mn-ea"/>
-                <a:cs typeface="+mn-cs"/>
-              </a:rPr>
-              <a:t> 13W.</a:t>
-            </a:r>
-            <a:fld id="{17233D2A-0857-4415-88C1-423492E69A26}" type="slidenum">
-              <a:rPr kumimoji="0" lang="en-US" sz="1000" b="0" i="0" u="none" strike="noStrike" kern="1200" cap="none" spc="0" normalizeH="0" baseline="0" noProof="0" smtClean="0">
-                <a:ln>
-                  <a:noFill/>
-                </a:ln>
-                <a:solidFill>
-                  <a:srgbClr val="0000FF"/>
-                </a:solidFill>
-                <a:effectLst/>
-                <a:uLnTx/>
-                <a:uFillTx/>
-                <a:latin typeface="Comic Sans MS" pitchFamily="66" charset="0"/>
-                <a:ea typeface="+mn-ea"/>
-                <a:cs typeface="+mn-cs"/>
-              </a:rPr>
-              <a:pPr marL="0" marR="0" lvl="0" indent="0" algn="r" defTabSz="914400" rtl="0" eaLnBrk="1" fontAlgn="base" latinLnBrk="0" hangingPunct="1">
-                <a:lnSpc>
-                  <a:spcPct val="100000"/>
-                </a:lnSpc>
-                <a:spcBef>
-                  <a:spcPct val="0"/>
-                </a:spcBef>
-                <a:spcAft>
-                  <a:spcPct val="0"/>
-                </a:spcAft>
-                <a:buClrTx/>
-                <a:buSzTx/>
-                <a:buFontTx/>
-                <a:buNone/>
-                <a:tabLst/>
-                <a:defRPr/>
-              </a:pPr>
-              <a:t>28</a:t>
-            </a:fld>
-            <a:endParaRPr kumimoji="0" lang="en-US" sz="1000" b="0" i="0" u="none" strike="noStrike" kern="1200" cap="none" spc="0" normalizeH="0" baseline="0" noProof="0" dirty="0">
-              <a:ln>
-                <a:noFill/>
-              </a:ln>
-              <a:solidFill>
-                <a:srgbClr val="0000FF"/>
-              </a:solidFill>
-              <a:effectLst/>
-              <a:uLnTx/>
-              <a:uFillTx/>
-              <a:latin typeface="Comic Sans MS" pitchFamily="66" charset="0"/>
-              <a:ea typeface="+mn-ea"/>
-              <a:cs typeface="+mn-cs"/>
-            </a:endParaRPr>
-          </a:p>
-        </p:txBody>
-      </p:sp>
-      <p:graphicFrame>
-        <p:nvGraphicFramePr>
-          <p:cNvPr id="7" name="Object 6"/>
-          <p:cNvGraphicFramePr>
-            <a:graphicFrameLocks noChangeAspect="1"/>
-          </p:cNvGraphicFramePr>
-          <p:nvPr/>
-        </p:nvGraphicFramePr>
-        <p:xfrm>
-          <a:off x="207169" y="1447800"/>
-          <a:ext cx="8708231" cy="4038600"/>
-        </p:xfrm>
-        <a:graphic>
-          <a:graphicData uri="http://schemas.openxmlformats.org/presentationml/2006/ole">
-            <mc:AlternateContent xmlns:mc="http://schemas.openxmlformats.org/markup-compatibility/2006">
-              <mc:Choice xmlns:v="urn:schemas-microsoft-com:vml" Requires="v">
-                <p:oleObj spid="_x0000_s298000" name="Equation" r:id="rId8" imgW="2628900" imgH="1219200" progId="Equation.DSMT4">
-                  <p:embed/>
-                </p:oleObj>
-              </mc:Choice>
-              <mc:Fallback>
-                <p:oleObj name="Equation" r:id="rId8" imgW="2628900" imgH="1219200" progId="Equation.DSMT4">
-                  <p:embed/>
-                  <p:pic>
-                    <p:nvPicPr>
-                      <p:cNvPr id="0" name="Picture 2"/>
-                      <p:cNvPicPr>
-                        <a:picLocks noChangeAspect="1" noChangeArrowheads="1"/>
-                      </p:cNvPicPr>
-                      <p:nvPr/>
-                    </p:nvPicPr>
-                    <p:blipFill>
-                      <a:blip r:embed="rId9">
-                        <a:extLst>
-                          <a:ext uri="{28A0092B-C50C-407E-A947-70E740481C1C}">
-                            <a14:useLocalDpi xmlns:a14="http://schemas.microsoft.com/office/drawing/2010/main" val="0"/>
-                          </a:ext>
-                        </a:extLst>
-                      </a:blip>
-                      <a:srcRect/>
-                      <a:stretch>
-                        <a:fillRect/>
-                      </a:stretch>
-                    </p:blipFill>
-                    <p:spPr bwMode="auto">
-                      <a:xfrm>
-                        <a:off x="207169" y="1447800"/>
-                        <a:ext cx="8708231" cy="4038600"/>
-                      </a:xfrm>
-                      <a:prstGeom prst="rect">
-                        <a:avLst/>
-                      </a:prstGeom>
-                      <a:noFill/>
-                      <a:extLst>
-                        <a:ext uri="{909E8E84-426E-40dd-AFC4-6F175D3DCCD1}">
-                          <a14:hiddenFill xmlns:a14="http://schemas.microsoft.com/office/drawing/2010/main">
-                            <a:solidFill>
-                              <a:srgbClr val="FFFFFF"/>
-                            </a:solidFill>
-                          </a14:hiddenFill>
-                        </a:ext>
-                      </a:extLst>
-                    </p:spPr>
-                  </p:pic>
-                </p:oleObj>
-              </mc:Fallback>
-            </mc:AlternateContent>
-          </a:graphicData>
-        </a:graphic>
-      </p:graphicFrame>
-    </p:spTree>
-  </p:cSld>
-  <p:clrMapOvr>
-    <a:masterClrMapping/>
-  </p:clrMapOvr>
-  <p:transition xmlns:p14="http://schemas.microsoft.com/office/powerpoint/2010/main"/>
-  <p:timing>
-    <p:tnLst>
-      <p:par>
-        <p:cTn xmlns:p14="http://schemas.microsoft.com/office/powerpoint/2010/main" id="1" dur="indefinite" restart="never" nodeType="tmRoot"/>
-      </p:par>
-    </p:tnLst>
-  </p:timing>
-</p:sld>
-</file>
-
-<file path=ppt/slides/slide29.xml><?xml version="1.0" encoding="utf-8"?>
-<p:sld xmlns:a="http://schemas.openxmlformats.org/drawingml/2006/main" xmlns:r="http://schemas.openxmlformats.org/officeDocument/2006/relationships" xmlns:p="http://schemas.openxmlformats.org/presentationml/2006/main">
-  <p:cSld>
-    <p:spTree>
-      <p:nvGrpSpPr>
-        <p:cNvPr id="1" name=""/>
-        <p:cNvGrpSpPr/>
-        <p:nvPr/>
-      </p:nvGrpSpPr>
-      <p:grpSpPr>
-        <a:xfrm>
-          <a:off x="0" y="0"/>
-          <a:ext cx="0" cy="0"/>
-          <a:chOff x="0" y="0"/>
-          <a:chExt cx="0" cy="0"/>
-        </a:xfrm>
-      </p:grpSpPr>
-      <p:sp>
-        <p:nvSpPr>
-          <p:cNvPr id="28674" name="Rectangle 2"/>
-          <p:cNvSpPr>
-            <a:spLocks noGrp="1" noChangeArrowheads="1"/>
-          </p:cNvSpPr>
-          <p:nvPr>
-            <p:ph type="title"/>
-          </p:nvPr>
-        </p:nvSpPr>
-        <p:spPr>
-          <a:noFill/>
-        </p:spPr>
-        <p:txBody>
-          <a:bodyPr/>
-          <a:lstStyle/>
-          <a:p>
-            <a:pPr eaLnBrk="1" hangingPunct="1"/>
-            <a:r>
-              <a:rPr lang="en-US" sz="4400" dirty="0" smtClean="0">
-                <a:solidFill>
-                  <a:schemeClr val="tx1"/>
-                </a:solidFill>
-                <a:latin typeface="Comic Sans MS" pitchFamily="-128" charset="0"/>
-              </a:rPr>
-              <a:t>The Union Bound</a:t>
-            </a:r>
-          </a:p>
-        </p:txBody>
-      </p:sp>
-      <p:sp>
-        <p:nvSpPr>
-          <p:cNvPr id="28675" name="Rectangle 4"/>
-          <p:cNvSpPr>
-            <a:spLocks noChangeArrowheads="1"/>
-          </p:cNvSpPr>
-          <p:nvPr/>
-        </p:nvSpPr>
-        <p:spPr bwMode="auto">
-          <a:xfrm>
-            <a:off x="304800" y="1371600"/>
-            <a:ext cx="8610600" cy="4419600"/>
-          </a:xfrm>
-          <a:prstGeom prst="rect">
-            <a:avLst/>
-          </a:prstGeom>
-          <a:noFill/>
-          <a:ln w="31750">
-            <a:solidFill>
-              <a:srgbClr val="FF00FF"/>
-            </a:solidFill>
-            <a:miter lim="800000"/>
-            <a:headEnd/>
-            <a:tailEnd/>
-          </a:ln>
-        </p:spPr>
-        <p:txBody>
-          <a:bodyPr wrap="none" anchor="ctr"/>
-          <a:lstStyle/>
-          <a:p>
-            <a:endParaRPr lang="en-US"/>
-          </a:p>
-        </p:txBody>
-      </p:sp>
-      <p:graphicFrame>
-        <p:nvGraphicFramePr>
-          <p:cNvPr id="5" name="Object 4"/>
-          <p:cNvGraphicFramePr>
-            <a:graphicFrameLocks noChangeAspect="1"/>
-          </p:cNvGraphicFramePr>
-          <p:nvPr/>
-        </p:nvGraphicFramePr>
-        <p:xfrm>
-          <a:off x="658813" y="1766888"/>
-          <a:ext cx="7826375" cy="3567112"/>
-        </p:xfrm>
-        <a:graphic>
-          <a:graphicData uri="http://schemas.openxmlformats.org/presentationml/2006/ole">
-            <mc:AlternateContent xmlns:mc="http://schemas.openxmlformats.org/markup-compatibility/2006">
-              <mc:Choice xmlns:v="urn:schemas-microsoft-com:vml" Requires="v">
-                <p:oleObj spid="_x0000_s249872" name="Equation" r:id="rId4" imgW="1002960" imgH="457200" progId="Equation.DSMT4">
-                  <p:embed/>
-                </p:oleObj>
-              </mc:Choice>
-              <mc:Fallback>
-                <p:oleObj name="Equation" r:id="rId4" imgW="1002960" imgH="457200" progId="Equation.DSMT4">
-                  <p:embed/>
-                  <p:pic>
-                    <p:nvPicPr>
-                      <p:cNvPr id="0" name="Picture 2"/>
-                      <p:cNvPicPr>
-                        <a:picLocks noChangeAspect="1" noChangeArrowheads="1"/>
-                      </p:cNvPicPr>
-                      <p:nvPr/>
-                    </p:nvPicPr>
-                    <p:blipFill>
-                      <a:blip r:embed="rId5">
-                        <a:extLst>
-                          <a:ext uri="{28A0092B-C50C-407E-A947-70E740481C1C}">
-                            <a14:useLocalDpi xmlns:a14="http://schemas.microsoft.com/office/drawing/2010/main" val="0"/>
-                          </a:ext>
-                        </a:extLst>
-                      </a:blip>
-                      <a:srcRect/>
-                      <a:stretch>
-                        <a:fillRect/>
-                      </a:stretch>
-                    </p:blipFill>
-                    <p:spPr bwMode="auto">
-                      <a:xfrm>
-                        <a:off x="658813" y="1766888"/>
-                        <a:ext cx="7826375" cy="3567112"/>
-                      </a:xfrm>
-                      <a:prstGeom prst="rect">
-                        <a:avLst/>
-                      </a:prstGeom>
-                      <a:noFill/>
-                      <a:extLst>
-                        <a:ext uri="{909E8E84-426E-40dd-AFC4-6F175D3DCCD1}">
-                          <a14:hiddenFill xmlns:a14="http://schemas.microsoft.com/office/drawing/2010/main">
-                            <a:solidFill>
-                              <a:srgbClr val="FFFFFF"/>
-                            </a:solidFill>
-                          </a14:hiddenFill>
-                        </a:ext>
-                      </a:extLst>
-                    </p:spPr>
-                  </p:pic>
-                </p:oleObj>
-              </mc:Fallback>
-            </mc:AlternateContent>
-          </a:graphicData>
-        </a:graphic>
-      </p:graphicFrame>
-      <p:sp>
-        <p:nvSpPr>
-          <p:cNvPr id="6" name="Rectangle 11"/>
-          <p:cNvSpPr txBox="1">
-            <a:spLocks noChangeArrowheads="1"/>
-          </p:cNvSpPr>
-          <p:nvPr/>
-        </p:nvSpPr>
-        <p:spPr bwMode="auto">
-          <a:xfrm>
-            <a:off x="6400800" y="6613525"/>
-            <a:ext cx="2667000" cy="244475"/>
-          </a:xfrm>
-          <a:prstGeom prst="rect">
-            <a:avLst/>
-          </a:prstGeom>
-          <a:noFill/>
-          <a:ln w="9525">
-            <a:noFill/>
-            <a:miter lim="800000"/>
-            <a:headEnd/>
-            <a:tailEnd/>
-          </a:ln>
-          <a:effectLst/>
-        </p:spPr>
-        <p:txBody>
-          <a:bodyPr vert="horz" wrap="square" lIns="91440" tIns="45720" rIns="91440" bIns="45720" numCol="1" anchor="t" anchorCtr="0" compatLnSpc="1">
-            <a:prstTxWarp prst="textNoShape">
-              <a:avLst/>
-            </a:prstTxWarp>
-            <a:spAutoFit/>
-          </a:bodyPr>
-          <a:lstStyle>
-            <a:lvl1pPr algn="r">
-              <a:defRPr sz="1000"/>
-            </a:lvl1pPr>
-          </a:lstStyle>
-          <a:p>
-            <a:pPr marL="0" marR="0" lvl="0" indent="0" algn="r" defTabSz="914400" rtl="0" eaLnBrk="1" fontAlgn="base" latinLnBrk="0" hangingPunct="1">
-              <a:lnSpc>
-                <a:spcPct val="100000"/>
-              </a:lnSpc>
-              <a:spcBef>
-                <a:spcPct val="0"/>
-              </a:spcBef>
-              <a:spcAft>
-                <a:spcPct val="0"/>
-              </a:spcAft>
-              <a:buClrTx/>
-              <a:buSzTx/>
-              <a:buFontTx/>
-              <a:buNone/>
-              <a:tabLst/>
-              <a:defRPr/>
-            </a:pPr>
-            <a:r>
-              <a:rPr kumimoji="0" lang="en-US" sz="1000" b="0" i="0" u="none" strike="noStrike" kern="1200" cap="none" spc="0" normalizeH="0" baseline="0" noProof="0" dirty="0" err="1" smtClean="0">
-                <a:ln>
-                  <a:noFill/>
-                </a:ln>
-                <a:solidFill>
-                  <a:schemeClr val="tx1"/>
-                </a:solidFill>
-                <a:effectLst/>
-                <a:uLnTx/>
-                <a:uFillTx/>
-                <a:latin typeface="Comic Sans MS" pitchFamily="66" charset="0"/>
-                <a:ea typeface="+mn-ea"/>
-                <a:cs typeface="+mn-cs"/>
-              </a:rPr>
-              <a:t>lec</a:t>
-            </a:r>
-            <a:r>
-              <a:rPr kumimoji="0" lang="en-US" sz="1000" b="0" i="0" u="none" strike="noStrike" kern="1200" cap="none" spc="0" normalizeH="0" baseline="0" noProof="0" dirty="0" smtClean="0">
-                <a:ln>
-                  <a:noFill/>
-                </a:ln>
-                <a:solidFill>
-                  <a:schemeClr val="tx1"/>
-                </a:solidFill>
-                <a:effectLst/>
-                <a:uLnTx/>
-                <a:uFillTx/>
-                <a:latin typeface="Comic Sans MS" pitchFamily="66" charset="0"/>
-                <a:ea typeface="+mn-ea"/>
-                <a:cs typeface="+mn-cs"/>
-              </a:rPr>
-              <a:t> 13W.</a:t>
-            </a:r>
-            <a:fld id="{17233D2A-0857-4415-88C1-423492E69A26}" type="slidenum">
-              <a:rPr kumimoji="0" lang="en-US" sz="1000" b="0" i="0" u="none" strike="noStrike" kern="1200" cap="none" spc="0" normalizeH="0" baseline="0" noProof="0" smtClean="0">
-                <a:ln>
-                  <a:noFill/>
-                </a:ln>
-                <a:solidFill>
-                  <a:schemeClr val="tx1"/>
-                </a:solidFill>
-                <a:effectLst/>
-                <a:uLnTx/>
-                <a:uFillTx/>
-                <a:latin typeface="Comic Sans MS" pitchFamily="66" charset="0"/>
-                <a:ea typeface="+mn-ea"/>
-                <a:cs typeface="+mn-cs"/>
-              </a:rPr>
-              <a:pPr marL="0" marR="0" lvl="0" indent="0" algn="r" defTabSz="914400" rtl="0" eaLnBrk="1" fontAlgn="base" latinLnBrk="0" hangingPunct="1">
-                <a:lnSpc>
-                  <a:spcPct val="100000"/>
-                </a:lnSpc>
-                <a:spcBef>
-                  <a:spcPct val="0"/>
-                </a:spcBef>
-                <a:spcAft>
-                  <a:spcPct val="0"/>
-                </a:spcAft>
-                <a:buClrTx/>
-                <a:buSzTx/>
-                <a:buFontTx/>
-                <a:buNone/>
-                <a:tabLst/>
-                <a:defRPr/>
-              </a:pPr>
-              <a:t>29</a:t>
-            </a:fld>
-            <a:endParaRPr kumimoji="0" lang="en-US" sz="1000" b="0" i="0" u="none" strike="noStrike" kern="1200" cap="none" spc="0" normalizeH="0" baseline="0" noProof="0" dirty="0">
-              <a:ln>
-                <a:noFill/>
-              </a:ln>
-              <a:solidFill>
-                <a:schemeClr val="tx1"/>
-              </a:solidFill>
-              <a:effectLst/>
-              <a:uLnTx/>
-              <a:uFillTx/>
-              <a:latin typeface="Comic Sans MS" pitchFamily="66" charset="0"/>
-              <a:ea typeface="+mn-ea"/>
-              <a:cs typeface="+mn-cs"/>
-            </a:endParaRPr>
-          </a:p>
-        </p:txBody>
-      </p:sp>
-    </p:spTree>
-  </p:cSld>
-  <p:clrMapOvr>
-    <a:masterClrMapping/>
-  </p:clrMapOvr>
-  <p:transition xmlns:p14="http://schemas.microsoft.com/office/powerpoint/2010/main"/>
-  <p:timing>
-    <p:tnLst>
-      <p:par>
-        <p:cTn xmlns:p14="http://schemas.microsoft.com/office/powerpoint/2010/main" id="1" dur="indefinite" restart="never" nodeType="tmRoot">
-          <p:childTnLst>
-            <p:seq concurrent="1" nextAc="seek">
-              <p:cTn id="2" dur="indefinite" nodeType="mainSeq">
-                <p:childTnLst>
-                  <p:par>
-                    <p:cTn id="3" fill="hold">
-                      <p:stCondLst>
-                        <p:cond delay="indefinite"/>
-                      </p:stCondLst>
-                      <p:childTnLst>
-                        <p:par>
-                          <p:cTn id="4" fill="hold">
-                            <p:stCondLst>
-                              <p:cond delay="0"/>
-                            </p:stCondLst>
-                            <p:childTnLst>
-                              <p:par>
-                                <p:cTn id="5" presetID="15" presetClass="entr" presetSubtype="0" fill="hold" grpId="0" nodeType="clickEffect">
-                                  <p:stCondLst>
-                                    <p:cond delay="0"/>
-                                  </p:stCondLst>
-                                  <p:childTnLst>
-                                    <p:set>
-                                      <p:cBhvr>
-                                        <p:cTn id="6" dur="1" fill="hold">
-                                          <p:stCondLst>
-                                            <p:cond delay="0"/>
-                                          </p:stCondLst>
-                                        </p:cTn>
-                                        <p:tgtEl>
-                                          <p:spTgt spid="28675"/>
-                                        </p:tgtEl>
-                                        <p:attrNameLst>
-                                          <p:attrName>style.visibility</p:attrName>
-                                        </p:attrNameLst>
-                                      </p:cBhvr>
-                                      <p:to>
-                                        <p:strVal val="visible"/>
-                                      </p:to>
-                                    </p:set>
-                                    <p:anim calcmode="lin" valueType="num">
-                                      <p:cBhvr>
-                                        <p:cTn id="7" dur="1000" fill="hold"/>
-                                        <p:tgtEl>
-                                          <p:spTgt spid="28675"/>
-                                        </p:tgtEl>
-                                        <p:attrNameLst>
-                                          <p:attrName>ppt_w</p:attrName>
-                                        </p:attrNameLst>
-                                      </p:cBhvr>
-                                      <p:tavLst>
-                                        <p:tav tm="0">
-                                          <p:val>
-                                            <p:fltVal val="0"/>
-                                          </p:val>
-                                        </p:tav>
-                                        <p:tav tm="100000">
-                                          <p:val>
-                                            <p:strVal val="#ppt_w"/>
-                                          </p:val>
-                                        </p:tav>
-                                      </p:tavLst>
-                                    </p:anim>
-                                    <p:anim calcmode="lin" valueType="num">
-                                      <p:cBhvr>
-                                        <p:cTn id="8" dur="1000" fill="hold"/>
-                                        <p:tgtEl>
-                                          <p:spTgt spid="28675"/>
-                                        </p:tgtEl>
-                                        <p:attrNameLst>
-                                          <p:attrName>ppt_h</p:attrName>
-                                        </p:attrNameLst>
-                                      </p:cBhvr>
-                                      <p:tavLst>
-                                        <p:tav tm="0">
-                                          <p:val>
-                                            <p:fltVal val="0"/>
-                                          </p:val>
-                                        </p:tav>
-                                        <p:tav tm="100000">
-                                          <p:val>
-                                            <p:strVal val="#ppt_h"/>
-                                          </p:val>
-                                        </p:tav>
-                                      </p:tavLst>
-                                    </p:anim>
-                                    <p:anim calcmode="lin" valueType="num">
-                                      <p:cBhvr>
-                                        <p:cTn id="9" dur="1000" fill="hold"/>
-                                        <p:tgtEl>
-                                          <p:spTgt spid="28675"/>
-                                        </p:tgtEl>
-                                        <p:attrNameLst>
-                                          <p:attrName>ppt_x</p:attrName>
-                                        </p:attrNameLst>
-                                      </p:cBhvr>
-                                      <p:tavLst>
-                                        <p:tav tm="0" fmla="#ppt_x+(cos(-2*pi*(1-$))*-#ppt_x-sin(-2*pi*(1-$))*(1-#ppt_y))*(1-$)">
-                                          <p:val>
-                                            <p:fltVal val="0"/>
-                                          </p:val>
-                                        </p:tav>
-                                        <p:tav tm="100000">
-                                          <p:val>
-                                            <p:fltVal val="1"/>
-                                          </p:val>
-                                        </p:tav>
-                                      </p:tavLst>
-                                    </p:anim>
-                                    <p:anim calcmode="lin" valueType="num">
-                                      <p:cBhvr>
-                                        <p:cTn id="10" dur="1000" fill="hold"/>
-                                        <p:tgtEl>
-                                          <p:spTgt spid="28675"/>
-                                        </p:tgtEl>
-                                        <p:attrNameLst>
-                                          <p:attrName>ppt_y</p:attrName>
-                                        </p:attrNameLst>
-                                      </p:cBhvr>
-                                      <p:tavLst>
-                                        <p:tav tm="0" fmla="#ppt_y+(sin(-2*pi*(1-$))*-#ppt_x+cos(-2*pi*(1-$))*(1-#ppt_y))*(1-$)">
-                                          <p:val>
-                                            <p:fltVal val="0"/>
-                                          </p:val>
-                                        </p:tav>
-                                        <p:tav tm="100000">
-                                          <p:val>
-                                            <p:fltVal val="1"/>
-                                          </p:val>
-                                        </p:tav>
-                                      </p:tavLst>
-                                    </p:anim>
-                                  </p:childTnLst>
-                                </p:cTn>
-                              </p:par>
-                            </p:childTnLst>
-                          </p:cTn>
-                        </p:par>
-                      </p:childTnLst>
-                    </p:cTn>
-                  </p:par>
-                </p:childTnLst>
-              </p:cTn>
-              <p:prevCondLst>
-                <p:cond evt="onPrev" delay="0">
-                  <p:tgtEl>
-                    <p:sldTgt/>
-                  </p:tgtEl>
-                </p:cond>
-              </p:prevCondLst>
-              <p:nextCondLst>
-                <p:cond evt="onNext" delay="0">
-                  <p:tgtEl>
-                    <p:sldTgt/>
-                  </p:tgtEl>
-                </p:cond>
-              </p:nextCondLst>
-            </p:seq>
-          </p:childTnLst>
-        </p:cTn>
-      </p:par>
-    </p:tnLst>
-    <p:bldLst>
-      <p:bldP spid="28675" grpId="0" animBg="1"/>
-    </p:bldLst>
-  </p:timing>
-</p:sld>
-</file>
-
 <file path=ppt/slides/slide3.xml><?xml version="1.0" encoding="utf-8"?>
 <p:sld xmlns:a="http://schemas.openxmlformats.org/drawingml/2006/main" xmlns:r="http://schemas.openxmlformats.org/officeDocument/2006/relationships" xmlns:p="http://schemas.openxmlformats.org/presentationml/2006/main">
   <p:cSld>
@@ -31533,7 +24346,7 @@
           <a:graphicData uri="http://schemas.openxmlformats.org/presentationml/2006/ole">
             <mc:AlternateContent xmlns:mc="http://schemas.openxmlformats.org/markup-compatibility/2006">
               <mc:Choice xmlns:v="urn:schemas-microsoft-com:vml" Requires="v">
-                <p:oleObj spid="_x0000_s34846" name="Equation" r:id="rId5" imgW="317500" imgH="533400" progId="Equation.DSMT4">
+                <p:oleObj spid="_x0000_s34850" name="Equation" r:id="rId5" imgW="317500" imgH="533400" progId="Equation.DSMT4">
                   <p:embed/>
                 </p:oleObj>
               </mc:Choice>
@@ -31603,7 +24416,7 @@
           <a:graphicData uri="http://schemas.openxmlformats.org/presentationml/2006/ole">
             <mc:AlternateContent xmlns:mc="http://schemas.openxmlformats.org/markup-compatibility/2006">
               <mc:Choice xmlns:v="urn:schemas-microsoft-com:vml" Requires="v">
-                <p:oleObj spid="_x0000_s34847" name="Equation" r:id="rId7" imgW="787400" imgH="533400" progId="Equation.DSMT4">
+                <p:oleObj spid="_x0000_s34851" name="Equation" r:id="rId7" imgW="787400" imgH="533400" progId="Equation.DSMT4">
                   <p:embed/>
                 </p:oleObj>
               </mc:Choice>
@@ -31665,7 +24478,7 @@
           <a:graphicData uri="http://schemas.openxmlformats.org/presentationml/2006/ole">
             <mc:AlternateContent xmlns:mc="http://schemas.openxmlformats.org/markup-compatibility/2006">
               <mc:Choice xmlns:v="urn:schemas-microsoft-com:vml" Requires="v">
-                <p:oleObj spid="_x0000_s34848" name="Equation" r:id="rId9" imgW="812800" imgH="1168400" progId="Equation.DSMT4">
+                <p:oleObj spid="_x0000_s34852" name="Equation" r:id="rId9" imgW="812800" imgH="1168400" progId="Equation.DSMT4">
                   <p:embed/>
                 </p:oleObj>
               </mc:Choice>
@@ -31994,791 +24807,6 @@
 </p:sld>
 </file>
 
-<file path=ppt/slides/slide30.xml><?xml version="1.0" encoding="utf-8"?>
-<p:sld xmlns:a="http://schemas.openxmlformats.org/drawingml/2006/main" xmlns:r="http://schemas.openxmlformats.org/officeDocument/2006/relationships" xmlns:p="http://schemas.openxmlformats.org/presentationml/2006/main">
-  <p:cSld>
-    <p:spTree>
-      <p:nvGrpSpPr>
-        <p:cNvPr id="1" name=""/>
-        <p:cNvGrpSpPr/>
-        <p:nvPr/>
-      </p:nvGrpSpPr>
-      <p:grpSpPr>
-        <a:xfrm>
-          <a:off x="0" y="0"/>
-          <a:ext cx="0" cy="0"/>
-          <a:chOff x="0" y="0"/>
-          <a:chExt cx="0" cy="0"/>
-        </a:xfrm>
-      </p:grpSpPr>
-      <p:sp>
-        <p:nvSpPr>
-          <p:cNvPr id="29698" name="Rectangle 2"/>
-          <p:cNvSpPr>
-            <a:spLocks noGrp="1" noChangeArrowheads="1"/>
-          </p:cNvSpPr>
-          <p:nvPr>
-            <p:ph type="title"/>
-          </p:nvPr>
-        </p:nvSpPr>
-        <p:spPr>
-          <a:noFill/>
-        </p:spPr>
-        <p:txBody>
-          <a:bodyPr/>
-          <a:lstStyle/>
-          <a:p>
-            <a:r>
-              <a:rPr lang="en-US" sz="4400" dirty="0" err="1" smtClean="0">
-                <a:solidFill>
-                  <a:schemeClr val="tx1"/>
-                </a:solidFill>
-              </a:rPr>
-              <a:t>Monotonicity</a:t>
-            </a:r>
-            <a:endParaRPr lang="en-US" sz="4400" dirty="0">
-              <a:solidFill>
-                <a:schemeClr val="tx1"/>
-              </a:solidFill>
-            </a:endParaRPr>
-          </a:p>
-        </p:txBody>
-      </p:sp>
-      <p:sp>
-        <p:nvSpPr>
-          <p:cNvPr id="6" name="TextBox 5"/>
-          <p:cNvSpPr txBox="1"/>
-          <p:nvPr/>
-        </p:nvSpPr>
-        <p:spPr>
-          <a:xfrm>
-            <a:off x="400826" y="2743200"/>
-            <a:ext cx="8344311" cy="1323439"/>
-          </a:xfrm>
-          <a:prstGeom prst="rect">
-            <a:avLst/>
-          </a:prstGeom>
-          <a:noFill/>
-        </p:spPr>
-        <p:txBody>
-          <a:bodyPr wrap="none" rtlCol="0">
-            <a:spAutoFit/>
-          </a:bodyPr>
-          <a:lstStyle/>
-          <a:p>
-            <a:r>
-              <a:rPr lang="en-US" sz="8000" dirty="0" smtClean="0">
-                <a:solidFill>
-                  <a:schemeClr val="accent1">
-                    <a:lumMod val="50000"/>
-                  </a:schemeClr>
-                </a:solidFill>
-                <a:latin typeface="Comic Sans MS" pitchFamily="66" charset="0"/>
-              </a:rPr>
-              <a:t>Pr{A} </a:t>
-            </a:r>
-            <a:r>
-              <a:rPr lang="en-US" sz="8000" b="1" dirty="0" smtClean="0">
-                <a:solidFill>
-                  <a:schemeClr val="accent1">
-                    <a:lumMod val="50000"/>
-                  </a:schemeClr>
-                </a:solidFill>
-                <a:latin typeface="Euclid Symbol" charset="2"/>
-                <a:cs typeface="Euclid Symbol" charset="2"/>
-                <a:sym typeface="Euclid Symbol"/>
-              </a:rPr>
-              <a:t>≤</a:t>
-            </a:r>
-            <a:r>
-              <a:rPr lang="en-US" sz="8000" b="1" dirty="0" smtClean="0">
-                <a:solidFill>
-                  <a:schemeClr val="accent1">
-                    <a:lumMod val="50000"/>
-                  </a:schemeClr>
-                </a:solidFill>
-                <a:latin typeface="Comic Sans MS" pitchFamily="66" charset="0"/>
-                <a:sym typeface="Euclid Symbol"/>
-              </a:rPr>
-              <a:t> </a:t>
-            </a:r>
-            <a:r>
-              <a:rPr lang="en-US" sz="8000" dirty="0" err="1" smtClean="0">
-                <a:solidFill>
-                  <a:schemeClr val="accent1">
-                    <a:lumMod val="50000"/>
-                  </a:schemeClr>
-                </a:solidFill>
-                <a:latin typeface="Comic Sans MS" pitchFamily="66" charset="0"/>
-                <a:sym typeface="Euclid Symbol"/>
-              </a:rPr>
-              <a:t>Pr{A</a:t>
-            </a:r>
-            <a:r>
-              <a:rPr lang="en-US" sz="8000" b="1" dirty="0" err="1" smtClean="0">
-                <a:solidFill>
-                  <a:schemeClr val="accent1">
-                    <a:lumMod val="50000"/>
-                  </a:schemeClr>
-                </a:solidFill>
-                <a:latin typeface="Euclid Symbol" charset="2"/>
-                <a:cs typeface="Euclid Symbol" charset="2"/>
-                <a:sym typeface="Euclid Symbol"/>
-              </a:rPr>
-              <a:t>∪</a:t>
-            </a:r>
-            <a:r>
-              <a:rPr lang="en-US" sz="8000" dirty="0" err="1" smtClean="0">
-                <a:solidFill>
-                  <a:schemeClr val="accent1">
-                    <a:lumMod val="50000"/>
-                  </a:schemeClr>
-                </a:solidFill>
-                <a:latin typeface="Comic Sans MS" pitchFamily="66" charset="0"/>
-                <a:sym typeface="Euclid Symbol"/>
-              </a:rPr>
-              <a:t>B</a:t>
-            </a:r>
-            <a:r>
-              <a:rPr lang="en-US" sz="8000" dirty="0" smtClean="0">
-                <a:solidFill>
-                  <a:schemeClr val="accent1">
-                    <a:lumMod val="50000"/>
-                  </a:schemeClr>
-                </a:solidFill>
-                <a:latin typeface="Comic Sans MS" pitchFamily="66" charset="0"/>
-                <a:sym typeface="Euclid Symbol"/>
-              </a:rPr>
-              <a:t>}</a:t>
-            </a:r>
-            <a:endParaRPr lang="en-US" sz="8000" dirty="0" smtClean="0">
-              <a:solidFill>
-                <a:schemeClr val="accent1">
-                  <a:lumMod val="50000"/>
-                </a:schemeClr>
-              </a:solidFill>
-              <a:latin typeface="Comic Sans MS" pitchFamily="66" charset="0"/>
-            </a:endParaRPr>
-          </a:p>
-        </p:txBody>
-      </p:sp>
-      <p:sp>
-        <p:nvSpPr>
-          <p:cNvPr id="4" name="Rectangle 11"/>
-          <p:cNvSpPr txBox="1">
-            <a:spLocks noChangeArrowheads="1"/>
-          </p:cNvSpPr>
-          <p:nvPr/>
-        </p:nvSpPr>
-        <p:spPr bwMode="auto">
-          <a:xfrm>
-            <a:off x="6400800" y="6613525"/>
-            <a:ext cx="2667000" cy="244475"/>
-          </a:xfrm>
-          <a:prstGeom prst="rect">
-            <a:avLst/>
-          </a:prstGeom>
-          <a:noFill/>
-          <a:ln w="9525">
-            <a:noFill/>
-            <a:miter lim="800000"/>
-            <a:headEnd/>
-            <a:tailEnd/>
-          </a:ln>
-          <a:effectLst/>
-        </p:spPr>
-        <p:txBody>
-          <a:bodyPr vert="horz" wrap="square" lIns="91440" tIns="45720" rIns="91440" bIns="45720" numCol="1" anchor="t" anchorCtr="0" compatLnSpc="1">
-            <a:prstTxWarp prst="textNoShape">
-              <a:avLst/>
-            </a:prstTxWarp>
-            <a:spAutoFit/>
-          </a:bodyPr>
-          <a:lstStyle>
-            <a:lvl1pPr algn="r">
-              <a:defRPr sz="1000"/>
-            </a:lvl1pPr>
-          </a:lstStyle>
-          <a:p>
-            <a:pPr marL="0" marR="0" lvl="0" indent="0" algn="r" defTabSz="914400" rtl="0" eaLnBrk="1" fontAlgn="base" latinLnBrk="0" hangingPunct="1">
-              <a:lnSpc>
-                <a:spcPct val="100000"/>
-              </a:lnSpc>
-              <a:spcBef>
-                <a:spcPct val="0"/>
-              </a:spcBef>
-              <a:spcAft>
-                <a:spcPct val="0"/>
-              </a:spcAft>
-              <a:buClrTx/>
-              <a:buSzTx/>
-              <a:buFontTx/>
-              <a:buNone/>
-              <a:tabLst/>
-              <a:defRPr/>
-            </a:pPr>
-            <a:r>
-              <a:rPr kumimoji="0" lang="en-US" sz="1000" b="0" i="0" u="none" strike="noStrike" kern="1200" cap="none" spc="0" normalizeH="0" baseline="0" noProof="0" dirty="0" err="1" smtClean="0">
-                <a:ln>
-                  <a:noFill/>
-                </a:ln>
-                <a:solidFill>
-                  <a:schemeClr val="tx1"/>
-                </a:solidFill>
-                <a:effectLst/>
-                <a:uLnTx/>
-                <a:uFillTx/>
-                <a:latin typeface="Comic Sans MS" pitchFamily="66" charset="0"/>
-                <a:ea typeface="+mn-ea"/>
-                <a:cs typeface="+mn-cs"/>
-              </a:rPr>
-              <a:t>lec</a:t>
-            </a:r>
-            <a:r>
-              <a:rPr kumimoji="0" lang="en-US" sz="1000" b="0" i="0" u="none" strike="noStrike" kern="1200" cap="none" spc="0" normalizeH="0" baseline="0" noProof="0" dirty="0" smtClean="0">
-                <a:ln>
-                  <a:noFill/>
-                </a:ln>
-                <a:solidFill>
-                  <a:schemeClr val="tx1"/>
-                </a:solidFill>
-                <a:effectLst/>
-                <a:uLnTx/>
-                <a:uFillTx/>
-                <a:latin typeface="Comic Sans MS" pitchFamily="66" charset="0"/>
-                <a:ea typeface="+mn-ea"/>
-                <a:cs typeface="+mn-cs"/>
-              </a:rPr>
-              <a:t> 13W.</a:t>
-            </a:r>
-            <a:fld id="{17233D2A-0857-4415-88C1-423492E69A26}" type="slidenum">
-              <a:rPr kumimoji="0" lang="en-US" sz="1000" b="0" i="0" u="none" strike="noStrike" kern="1200" cap="none" spc="0" normalizeH="0" baseline="0" noProof="0" smtClean="0">
-                <a:ln>
-                  <a:noFill/>
-                </a:ln>
-                <a:solidFill>
-                  <a:schemeClr val="tx1"/>
-                </a:solidFill>
-                <a:effectLst/>
-                <a:uLnTx/>
-                <a:uFillTx/>
-                <a:latin typeface="Comic Sans MS" pitchFamily="66" charset="0"/>
-                <a:ea typeface="+mn-ea"/>
-                <a:cs typeface="+mn-cs"/>
-              </a:rPr>
-              <a:pPr marL="0" marR="0" lvl="0" indent="0" algn="r" defTabSz="914400" rtl="0" eaLnBrk="1" fontAlgn="base" latinLnBrk="0" hangingPunct="1">
-                <a:lnSpc>
-                  <a:spcPct val="100000"/>
-                </a:lnSpc>
-                <a:spcBef>
-                  <a:spcPct val="0"/>
-                </a:spcBef>
-                <a:spcAft>
-                  <a:spcPct val="0"/>
-                </a:spcAft>
-                <a:buClrTx/>
-                <a:buSzTx/>
-                <a:buFontTx/>
-                <a:buNone/>
-                <a:tabLst/>
-                <a:defRPr/>
-              </a:pPr>
-              <a:t>30</a:t>
-            </a:fld>
-            <a:endParaRPr kumimoji="0" lang="en-US" sz="1000" b="0" i="0" u="none" strike="noStrike" kern="1200" cap="none" spc="0" normalizeH="0" baseline="0" noProof="0" dirty="0">
-              <a:ln>
-                <a:noFill/>
-              </a:ln>
-              <a:solidFill>
-                <a:schemeClr val="tx1"/>
-              </a:solidFill>
-              <a:effectLst/>
-              <a:uLnTx/>
-              <a:uFillTx/>
-              <a:latin typeface="Comic Sans MS" pitchFamily="66" charset="0"/>
-              <a:ea typeface="+mn-ea"/>
-              <a:cs typeface="+mn-cs"/>
-            </a:endParaRPr>
-          </a:p>
-        </p:txBody>
-      </p:sp>
-    </p:spTree>
-  </p:cSld>
-  <p:clrMapOvr>
-    <a:masterClrMapping/>
-  </p:clrMapOvr>
-  <p:transition xmlns:p14="http://schemas.microsoft.com/office/powerpoint/2010/main"/>
-  <p:timing>
-    <p:tnLst>
-      <p:par>
-        <p:cTn xmlns:p14="http://schemas.microsoft.com/office/powerpoint/2010/main" id="1" dur="indefinite" restart="never" nodeType="tmRoot"/>
-      </p:par>
-    </p:tnLst>
-  </p:timing>
-</p:sld>
-</file>
-
-<file path=ppt/slides/slide31.xml><?xml version="1.0" encoding="utf-8"?>
-<p:sld xmlns:a="http://schemas.openxmlformats.org/drawingml/2006/main" xmlns:r="http://schemas.openxmlformats.org/officeDocument/2006/relationships" xmlns:p="http://schemas.openxmlformats.org/presentationml/2006/main">
-  <p:cSld>
-    <p:spTree>
-      <p:nvGrpSpPr>
-        <p:cNvPr id="1" name=""/>
-        <p:cNvGrpSpPr/>
-        <p:nvPr/>
-      </p:nvGrpSpPr>
-      <p:grpSpPr>
-        <a:xfrm>
-          <a:off x="0" y="0"/>
-          <a:ext cx="0" cy="0"/>
-          <a:chOff x="0" y="0"/>
-          <a:chExt cx="0" cy="0"/>
-        </a:xfrm>
-      </p:grpSpPr>
-      <p:sp>
-        <p:nvSpPr>
-          <p:cNvPr id="30722" name="Rectangle 2"/>
-          <p:cNvSpPr>
-            <a:spLocks noGrp="1" noChangeArrowheads="1"/>
-          </p:cNvSpPr>
-          <p:nvPr>
-            <p:ph type="title"/>
-          </p:nvPr>
-        </p:nvSpPr>
-        <p:spPr>
-          <a:noFill/>
-        </p:spPr>
-        <p:txBody>
-          <a:bodyPr/>
-          <a:lstStyle/>
-          <a:p>
-            <a:pPr eaLnBrk="1" hangingPunct="1"/>
-            <a:r>
-              <a:rPr lang="en-US" sz="4400" dirty="0" smtClean="0">
-                <a:solidFill>
-                  <a:schemeClr val="tx1"/>
-                </a:solidFill>
-                <a:latin typeface="Comic Sans MS" pitchFamily="-128" charset="0"/>
-              </a:rPr>
-              <a:t>Boole’s Inequality</a:t>
-            </a:r>
-          </a:p>
-        </p:txBody>
-      </p:sp>
-      <p:pic>
-        <p:nvPicPr>
-          <p:cNvPr id="30723" name="Picture 3" descr="TP_tmp"/>
-          <p:cNvPicPr>
-            <a:picLocks noChangeAspect="1" noChangeArrowheads="1"/>
-          </p:cNvPicPr>
-          <p:nvPr>
-            <p:custDataLst>
-              <p:tags r:id="rId2"/>
-            </p:custDataLst>
-          </p:nvPr>
-        </p:nvPicPr>
-        <p:blipFill>
-          <a:blip r:embed="rId8">
-            <a:clrChange>
-              <a:clrFrom>
-                <a:srgbClr val="FFFFFF"/>
-              </a:clrFrom>
-              <a:clrTo>
-                <a:srgbClr val="FFFFFF">
-                  <a:alpha val="0"/>
-                </a:srgbClr>
-              </a:clrTo>
-            </a:clrChange>
-          </a:blip>
-          <a:srcRect/>
-          <a:stretch>
-            <a:fillRect/>
-          </a:stretch>
-        </p:blipFill>
-        <p:spPr bwMode="auto">
-          <a:xfrm>
-            <a:off x="5080000" y="3810000"/>
-            <a:ext cx="1588" cy="1588"/>
-          </a:xfrm>
-          <a:prstGeom prst="rect">
-            <a:avLst/>
-          </a:prstGeom>
-          <a:noFill/>
-          <a:ln w="9525">
-            <a:noFill/>
-            <a:miter lim="800000"/>
-            <a:headEnd/>
-            <a:tailEnd/>
-          </a:ln>
-        </p:spPr>
-      </p:pic>
-      <p:pic>
-        <p:nvPicPr>
-          <p:cNvPr id="30724" name="Picture 4" descr="TP_tmp"/>
-          <p:cNvPicPr>
-            <a:picLocks noChangeAspect="1" noChangeArrowheads="1"/>
-          </p:cNvPicPr>
-          <p:nvPr>
-            <p:custDataLst>
-              <p:tags r:id="rId3"/>
-            </p:custDataLst>
-          </p:nvPr>
-        </p:nvPicPr>
-        <p:blipFill>
-          <a:blip r:embed="rId9">
-            <a:clrChange>
-              <a:clrFrom>
-                <a:srgbClr val="FFFFFF"/>
-              </a:clrFrom>
-              <a:clrTo>
-                <a:srgbClr val="FFFFFF">
-                  <a:alpha val="0"/>
-                </a:srgbClr>
-              </a:clrTo>
-            </a:clrChange>
-          </a:blip>
-          <a:srcRect/>
-          <a:stretch>
-            <a:fillRect/>
-          </a:stretch>
-        </p:blipFill>
-        <p:spPr bwMode="auto">
-          <a:xfrm>
-            <a:off x="5080000" y="3810000"/>
-            <a:ext cx="1588" cy="1588"/>
-          </a:xfrm>
-          <a:prstGeom prst="rect">
-            <a:avLst/>
-          </a:prstGeom>
-          <a:noFill/>
-          <a:ln w="9525">
-            <a:noFill/>
-            <a:miter lim="800000"/>
-            <a:headEnd/>
-            <a:tailEnd/>
-          </a:ln>
-        </p:spPr>
-      </p:pic>
-      <p:pic>
-        <p:nvPicPr>
-          <p:cNvPr id="30726" name="Picture 6" descr="TP_tmp"/>
-          <p:cNvPicPr>
-            <a:picLocks noChangeAspect="1" noChangeArrowheads="1"/>
-          </p:cNvPicPr>
-          <p:nvPr>
-            <p:custDataLst>
-              <p:tags r:id="rId4"/>
-            </p:custDataLst>
-          </p:nvPr>
-        </p:nvPicPr>
-        <p:blipFill>
-          <a:blip r:embed="rId10">
-            <a:clrChange>
-              <a:clrFrom>
-                <a:srgbClr val="FFFFFF"/>
-              </a:clrFrom>
-              <a:clrTo>
-                <a:srgbClr val="FFFFFF">
-                  <a:alpha val="0"/>
-                </a:srgbClr>
-              </a:clrTo>
-            </a:clrChange>
-          </a:blip>
-          <a:srcRect/>
-          <a:stretch>
-            <a:fillRect/>
-          </a:stretch>
-        </p:blipFill>
-        <p:spPr bwMode="auto">
-          <a:xfrm>
-            <a:off x="5080000" y="3810000"/>
-            <a:ext cx="1588" cy="1588"/>
-          </a:xfrm>
-          <a:prstGeom prst="rect">
-            <a:avLst/>
-          </a:prstGeom>
-          <a:noFill/>
-          <a:ln w="9525">
-            <a:noFill/>
-            <a:miter lim="800000"/>
-            <a:headEnd/>
-            <a:tailEnd/>
-          </a:ln>
-        </p:spPr>
-      </p:pic>
-      <p:pic>
-        <p:nvPicPr>
-          <p:cNvPr id="30727" name="Picture 7" descr="TP_tmp"/>
-          <p:cNvPicPr>
-            <a:picLocks noChangeAspect="1" noChangeArrowheads="1"/>
-          </p:cNvPicPr>
-          <p:nvPr>
-            <p:custDataLst>
-              <p:tags r:id="rId5"/>
-            </p:custDataLst>
-          </p:nvPr>
-        </p:nvPicPr>
-        <p:blipFill>
-          <a:blip r:embed="rId11">
-            <a:clrChange>
-              <a:clrFrom>
-                <a:srgbClr val="FFFFFF"/>
-              </a:clrFrom>
-              <a:clrTo>
-                <a:srgbClr val="FFFFFF">
-                  <a:alpha val="0"/>
-                </a:srgbClr>
-              </a:clrTo>
-            </a:clrChange>
-          </a:blip>
-          <a:srcRect/>
-          <a:stretch>
-            <a:fillRect/>
-          </a:stretch>
-        </p:blipFill>
-        <p:spPr bwMode="auto">
-          <a:xfrm>
-            <a:off x="5080000" y="3810000"/>
-            <a:ext cx="1588" cy="1588"/>
-          </a:xfrm>
-          <a:prstGeom prst="rect">
-            <a:avLst/>
-          </a:prstGeom>
-          <a:noFill/>
-          <a:ln w="9525">
-            <a:noFill/>
-            <a:miter lim="800000"/>
-            <a:headEnd/>
-            <a:tailEnd/>
-          </a:ln>
-        </p:spPr>
-      </p:pic>
-      <p:graphicFrame>
-        <p:nvGraphicFramePr>
-          <p:cNvPr id="9" name="Object 8"/>
-          <p:cNvGraphicFramePr>
-            <a:graphicFrameLocks noChangeAspect="1"/>
-          </p:cNvGraphicFramePr>
-          <p:nvPr/>
-        </p:nvGraphicFramePr>
-        <p:xfrm>
-          <a:off x="593725" y="1336675"/>
-          <a:ext cx="7894638" cy="4048125"/>
-        </p:xfrm>
-        <a:graphic>
-          <a:graphicData uri="http://schemas.openxmlformats.org/presentationml/2006/ole">
-            <mc:AlternateContent xmlns:mc="http://schemas.openxmlformats.org/markup-compatibility/2006">
-              <mc:Choice xmlns:v="urn:schemas-microsoft-com:vml" Requires="v">
-                <p:oleObj spid="_x0000_s250896" name="Equation" r:id="rId12" imgW="1485900" imgH="762000" progId="Equation.DSMT4">
-                  <p:embed/>
-                </p:oleObj>
-              </mc:Choice>
-              <mc:Fallback>
-                <p:oleObj name="Equation" r:id="rId12" imgW="1485900" imgH="762000" progId="Equation.DSMT4">
-                  <p:embed/>
-                  <p:pic>
-                    <p:nvPicPr>
-                      <p:cNvPr id="0" name="Picture 2"/>
-                      <p:cNvPicPr>
-                        <a:picLocks noChangeAspect="1" noChangeArrowheads="1"/>
-                      </p:cNvPicPr>
-                      <p:nvPr/>
-                    </p:nvPicPr>
-                    <p:blipFill>
-                      <a:blip r:embed="rId13">
-                        <a:extLst>
-                          <a:ext uri="{28A0092B-C50C-407E-A947-70E740481C1C}">
-                            <a14:useLocalDpi xmlns:a14="http://schemas.microsoft.com/office/drawing/2010/main" val="0"/>
-                          </a:ext>
-                        </a:extLst>
-                      </a:blip>
-                      <a:srcRect/>
-                      <a:stretch>
-                        <a:fillRect/>
-                      </a:stretch>
-                    </p:blipFill>
-                    <p:spPr bwMode="auto">
-                      <a:xfrm>
-                        <a:off x="593725" y="1336675"/>
-                        <a:ext cx="7894638" cy="4048125"/>
-                      </a:xfrm>
-                      <a:prstGeom prst="rect">
-                        <a:avLst/>
-                      </a:prstGeom>
-                      <a:noFill/>
-                      <a:extLst>
-                        <a:ext uri="{909E8E84-426E-40dd-AFC4-6F175D3DCCD1}">
-                          <a14:hiddenFill xmlns:a14="http://schemas.microsoft.com/office/drawing/2010/main">
-                            <a:solidFill>
-                              <a:srgbClr val="FFFFFF"/>
-                            </a:solidFill>
-                          </a14:hiddenFill>
-                        </a:ext>
-                      </a:extLst>
-                    </p:spPr>
-                  </p:pic>
-                </p:oleObj>
-              </mc:Fallback>
-            </mc:AlternateContent>
-          </a:graphicData>
-        </a:graphic>
-      </p:graphicFrame>
-      <p:sp>
-        <p:nvSpPr>
-          <p:cNvPr id="8" name="Rectangle 11"/>
-          <p:cNvSpPr txBox="1">
-            <a:spLocks noChangeArrowheads="1"/>
-          </p:cNvSpPr>
-          <p:nvPr/>
-        </p:nvSpPr>
-        <p:spPr bwMode="auto">
-          <a:xfrm>
-            <a:off x="6400800" y="6613525"/>
-            <a:ext cx="2667000" cy="244475"/>
-          </a:xfrm>
-          <a:prstGeom prst="rect">
-            <a:avLst/>
-          </a:prstGeom>
-          <a:noFill/>
-          <a:ln w="9525">
-            <a:noFill/>
-            <a:miter lim="800000"/>
-            <a:headEnd/>
-            <a:tailEnd/>
-          </a:ln>
-          <a:effectLst/>
-        </p:spPr>
-        <p:txBody>
-          <a:bodyPr vert="horz" wrap="square" lIns="91440" tIns="45720" rIns="91440" bIns="45720" numCol="1" anchor="t" anchorCtr="0" compatLnSpc="1">
-            <a:prstTxWarp prst="textNoShape">
-              <a:avLst/>
-            </a:prstTxWarp>
-            <a:spAutoFit/>
-          </a:bodyPr>
-          <a:lstStyle>
-            <a:lvl1pPr algn="r">
-              <a:defRPr sz="1000"/>
-            </a:lvl1pPr>
-          </a:lstStyle>
-          <a:p>
-            <a:pPr marL="0" marR="0" lvl="0" indent="0" algn="r" defTabSz="914400" rtl="0" eaLnBrk="1" fontAlgn="base" latinLnBrk="0" hangingPunct="1">
-              <a:lnSpc>
-                <a:spcPct val="100000"/>
-              </a:lnSpc>
-              <a:spcBef>
-                <a:spcPct val="0"/>
-              </a:spcBef>
-              <a:spcAft>
-                <a:spcPct val="0"/>
-              </a:spcAft>
-              <a:buClrTx/>
-              <a:buSzTx/>
-              <a:buFontTx/>
-              <a:buNone/>
-              <a:tabLst/>
-              <a:defRPr/>
-            </a:pPr>
-            <a:r>
-              <a:rPr kumimoji="0" lang="en-US" sz="1000" b="0" i="0" u="none" strike="noStrike" kern="1200" cap="none" spc="0" normalizeH="0" baseline="0" noProof="0" dirty="0" err="1" smtClean="0">
-                <a:ln>
-                  <a:noFill/>
-                </a:ln>
-                <a:solidFill>
-                  <a:schemeClr val="tx1"/>
-                </a:solidFill>
-                <a:effectLst/>
-                <a:uLnTx/>
-                <a:uFillTx/>
-                <a:latin typeface="Comic Sans MS" pitchFamily="66" charset="0"/>
-                <a:ea typeface="+mn-ea"/>
-                <a:cs typeface="+mn-cs"/>
-              </a:rPr>
-              <a:t>lec</a:t>
-            </a:r>
-            <a:r>
-              <a:rPr kumimoji="0" lang="en-US" sz="1000" b="0" i="0" u="none" strike="noStrike" kern="1200" cap="none" spc="0" normalizeH="0" baseline="0" noProof="0" dirty="0" smtClean="0">
-                <a:ln>
-                  <a:noFill/>
-                </a:ln>
-                <a:solidFill>
-                  <a:schemeClr val="tx1"/>
-                </a:solidFill>
-                <a:effectLst/>
-                <a:uLnTx/>
-                <a:uFillTx/>
-                <a:latin typeface="Comic Sans MS" pitchFamily="66" charset="0"/>
-                <a:ea typeface="+mn-ea"/>
-                <a:cs typeface="+mn-cs"/>
-              </a:rPr>
-              <a:t> 13W.</a:t>
-            </a:r>
-            <a:fld id="{17233D2A-0857-4415-88C1-423492E69A26}" type="slidenum">
-              <a:rPr kumimoji="0" lang="en-US" sz="1000" b="0" i="0" u="none" strike="noStrike" kern="1200" cap="none" spc="0" normalizeH="0" baseline="0" noProof="0" smtClean="0">
-                <a:ln>
-                  <a:noFill/>
-                </a:ln>
-                <a:solidFill>
-                  <a:schemeClr val="tx1"/>
-                </a:solidFill>
-                <a:effectLst/>
-                <a:uLnTx/>
-                <a:uFillTx/>
-                <a:latin typeface="Comic Sans MS" pitchFamily="66" charset="0"/>
-                <a:ea typeface="+mn-ea"/>
-                <a:cs typeface="+mn-cs"/>
-              </a:rPr>
-              <a:pPr marL="0" marR="0" lvl="0" indent="0" algn="r" defTabSz="914400" rtl="0" eaLnBrk="1" fontAlgn="base" latinLnBrk="0" hangingPunct="1">
-                <a:lnSpc>
-                  <a:spcPct val="100000"/>
-                </a:lnSpc>
-                <a:spcBef>
-                  <a:spcPct val="0"/>
-                </a:spcBef>
-                <a:spcAft>
-                  <a:spcPct val="0"/>
-                </a:spcAft>
-                <a:buClrTx/>
-                <a:buSzTx/>
-                <a:buFontTx/>
-                <a:buNone/>
-                <a:tabLst/>
-                <a:defRPr/>
-              </a:pPr>
-              <a:t>31</a:t>
-            </a:fld>
-            <a:endParaRPr kumimoji="0" lang="en-US" sz="1000" b="0" i="0" u="none" strike="noStrike" kern="1200" cap="none" spc="0" normalizeH="0" baseline="0" noProof="0" dirty="0">
-              <a:ln>
-                <a:noFill/>
-              </a:ln>
-              <a:solidFill>
-                <a:schemeClr val="tx1"/>
-              </a:solidFill>
-              <a:effectLst/>
-              <a:uLnTx/>
-              <a:uFillTx/>
-              <a:latin typeface="Comic Sans MS" pitchFamily="66" charset="0"/>
-              <a:ea typeface="+mn-ea"/>
-              <a:cs typeface="+mn-cs"/>
-            </a:endParaRPr>
-          </a:p>
-        </p:txBody>
-      </p:sp>
-    </p:spTree>
-  </p:cSld>
-  <p:clrMapOvr>
-    <a:masterClrMapping/>
-  </p:clrMapOvr>
-  <p:transition xmlns:p14="http://schemas.microsoft.com/office/powerpoint/2010/main"/>
-  <p:timing>
-    <p:tnLst>
-      <p:par>
-        <p:cTn xmlns:p14="http://schemas.microsoft.com/office/powerpoint/2010/main" id="1" dur="indefinite" restart="never" nodeType="tmRoot"/>
-      </p:par>
-    </p:tnLst>
-  </p:timing>
-</p:sld>
-</file>
-
 <file path=ppt/slides/slide4.xml><?xml version="1.0" encoding="utf-8"?>
 <p:sld xmlns:a="http://schemas.openxmlformats.org/drawingml/2006/main" xmlns:r="http://schemas.openxmlformats.org/officeDocument/2006/relationships" xmlns:p="http://schemas.openxmlformats.org/presentationml/2006/main">
   <p:cSld>
@@ -33033,7 +25061,7 @@
           <a:graphicData uri="http://schemas.openxmlformats.org/presentationml/2006/ole">
             <mc:AlternateContent xmlns:mc="http://schemas.openxmlformats.org/markup-compatibility/2006">
               <mc:Choice xmlns:v="urn:schemas-microsoft-com:vml" Requires="v">
-                <p:oleObj spid="_x0000_s245776" name="Equation" r:id="rId4" imgW="2412720" imgH="469800" progId="Equation.DSMT4">
+                <p:oleObj spid="_x0000_s245778" name="Equation" r:id="rId4" imgW="2412720" imgH="469800" progId="Equation.DSMT4">
                   <p:embed/>
                 </p:oleObj>
               </mc:Choice>
@@ -35250,126 +27278,6 @@
   <p:tag name="DEFAULTMAGNIFICATION" val="1.5"/>
   <p:tag name="DEFAULTDISPLAYSOURCE" val="\documentclass{slides}\pagestyle{empty}&#10;\input{c:/latex-macros/texpoint.sty}&#10;&#10;\begin{document}&#10;\[&#10;&#10;\]&#10;\end{document}"/>
   <p:tag name="EMBEDFONTS" val="0"/>
-</p:tagLst>
-</file>
-
-<file path=ppt/tags/tag2.xml><?xml version="1.0" encoding="utf-8"?>
-<p:tagLst xmlns:a="http://schemas.openxmlformats.org/drawingml/2006/main" xmlns:r="http://schemas.openxmlformats.org/officeDocument/2006/relationships" xmlns:p="http://schemas.openxmlformats.org/presentationml/2006/main">
-  <p:tag name="SOURCE" val="\documentclass{slides}&#10;&#10;\begin{document}&#10;$ 3$&#10;\end{document}"/>
-  <p:tag name="EXTERNALNAME" val="TP_tmp"/>
-  <p:tag name="BLEND" val="0"/>
-  <p:tag name="TRANSPARENT" val="1"/>
-  <p:tag name="RESOLUTION" val="300"/>
-  <p:tag name="WORKAROUNDTRANSPARENCYBUG" val="0"/>
-  <p:tag name="ALLOWFONTSUBSTITUTION" val="0"/>
-  <p:tag name="BITMAPFORMAT" val="png256"/>
-  <p:tag name="ORIGWIDTH" val="11"/>
-  <p:tag name="PICTUREFILESIZE" val="1116"/>
-</p:tagLst>
-</file>
-
-<file path=ppt/tags/tag3.xml><?xml version="1.0" encoding="utf-8"?>
-<p:tagLst xmlns:a="http://schemas.openxmlformats.org/drawingml/2006/main" xmlns:r="http://schemas.openxmlformats.org/officeDocument/2006/relationships" xmlns:p="http://schemas.openxmlformats.org/presentationml/2006/main">
-  <p:tag name="SOURCE" val="\documentclass{slides}&#10;&#10;\begin{document}&#10;$ 333$&#10;\end{document}"/>
-  <p:tag name="EXTERNALNAME" val="TP_tmp"/>
-  <p:tag name="BLEND" val="0"/>
-  <p:tag name="TRANSPARENT" val="1"/>
-  <p:tag name="RESOLUTION" val="300"/>
-  <p:tag name="WORKAROUNDTRANSPARENCYBUG" val="0"/>
-  <p:tag name="ALLOWFONTSUBSTITUTION" val="0"/>
-  <p:tag name="BITMAPFORMAT" val="png256"/>
-  <p:tag name="ORIGWIDTH" val="36"/>
-  <p:tag name="PICTUREFILESIZE" val="1237"/>
-</p:tagLst>
-</file>
-
-<file path=ppt/tags/tag4.xml><?xml version="1.0" encoding="utf-8"?>
-<p:tagLst xmlns:a="http://schemas.openxmlformats.org/drawingml/2006/main" xmlns:r="http://schemas.openxmlformats.org/officeDocument/2006/relationships" xmlns:p="http://schemas.openxmlformats.org/presentationml/2006/main">
-  <p:tag name="SOURCE" val="\documentclass{slides}&#10;&#10;\begin{document}&#10;$ 3$&#10;\end{document}"/>
-  <p:tag name="EXTERNALNAME" val="TP_tmp"/>
-  <p:tag name="BLEND" val="0"/>
-  <p:tag name="TRANSPARENT" val="1"/>
-  <p:tag name="RESOLUTION" val="300"/>
-  <p:tag name="WORKAROUNDTRANSPARENCYBUG" val="0"/>
-  <p:tag name="ALLOWFONTSUBSTITUTION" val="0"/>
-  <p:tag name="BITMAPFORMAT" val="png256"/>
-  <p:tag name="ORIGWIDTH" val="11"/>
-  <p:tag name="PICTUREFILESIZE" val="1116"/>
-</p:tagLst>
-</file>
-
-<file path=ppt/tags/tag5.xml><?xml version="1.0" encoding="utf-8"?>
-<p:tagLst xmlns:a="http://schemas.openxmlformats.org/drawingml/2006/main" xmlns:r="http://schemas.openxmlformats.org/officeDocument/2006/relationships" xmlns:p="http://schemas.openxmlformats.org/presentationml/2006/main">
-  <p:tag name="SOURCE" val="\documentclass{slides}&#10;&#10;\begin{document}&#10;$ 333$&#10;\end{document}"/>
-  <p:tag name="EXTERNALNAME" val="TP_tmp"/>
-  <p:tag name="BLEND" val="0"/>
-  <p:tag name="TRANSPARENT" val="1"/>
-  <p:tag name="RESOLUTION" val="300"/>
-  <p:tag name="WORKAROUNDTRANSPARENCYBUG" val="0"/>
-  <p:tag name="ALLOWFONTSUBSTITUTION" val="0"/>
-  <p:tag name="BITMAPFORMAT" val="png256"/>
-  <p:tag name="ORIGWIDTH" val="36"/>
-  <p:tag name="PICTUREFILESIZE" val="1237"/>
-</p:tagLst>
-</file>
-
-<file path=ppt/tags/tag6.xml><?xml version="1.0" encoding="utf-8"?>
-<p:tagLst xmlns:a="http://schemas.openxmlformats.org/drawingml/2006/main" xmlns:r="http://schemas.openxmlformats.org/officeDocument/2006/relationships" xmlns:p="http://schemas.openxmlformats.org/presentationml/2006/main">
-  <p:tag name="SOURCE" val="\documentclass{slides}&#10;&#10;\begin{document}&#10;$ \alpha$&#10;\end{document}"/>
-  <p:tag name="EXTERNALNAME" val="TP_tmp"/>
-  <p:tag name="BLEND" val="0"/>
-  <p:tag name="TRANSPARENT" val="1"/>
-  <p:tag name="RESOLUTION" val="300"/>
-  <p:tag name="WORKAROUNDTRANSPARENCYBUG" val="0"/>
-  <p:tag name="ALLOWFONTSUBSTITUTION" val="0"/>
-  <p:tag name="BITMAPFORMAT" val="png256"/>
-  <p:tag name="ORIGWIDTH" val="13"/>
-  <p:tag name="PICTUREFILESIZE" val="1101"/>
-</p:tagLst>
-</file>
-
-<file path=ppt/tags/tag7.xml><?xml version="1.0" encoding="utf-8"?>
-<p:tagLst xmlns:a="http://schemas.openxmlformats.org/drawingml/2006/main" xmlns:r="http://schemas.openxmlformats.org/officeDocument/2006/relationships" xmlns:p="http://schemas.openxmlformats.org/presentationml/2006/main">
-  <p:tag name="SOURCE" val="\documentclass{slides}\pagestyle{empty}&#10;&#10;\begin{document}&#10;$tt $&#10;\end{document}"/>
-  <p:tag name="EXTERNALNAME" val="TP_tmp"/>
-  <p:tag name="BLEND" val="0"/>
-  <p:tag name="TRANSPARENT" val="1"/>
-  <p:tag name="RESOLUTION" val="300"/>
-  <p:tag name="WORKAROUNDTRANSPARENCYBUG" val="0"/>
-  <p:tag name="ALLOWFONTSUBSTITUTION" val="0"/>
-  <p:tag name="BITMAPFORMAT" val="png256"/>
-  <p:tag name="ORIGWIDTH" val="16.125"/>
-  <p:tag name="PICTUREFILESIZE" val="1092"/>
-</p:tagLst>
-</file>
-
-<file path=ppt/tags/tag8.xml><?xml version="1.0" encoding="utf-8"?>
-<p:tagLst xmlns:a="http://schemas.openxmlformats.org/drawingml/2006/main" xmlns:r="http://schemas.openxmlformats.org/officeDocument/2006/relationships" xmlns:p="http://schemas.openxmlformats.org/presentationml/2006/main">
-  <p:tag name="SOURCE" val="\documentclass{slides}&#10;\begin{document}&#10;$ 99$&#10;\end{document}"/>
-  <p:tag name="EXTERNALNAME" val="TP_tmp"/>
-  <p:tag name="BLEND" val="0"/>
-  <p:tag name="TRANSPARENT" val="1"/>
-  <p:tag name="RESOLUTION" val="300"/>
-  <p:tag name="WORKAROUNDTRANSPARENCYBUG" val="0"/>
-  <p:tag name="ALLOWFONTSUBSTITUTION" val="0"/>
-  <p:tag name="BITMAPFORMAT" val="png256"/>
-  <p:tag name="ORIGWIDTH" val="24"/>
-  <p:tag name="PICTUREFILESIZE" val="1244"/>
-</p:tagLst>
-</file>
-
-<file path=ppt/tags/tag9.xml><?xml version="1.0" encoding="utf-8"?>
-<p:tagLst xmlns:a="http://schemas.openxmlformats.org/drawingml/2006/main" xmlns:r="http://schemas.openxmlformats.org/officeDocument/2006/relationships" xmlns:p="http://schemas.openxmlformats.org/presentationml/2006/main">
-  <p:tag name="SOURCE" val="\documentclass{slides}&#10;&#10;\begin{document}&#10;$ p$&#10;\end{document}"/>
-  <p:tag name="EXTERNALNAME" val="TP_tmp"/>
-  <p:tag name="BLEND" val="0"/>
-  <p:tag name="TRANSPARENT" val="1"/>
-  <p:tag name="RESOLUTION" val="300"/>
-  <p:tag name="WORKAROUNDTRANSPARENCYBUG" val="0"/>
-  <p:tag name="ALLOWFONTSUBSTITUTION" val="0"/>
-  <p:tag name="BITMAPFORMAT" val="png256"/>
-  <p:tag name="ORIGWIDTH" val="11"/>
-  <p:tag name="PICTUREFILESIZE" val="1101"/>
 </p:tagLst>
 </file>
 
